--- a/15_I3B326_Vatsa_Kush.pptx
+++ b/15_I3B326_Vatsa_Kush.pptx
@@ -5,27 +5,28 @@
     <p:sldMasterId id="2147483648" r:id="rId4"/>
   </p:sldMasterIdLst>
   <p:notesMasterIdLst>
-    <p:notesMasterId r:id="rId20"/>
+    <p:notesMasterId r:id="rId21"/>
   </p:notesMasterIdLst>
   <p:handoutMasterIdLst>
-    <p:handoutMasterId r:id="rId21"/>
+    <p:handoutMasterId r:id="rId22"/>
   </p:handoutMasterIdLst>
   <p:sldIdLst>
     <p:sldId id="285" r:id="rId5"/>
-    <p:sldId id="274" r:id="rId6"/>
-    <p:sldId id="297" r:id="rId7"/>
+    <p:sldId id="297" r:id="rId6"/>
+    <p:sldId id="290" r:id="rId7"/>
     <p:sldId id="291" r:id="rId8"/>
     <p:sldId id="286" r:id="rId9"/>
-    <p:sldId id="287" r:id="rId10"/>
-    <p:sldId id="288" r:id="rId11"/>
-    <p:sldId id="290" r:id="rId12"/>
+    <p:sldId id="298" r:id="rId10"/>
+    <p:sldId id="287" r:id="rId11"/>
+    <p:sldId id="288" r:id="rId12"/>
     <p:sldId id="270" r:id="rId13"/>
-    <p:sldId id="292" r:id="rId14"/>
-    <p:sldId id="293" r:id="rId15"/>
-    <p:sldId id="296" r:id="rId16"/>
-    <p:sldId id="295" r:id="rId17"/>
-    <p:sldId id="294" r:id="rId18"/>
-    <p:sldId id="256" r:id="rId19"/>
+    <p:sldId id="300" r:id="rId14"/>
+    <p:sldId id="299" r:id="rId15"/>
+    <p:sldId id="292" r:id="rId16"/>
+    <p:sldId id="296" r:id="rId17"/>
+    <p:sldId id="295" r:id="rId18"/>
+    <p:sldId id="294" r:id="rId19"/>
+    <p:sldId id="256" r:id="rId20"/>
   </p:sldIdLst>
   <p:sldSz cx="12192000" cy="6858000"/>
   <p:notesSz cx="6858000" cy="9144000"/>
@@ -235,7 +236,7 @@
           <a:p>
             <a:fld id="{0DD51EFA-6533-45C3-8394-23FFC04F750D}" type="datetimeFigureOut">
               <a:rPr lang="en-US" smtClean="0"/>
-              <a:t>12/5/2021</a:t>
+              <a:t>12/6/2021</a:t>
             </a:fld>
             <a:endParaRPr lang="en-US" dirty="0"/>
           </a:p>
@@ -412,7 +413,7 @@
           <a:p>
             <a:fld id="{B7B4C180-10CF-422C-B717-65F1B78C7EB7}" type="datetimeFigureOut">
               <a:rPr lang="en-US" noProof="0" smtClean="0"/>
-              <a:t>12/5/2021</a:t>
+              <a:t>12/6/2021</a:t>
             </a:fld>
             <a:endParaRPr lang="en-US" noProof="0" dirty="0"/>
           </a:p>
@@ -753,7 +754,7 @@
     </p:spTree>
     <p:extLst>
       <p:ext uri="{BB962C8B-B14F-4D97-AF65-F5344CB8AC3E}">
-        <p14:creationId xmlns:p14="http://schemas.microsoft.com/office/powerpoint/2010/main" val="4006247087"/>
+        <p14:creationId xmlns:p14="http://schemas.microsoft.com/office/powerpoint/2010/main" val="4567332"/>
       </p:ext>
     </p:extLst>
   </p:cSld>
@@ -828,7 +829,7 @@
           <a:p>
             <a:fld id="{168375C1-7C5C-42A2-80F2-05631BB3764E}" type="slidenum">
               <a:rPr lang="en-US" noProof="0" smtClean="0"/>
-              <a:t>3</a:t>
+              <a:t>4</a:t>
             </a:fld>
             <a:endParaRPr lang="en-US" noProof="0" dirty="0"/>
           </a:p>
@@ -837,7 +838,7 @@
     </p:spTree>
     <p:extLst>
       <p:ext uri="{BB962C8B-B14F-4D97-AF65-F5344CB8AC3E}">
-        <p14:creationId xmlns:p14="http://schemas.microsoft.com/office/powerpoint/2010/main" val="4567332"/>
+        <p14:creationId xmlns:p14="http://schemas.microsoft.com/office/powerpoint/2010/main" val="4165062650"/>
       </p:ext>
     </p:extLst>
   </p:cSld>
@@ -912,7 +913,7 @@
           <a:p>
             <a:fld id="{168375C1-7C5C-42A2-80F2-05631BB3764E}" type="slidenum">
               <a:rPr lang="en-US" noProof="0" smtClean="0"/>
-              <a:t>4</a:t>
+              <a:t>6</a:t>
             </a:fld>
             <a:endParaRPr lang="en-US" noProof="0" dirty="0"/>
           </a:p>
@@ -921,7 +922,7 @@
     </p:spTree>
     <p:extLst>
       <p:ext uri="{BB962C8B-B14F-4D97-AF65-F5344CB8AC3E}">
-        <p14:creationId xmlns:p14="http://schemas.microsoft.com/office/powerpoint/2010/main" val="4165062650"/>
+        <p14:creationId xmlns:p14="http://schemas.microsoft.com/office/powerpoint/2010/main" val="4252321515"/>
       </p:ext>
     </p:extLst>
   </p:cSld>
@@ -1089,7 +1090,7 @@
     </p:spTree>
     <p:extLst>
       <p:ext uri="{BB962C8B-B14F-4D97-AF65-F5344CB8AC3E}">
-        <p14:creationId xmlns:p14="http://schemas.microsoft.com/office/powerpoint/2010/main" val="2088643132"/>
+        <p14:creationId xmlns:p14="http://schemas.microsoft.com/office/powerpoint/2010/main" val="2416323690"/>
       </p:ext>
     </p:extLst>
   </p:cSld>
@@ -1164,7 +1165,7 @@
           <a:p>
             <a:fld id="{168375C1-7C5C-42A2-80F2-05631BB3764E}" type="slidenum">
               <a:rPr lang="en-US" noProof="0" smtClean="0"/>
-              <a:t>14</a:t>
+              <a:t>11</a:t>
             </a:fld>
             <a:endParaRPr lang="en-US" noProof="0" dirty="0"/>
           </a:p>
@@ -1173,7 +1174,7 @@
     </p:spTree>
     <p:extLst>
       <p:ext uri="{BB962C8B-B14F-4D97-AF65-F5344CB8AC3E}">
-        <p14:creationId xmlns:p14="http://schemas.microsoft.com/office/powerpoint/2010/main" val="849032023"/>
+        <p14:creationId xmlns:p14="http://schemas.microsoft.com/office/powerpoint/2010/main" val="2825919176"/>
       </p:ext>
     </p:extLst>
   </p:cSld>
@@ -1227,7 +1228,91 @@
           <a:bodyPr/>
           <a:lstStyle/>
           <a:p>
-            <a:endParaRPr lang="en-US" dirty="0"/>
+            <a:endParaRPr lang="en-US"/>
+          </a:p>
+        </p:txBody>
+      </p:sp>
+      <p:sp>
+        <p:nvSpPr>
+          <p:cNvPr id="4" name="Slide Number Placeholder 3"/>
+          <p:cNvSpPr>
+            <a:spLocks noGrp="1"/>
+          </p:cNvSpPr>
+          <p:nvPr>
+            <p:ph type="sldNum" sz="quarter" idx="5"/>
+          </p:nvPr>
+        </p:nvSpPr>
+        <p:spPr/>
+        <p:txBody>
+          <a:bodyPr/>
+          <a:lstStyle/>
+          <a:p>
+            <a:fld id="{168375C1-7C5C-42A2-80F2-05631BB3764E}" type="slidenum">
+              <a:rPr lang="en-US" noProof="0" smtClean="0"/>
+              <a:t>12</a:t>
+            </a:fld>
+            <a:endParaRPr lang="en-US" noProof="0" dirty="0"/>
+          </a:p>
+        </p:txBody>
+      </p:sp>
+    </p:spTree>
+    <p:extLst>
+      <p:ext uri="{BB962C8B-B14F-4D97-AF65-F5344CB8AC3E}">
+        <p14:creationId xmlns:p14="http://schemas.microsoft.com/office/powerpoint/2010/main" val="2088643132"/>
+      </p:ext>
+    </p:extLst>
+  </p:cSld>
+  <p:clrMapOvr>
+    <a:masterClrMapping/>
+  </p:clrMapOvr>
+</p:notes>
+</file>
+
+<file path=ppt/notesSlides/notesSlide8.xml><?xml version="1.0" encoding="utf-8"?>
+<p:notes xmlns:a="http://schemas.openxmlformats.org/drawingml/2006/main" xmlns:r="http://schemas.openxmlformats.org/officeDocument/2006/relationships" xmlns:p="http://schemas.openxmlformats.org/presentationml/2006/main">
+  <p:cSld>
+    <p:spTree>
+      <p:nvGrpSpPr>
+        <p:cNvPr id="1" name=""/>
+        <p:cNvGrpSpPr/>
+        <p:nvPr/>
+      </p:nvGrpSpPr>
+      <p:grpSpPr>
+        <a:xfrm>
+          <a:off x="0" y="0"/>
+          <a:ext cx="0" cy="0"/>
+          <a:chOff x="0" y="0"/>
+          <a:chExt cx="0" cy="0"/>
+        </a:xfrm>
+      </p:grpSpPr>
+      <p:sp>
+        <p:nvSpPr>
+          <p:cNvPr id="2" name="Slide Image Placeholder 1"/>
+          <p:cNvSpPr>
+            <a:spLocks noGrp="1" noRot="1" noChangeAspect="1"/>
+          </p:cNvSpPr>
+          <p:nvPr>
+            <p:ph type="sldImg"/>
+          </p:nvPr>
+        </p:nvSpPr>
+        <p:spPr/>
+      </p:sp>
+      <p:sp>
+        <p:nvSpPr>
+          <p:cNvPr id="3" name="Notes Placeholder 2"/>
+          <p:cNvSpPr>
+            <a:spLocks noGrp="1"/>
+          </p:cNvSpPr>
+          <p:nvPr>
+            <p:ph type="body" idx="1"/>
+          </p:nvPr>
+        </p:nvSpPr>
+        <p:spPr/>
+        <p:txBody>
+          <a:bodyPr/>
+          <a:lstStyle/>
+          <a:p>
+            <a:endParaRPr lang="en-US"/>
           </a:p>
         </p:txBody>
       </p:sp>
@@ -1249,6 +1334,90 @@
             <a:fld id="{168375C1-7C5C-42A2-80F2-05631BB3764E}" type="slidenum">
               <a:rPr lang="en-US" noProof="0" smtClean="0"/>
               <a:t>15</a:t>
+            </a:fld>
+            <a:endParaRPr lang="en-US" noProof="0" dirty="0"/>
+          </a:p>
+        </p:txBody>
+      </p:sp>
+    </p:spTree>
+    <p:extLst>
+      <p:ext uri="{BB962C8B-B14F-4D97-AF65-F5344CB8AC3E}">
+        <p14:creationId xmlns:p14="http://schemas.microsoft.com/office/powerpoint/2010/main" val="849032023"/>
+      </p:ext>
+    </p:extLst>
+  </p:cSld>
+  <p:clrMapOvr>
+    <a:masterClrMapping/>
+  </p:clrMapOvr>
+</p:notes>
+</file>
+
+<file path=ppt/notesSlides/notesSlide9.xml><?xml version="1.0" encoding="utf-8"?>
+<p:notes xmlns:a="http://schemas.openxmlformats.org/drawingml/2006/main" xmlns:r="http://schemas.openxmlformats.org/officeDocument/2006/relationships" xmlns:p="http://schemas.openxmlformats.org/presentationml/2006/main">
+  <p:cSld>
+    <p:spTree>
+      <p:nvGrpSpPr>
+        <p:cNvPr id="1" name=""/>
+        <p:cNvGrpSpPr/>
+        <p:nvPr/>
+      </p:nvGrpSpPr>
+      <p:grpSpPr>
+        <a:xfrm>
+          <a:off x="0" y="0"/>
+          <a:ext cx="0" cy="0"/>
+          <a:chOff x="0" y="0"/>
+          <a:chExt cx="0" cy="0"/>
+        </a:xfrm>
+      </p:grpSpPr>
+      <p:sp>
+        <p:nvSpPr>
+          <p:cNvPr id="2" name="Slide Image Placeholder 1"/>
+          <p:cNvSpPr>
+            <a:spLocks noGrp="1" noRot="1" noChangeAspect="1"/>
+          </p:cNvSpPr>
+          <p:nvPr>
+            <p:ph type="sldImg"/>
+          </p:nvPr>
+        </p:nvSpPr>
+        <p:spPr/>
+      </p:sp>
+      <p:sp>
+        <p:nvSpPr>
+          <p:cNvPr id="3" name="Notes Placeholder 2"/>
+          <p:cNvSpPr>
+            <a:spLocks noGrp="1"/>
+          </p:cNvSpPr>
+          <p:nvPr>
+            <p:ph type="body" idx="1"/>
+          </p:nvPr>
+        </p:nvSpPr>
+        <p:spPr/>
+        <p:txBody>
+          <a:bodyPr/>
+          <a:lstStyle/>
+          <a:p>
+            <a:endParaRPr lang="en-US" dirty="0"/>
+          </a:p>
+        </p:txBody>
+      </p:sp>
+      <p:sp>
+        <p:nvSpPr>
+          <p:cNvPr id="4" name="Slide Number Placeholder 3"/>
+          <p:cNvSpPr>
+            <a:spLocks noGrp="1"/>
+          </p:cNvSpPr>
+          <p:nvPr>
+            <p:ph type="sldNum" sz="quarter" idx="5"/>
+          </p:nvPr>
+        </p:nvSpPr>
+        <p:spPr/>
+        <p:txBody>
+          <a:bodyPr/>
+          <a:lstStyle/>
+          <a:p>
+            <a:fld id="{168375C1-7C5C-42A2-80F2-05631BB3764E}" type="slidenum">
+              <a:rPr lang="en-US" noProof="0" smtClean="0"/>
+              <a:t>16</a:t>
             </a:fld>
             <a:endParaRPr lang="en-US" noProof="0" dirty="0"/>
           </a:p>
@@ -16939,7 +17108,7 @@
           <p:cNvPr id="2" name="Title 1">
             <a:extLst>
               <a:ext uri="{FF2B5EF4-FFF2-40B4-BE49-F238E27FC236}">
-                <a16:creationId xmlns:a16="http://schemas.microsoft.com/office/drawing/2014/main" id="{C9A428ED-E8E6-4EBE-8C7C-8E6E2E5012C8}"/>
+                <a16:creationId xmlns:a16="http://schemas.microsoft.com/office/drawing/2014/main" id="{618B2F48-EA63-4C31-A2BD-E57B892ABA57}"/>
               </a:ext>
             </a:extLst>
           </p:cNvPr>
@@ -16952,7 +17121,7 @@
         </p:nvSpPr>
         <p:spPr>
           <a:xfrm>
-            <a:off x="432000" y="458126"/>
+            <a:off x="432000" y="577473"/>
             <a:ext cx="11340000" cy="432000"/>
           </a:xfrm>
         </p:spPr>
@@ -16961,19 +17130,923 @@
           <a:lstStyle/>
           <a:p>
             <a:r>
-              <a:rPr lang="en-IN" b="1" dirty="0"/>
-              <a:t>Reflection Across Knowledge Spaces</a:t>
+              <a:rPr lang="en-US" dirty="0" smtClean="0"/>
+              <a:t>Edges</a:t>
             </a:r>
             <a:endParaRPr lang="en-US" dirty="0"/>
           </a:p>
         </p:txBody>
       </p:sp>
+      <p:graphicFrame>
+        <p:nvGraphicFramePr>
+          <p:cNvPr id="5" name="Table 4">
+            <a:extLst>
+              <a:ext uri="{FF2B5EF4-FFF2-40B4-BE49-F238E27FC236}">
+                <a16:creationId xmlns:a16="http://schemas.microsoft.com/office/drawing/2014/main" id="{8F384FA6-319C-4977-ABA7-91C14C557D1B}"/>
+              </a:ext>
+            </a:extLst>
+          </p:cNvPr>
+          <p:cNvGraphicFramePr>
+            <a:graphicFrameLocks noGrp="1"/>
+          </p:cNvGraphicFramePr>
+          <p:nvPr>
+            <p:extLst>
+              <p:ext uri="{D42A27DB-BD31-4B8C-83A1-F6EECF244321}">
+                <p14:modId xmlns:p14="http://schemas.microsoft.com/office/powerpoint/2010/main" val="1706313028"/>
+              </p:ext>
+            </p:extLst>
+          </p:nvPr>
+        </p:nvGraphicFramePr>
+        <p:xfrm>
+          <a:off x="2523141" y="3278777"/>
+          <a:ext cx="6451041" cy="2331810"/>
+        </p:xfrm>
+        <a:graphic>
+          <a:graphicData uri="http://schemas.openxmlformats.org/drawingml/2006/table">
+            <a:tbl>
+              <a:tblPr firstRow="1" firstCol="1">
+                <a:tableStyleId>{5C22544A-7EE6-4342-B048-85BDC9FD1C3A}</a:tableStyleId>
+              </a:tblPr>
+              <a:tblGrid>
+                <a:gridCol w="2150347">
+                  <a:extLst>
+                    <a:ext uri="{9D8B030D-6E8A-4147-A177-3AD203B41FA5}">
+                      <a16:colId xmlns:a16="http://schemas.microsoft.com/office/drawing/2014/main" val="1173992025"/>
+                    </a:ext>
+                  </a:extLst>
+                </a:gridCol>
+                <a:gridCol w="2150347">
+                  <a:extLst>
+                    <a:ext uri="{9D8B030D-6E8A-4147-A177-3AD203B41FA5}">
+                      <a16:colId xmlns:a16="http://schemas.microsoft.com/office/drawing/2014/main" val="115202853"/>
+                    </a:ext>
+                  </a:extLst>
+                </a:gridCol>
+                <a:gridCol w="2150347">
+                  <a:extLst>
+                    <a:ext uri="{9D8B030D-6E8A-4147-A177-3AD203B41FA5}">
+                      <a16:colId xmlns:a16="http://schemas.microsoft.com/office/drawing/2014/main" val="882758837"/>
+                    </a:ext>
+                  </a:extLst>
+                </a:gridCol>
+              </a:tblGrid>
+              <a:tr h="319949">
+                <a:tc>
+                  <a:txBody>
+                    <a:bodyPr/>
+                    <a:lstStyle/>
+                    <a:p>
+                      <a:pPr algn="ctr"/>
+                      <a:r>
+                        <a:rPr lang="en-ZA" b="0" dirty="0" smtClean="0"/>
+                        <a:t>Networks</a:t>
+                      </a:r>
+                      <a:endParaRPr lang="en-ZA" b="0" dirty="0"/>
+                    </a:p>
+                  </a:txBody>
+                  <a:tcPr>
+                    <a:lnL w="12700" cmpd="sng">
+                      <a:noFill/>
+                    </a:lnL>
+                    <a:lnR w="12700" cmpd="sng">
+                      <a:noFill/>
+                    </a:lnR>
+                    <a:lnT w="12700" cmpd="sng">
+                      <a:noFill/>
+                    </a:lnT>
+                    <a:lnB w="38100" cmpd="sng">
+                      <a:noFill/>
+                    </a:lnB>
+                    <a:lnTlToBr w="12700" cmpd="sng">
+                      <a:noFill/>
+                      <a:prstDash val="solid"/>
+                    </a:lnTlToBr>
+                    <a:lnBlToTr w="12700" cmpd="sng">
+                      <a:noFill/>
+                      <a:prstDash val="solid"/>
+                    </a:lnBlToTr>
+                    <a:solidFill>
+                      <a:schemeClr val="tx1">
+                        <a:lumMod val="85000"/>
+                        <a:lumOff val="15000"/>
+                      </a:schemeClr>
+                    </a:solidFill>
+                  </a:tcPr>
+                </a:tc>
+                <a:tc>
+                  <a:txBody>
+                    <a:bodyPr/>
+                    <a:lstStyle/>
+                    <a:p>
+                      <a:pPr algn="ctr"/>
+                      <a:r>
+                        <a:rPr lang="en-ZA" sz="1600" b="0" dirty="0" smtClean="0">
+                          <a:latin typeface="+mn-lt"/>
+                        </a:rPr>
+                        <a:t>Previous Edges</a:t>
+                      </a:r>
+                      <a:endParaRPr lang="en-ZA" sz="1600" b="0" dirty="0">
+                        <a:latin typeface="+mn-lt"/>
+                      </a:endParaRPr>
+                    </a:p>
+                  </a:txBody>
+                  <a:tcPr>
+                    <a:lnL w="12700" cmpd="sng">
+                      <a:noFill/>
+                    </a:lnL>
+                    <a:lnR w="12700" cmpd="sng">
+                      <a:noFill/>
+                    </a:lnR>
+                    <a:lnT w="12700" cmpd="sng">
+                      <a:noFill/>
+                    </a:lnT>
+                    <a:lnB w="3175" cap="flat" cmpd="sng" algn="ctr">
+                      <a:solidFill>
+                        <a:schemeClr val="bg1">
+                          <a:lumMod val="75000"/>
+                        </a:schemeClr>
+                      </a:solidFill>
+                      <a:prstDash val="solid"/>
+                      <a:round/>
+                      <a:headEnd type="none" w="med" len="med"/>
+                      <a:tailEnd type="none" w="med" len="med"/>
+                    </a:lnB>
+                    <a:lnTlToBr w="12700" cmpd="sng">
+                      <a:noFill/>
+                      <a:prstDash val="solid"/>
+                    </a:lnTlToBr>
+                    <a:lnBlToTr w="12700" cmpd="sng">
+                      <a:noFill/>
+                      <a:prstDash val="solid"/>
+                    </a:lnBlToTr>
+                    <a:solidFill>
+                      <a:schemeClr val="tx1">
+                        <a:lumMod val="75000"/>
+                        <a:lumOff val="25000"/>
+                      </a:schemeClr>
+                    </a:solidFill>
+                  </a:tcPr>
+                </a:tc>
+                <a:tc>
+                  <a:txBody>
+                    <a:bodyPr/>
+                    <a:lstStyle/>
+                    <a:p>
+                      <a:pPr algn="ctr"/>
+                      <a:r>
+                        <a:rPr lang="en-ZA" sz="1600" b="0" baseline="0" dirty="0" smtClean="0">
+                          <a:latin typeface="+mn-lt"/>
+                        </a:rPr>
+                        <a:t>New Edges</a:t>
+                      </a:r>
+                      <a:endParaRPr lang="en-ZA" sz="1600" b="0" dirty="0">
+                        <a:latin typeface="+mn-lt"/>
+                      </a:endParaRPr>
+                    </a:p>
+                  </a:txBody>
+                  <a:tcPr>
+                    <a:lnL w="12700" cmpd="sng">
+                      <a:noFill/>
+                    </a:lnL>
+                    <a:lnR w="12700" cmpd="sng">
+                      <a:noFill/>
+                    </a:lnR>
+                    <a:lnT w="12700" cmpd="sng">
+                      <a:noFill/>
+                    </a:lnT>
+                    <a:lnB w="3175" cap="flat" cmpd="sng" algn="ctr">
+                      <a:solidFill>
+                        <a:schemeClr val="bg1">
+                          <a:lumMod val="75000"/>
+                        </a:schemeClr>
+                      </a:solidFill>
+                      <a:prstDash val="solid"/>
+                      <a:round/>
+                      <a:headEnd type="none" w="med" len="med"/>
+                      <a:tailEnd type="none" w="med" len="med"/>
+                    </a:lnB>
+                    <a:lnTlToBr w="12700" cmpd="sng">
+                      <a:noFill/>
+                      <a:prstDash val="solid"/>
+                    </a:lnTlToBr>
+                    <a:lnBlToTr w="12700" cmpd="sng">
+                      <a:noFill/>
+                      <a:prstDash val="solid"/>
+                    </a:lnBlToTr>
+                    <a:solidFill>
+                      <a:schemeClr val="tx1">
+                        <a:lumMod val="75000"/>
+                        <a:lumOff val="25000"/>
+                      </a:schemeClr>
+                    </a:solidFill>
+                  </a:tcPr>
+                </a:tc>
+                <a:extLst>
+                  <a:ext uri="{0D108BD9-81ED-4DB2-BD59-A6C34878D82A}">
+                    <a16:rowId xmlns:a16="http://schemas.microsoft.com/office/drawing/2014/main" val="1007223600"/>
+                  </a:ext>
+                </a:extLst>
+              </a:tr>
+              <a:tr h="655350">
+                <a:tc>
+                  <a:txBody>
+                    <a:bodyPr/>
+                    <a:lstStyle/>
+                    <a:p>
+                      <a:pPr algn="ctr"/>
+                      <a:r>
+                        <a:rPr lang="en-ZA" sz="1600" b="1" dirty="0" smtClean="0"/>
+                        <a:t>Network 1</a:t>
+                      </a:r>
+                      <a:endParaRPr lang="en-ZA" sz="1600" b="1" dirty="0"/>
+                    </a:p>
+                  </a:txBody>
+                  <a:tcPr anchor="ctr">
+                    <a:lnL w="12700" cmpd="sng">
+                      <a:noFill/>
+                    </a:lnL>
+                    <a:lnR w="3175" cap="flat" cmpd="sng" algn="ctr">
+                      <a:solidFill>
+                        <a:schemeClr val="bg1">
+                          <a:lumMod val="75000"/>
+                        </a:schemeClr>
+                      </a:solidFill>
+                      <a:prstDash val="solid"/>
+                      <a:round/>
+                      <a:headEnd type="none" w="med" len="med"/>
+                      <a:tailEnd type="none" w="med" len="med"/>
+                    </a:lnR>
+                    <a:lnT w="38100" cmpd="sng">
+                      <a:noFill/>
+                    </a:lnT>
+                    <a:lnB w="12700" cmpd="sng">
+                      <a:noFill/>
+                    </a:lnB>
+                    <a:lnTlToBr w="12700" cmpd="sng">
+                      <a:noFill/>
+                      <a:prstDash val="solid"/>
+                    </a:lnTlToBr>
+                    <a:lnBlToTr w="12700" cmpd="sng">
+                      <a:noFill/>
+                      <a:prstDash val="solid"/>
+                    </a:lnBlToTr>
+                    <a:solidFill>
+                      <a:schemeClr val="accent1">
+                        <a:lumMod val="50000"/>
+                      </a:schemeClr>
+                    </a:solidFill>
+                  </a:tcPr>
+                </a:tc>
+                <a:tc>
+                  <a:txBody>
+                    <a:bodyPr/>
+                    <a:lstStyle/>
+                    <a:p>
+                      <a:pPr algn="ctr"/>
+                      <a:r>
+                        <a:rPr lang="en-ZA" sz="1600" dirty="0" smtClean="0">
+                          <a:solidFill>
+                            <a:schemeClr val="tx1">
+                              <a:lumMod val="75000"/>
+                              <a:lumOff val="25000"/>
+                            </a:schemeClr>
+                          </a:solidFill>
+                        </a:rPr>
+                        <a:t>4135</a:t>
+                      </a:r>
+                      <a:endParaRPr lang="en-ZA" sz="1600" dirty="0">
+                        <a:solidFill>
+                          <a:schemeClr val="tx1">
+                            <a:lumMod val="75000"/>
+                            <a:lumOff val="25000"/>
+                          </a:schemeClr>
+                        </a:solidFill>
+                      </a:endParaRPr>
+                    </a:p>
+                  </a:txBody>
+                  <a:tcPr anchor="ctr">
+                    <a:lnL w="3175" cap="flat" cmpd="sng" algn="ctr">
+                      <a:solidFill>
+                        <a:schemeClr val="bg1">
+                          <a:lumMod val="75000"/>
+                        </a:schemeClr>
+                      </a:solidFill>
+                      <a:prstDash val="solid"/>
+                      <a:round/>
+                      <a:headEnd type="none" w="med" len="med"/>
+                      <a:tailEnd type="none" w="med" len="med"/>
+                    </a:lnL>
+                    <a:lnR w="3175" cap="flat" cmpd="sng" algn="ctr">
+                      <a:solidFill>
+                        <a:schemeClr val="bg1">
+                          <a:lumMod val="75000"/>
+                        </a:schemeClr>
+                      </a:solidFill>
+                      <a:prstDash val="solid"/>
+                      <a:round/>
+                      <a:headEnd type="none" w="med" len="med"/>
+                      <a:tailEnd type="none" w="med" len="med"/>
+                    </a:lnR>
+                    <a:lnT w="3175" cap="flat" cmpd="sng" algn="ctr">
+                      <a:solidFill>
+                        <a:schemeClr val="bg1">
+                          <a:lumMod val="75000"/>
+                        </a:schemeClr>
+                      </a:solidFill>
+                      <a:prstDash val="solid"/>
+                      <a:round/>
+                      <a:headEnd type="none" w="med" len="med"/>
+                      <a:tailEnd type="none" w="med" len="med"/>
+                    </a:lnT>
+                    <a:lnB w="3175" cap="flat" cmpd="sng" algn="ctr">
+                      <a:solidFill>
+                        <a:schemeClr val="bg1">
+                          <a:lumMod val="75000"/>
+                        </a:schemeClr>
+                      </a:solidFill>
+                      <a:prstDash val="solid"/>
+                      <a:round/>
+                      <a:headEnd type="none" w="med" len="med"/>
+                      <a:tailEnd type="none" w="med" len="med"/>
+                    </a:lnB>
+                    <a:lnTlToBr w="12700" cmpd="sng">
+                      <a:noFill/>
+                      <a:prstDash val="solid"/>
+                    </a:lnTlToBr>
+                    <a:lnBlToTr w="12700" cmpd="sng">
+                      <a:noFill/>
+                      <a:prstDash val="solid"/>
+                    </a:lnBlToTr>
+                    <a:solidFill>
+                      <a:schemeClr val="bg1">
+                        <a:lumMod val="95000"/>
+                      </a:schemeClr>
+                    </a:solidFill>
+                  </a:tcPr>
+                </a:tc>
+                <a:tc>
+                  <a:txBody>
+                    <a:bodyPr/>
+                    <a:lstStyle/>
+                    <a:p>
+                      <a:pPr algn="ctr"/>
+                      <a:r>
+                        <a:rPr lang="en-ZA" sz="1600" dirty="0" smtClean="0">
+                          <a:solidFill>
+                            <a:schemeClr val="tx1">
+                              <a:lumMod val="75000"/>
+                              <a:lumOff val="25000"/>
+                            </a:schemeClr>
+                          </a:solidFill>
+                        </a:rPr>
+                        <a:t>3053</a:t>
+                      </a:r>
+                      <a:endParaRPr lang="en-ZA" sz="1600" dirty="0">
+                        <a:solidFill>
+                          <a:schemeClr val="tx1">
+                            <a:lumMod val="75000"/>
+                            <a:lumOff val="25000"/>
+                          </a:schemeClr>
+                        </a:solidFill>
+                      </a:endParaRPr>
+                    </a:p>
+                  </a:txBody>
+                  <a:tcPr anchor="ctr">
+                    <a:lnL w="3175" cap="flat" cmpd="sng" algn="ctr">
+                      <a:solidFill>
+                        <a:schemeClr val="bg1">
+                          <a:lumMod val="75000"/>
+                        </a:schemeClr>
+                      </a:solidFill>
+                      <a:prstDash val="solid"/>
+                      <a:round/>
+                      <a:headEnd type="none" w="med" len="med"/>
+                      <a:tailEnd type="none" w="med" len="med"/>
+                    </a:lnL>
+                    <a:lnR w="3175" cap="flat" cmpd="sng" algn="ctr">
+                      <a:solidFill>
+                        <a:schemeClr val="bg1">
+                          <a:lumMod val="75000"/>
+                        </a:schemeClr>
+                      </a:solidFill>
+                      <a:prstDash val="solid"/>
+                      <a:round/>
+                      <a:headEnd type="none" w="med" len="med"/>
+                      <a:tailEnd type="none" w="med" len="med"/>
+                    </a:lnR>
+                    <a:lnT w="3175" cap="flat" cmpd="sng" algn="ctr">
+                      <a:solidFill>
+                        <a:schemeClr val="bg1">
+                          <a:lumMod val="75000"/>
+                        </a:schemeClr>
+                      </a:solidFill>
+                      <a:prstDash val="solid"/>
+                      <a:round/>
+                      <a:headEnd type="none" w="med" len="med"/>
+                      <a:tailEnd type="none" w="med" len="med"/>
+                    </a:lnT>
+                    <a:lnB w="3175" cap="flat" cmpd="sng" algn="ctr">
+                      <a:solidFill>
+                        <a:schemeClr val="bg1">
+                          <a:lumMod val="75000"/>
+                        </a:schemeClr>
+                      </a:solidFill>
+                      <a:prstDash val="solid"/>
+                      <a:round/>
+                      <a:headEnd type="none" w="med" len="med"/>
+                      <a:tailEnd type="none" w="med" len="med"/>
+                    </a:lnB>
+                    <a:lnTlToBr w="12700" cmpd="sng">
+                      <a:noFill/>
+                      <a:prstDash val="solid"/>
+                    </a:lnTlToBr>
+                    <a:lnBlToTr w="12700" cmpd="sng">
+                      <a:noFill/>
+                      <a:prstDash val="solid"/>
+                    </a:lnBlToTr>
+                    <a:solidFill>
+                      <a:schemeClr val="bg1">
+                        <a:lumMod val="95000"/>
+                      </a:schemeClr>
+                    </a:solidFill>
+                  </a:tcPr>
+                </a:tc>
+                <a:extLst>
+                  <a:ext uri="{0D108BD9-81ED-4DB2-BD59-A6C34878D82A}">
+                    <a16:rowId xmlns:a16="http://schemas.microsoft.com/office/drawing/2014/main" val="3583495943"/>
+                  </a:ext>
+                </a:extLst>
+              </a:tr>
+              <a:tr h="655350">
+                <a:tc>
+                  <a:txBody>
+                    <a:bodyPr/>
+                    <a:lstStyle/>
+                    <a:p>
+                      <a:pPr algn="ctr"/>
+                      <a:r>
+                        <a:rPr lang="en-ZA" sz="1600" b="1" dirty="0" smtClean="0"/>
+                        <a:t>Network 2</a:t>
+                      </a:r>
+                      <a:endParaRPr lang="en-ZA" sz="1600" b="1" dirty="0"/>
+                    </a:p>
+                  </a:txBody>
+                  <a:tcPr anchor="ctr">
+                    <a:lnL w="12700" cmpd="sng">
+                      <a:noFill/>
+                    </a:lnL>
+                    <a:lnR w="3175" cap="flat" cmpd="sng" algn="ctr">
+                      <a:solidFill>
+                        <a:schemeClr val="bg1">
+                          <a:lumMod val="75000"/>
+                        </a:schemeClr>
+                      </a:solidFill>
+                      <a:prstDash val="solid"/>
+                      <a:round/>
+                      <a:headEnd type="none" w="med" len="med"/>
+                      <a:tailEnd type="none" w="med" len="med"/>
+                    </a:lnR>
+                    <a:lnT w="12700" cmpd="sng">
+                      <a:noFill/>
+                    </a:lnT>
+                    <a:lnB w="12700" cmpd="sng">
+                      <a:noFill/>
+                    </a:lnB>
+                    <a:lnTlToBr w="12700" cmpd="sng">
+                      <a:noFill/>
+                      <a:prstDash val="solid"/>
+                    </a:lnTlToBr>
+                    <a:lnBlToTr w="12700" cmpd="sng">
+                      <a:noFill/>
+                      <a:prstDash val="solid"/>
+                    </a:lnBlToTr>
+                    <a:solidFill>
+                      <a:schemeClr val="accent1">
+                        <a:lumMod val="50000"/>
+                      </a:schemeClr>
+                    </a:solidFill>
+                  </a:tcPr>
+                </a:tc>
+                <a:tc>
+                  <a:txBody>
+                    <a:bodyPr/>
+                    <a:lstStyle/>
+                    <a:p>
+                      <a:pPr algn="ctr"/>
+                      <a:r>
+                        <a:rPr lang="en-ZA" sz="1600" dirty="0" smtClean="0">
+                          <a:solidFill>
+                            <a:schemeClr val="tx1">
+                              <a:lumMod val="75000"/>
+                              <a:lumOff val="25000"/>
+                            </a:schemeClr>
+                          </a:solidFill>
+                        </a:rPr>
+                        <a:t>4745</a:t>
+                      </a:r>
+                      <a:endParaRPr lang="en-ZA" sz="1600" dirty="0">
+                        <a:solidFill>
+                          <a:schemeClr val="tx1">
+                            <a:lumMod val="75000"/>
+                            <a:lumOff val="25000"/>
+                          </a:schemeClr>
+                        </a:solidFill>
+                      </a:endParaRPr>
+                    </a:p>
+                  </a:txBody>
+                  <a:tcPr anchor="ctr">
+                    <a:lnL w="3175" cap="flat" cmpd="sng" algn="ctr">
+                      <a:solidFill>
+                        <a:schemeClr val="bg1">
+                          <a:lumMod val="75000"/>
+                        </a:schemeClr>
+                      </a:solidFill>
+                      <a:prstDash val="solid"/>
+                      <a:round/>
+                      <a:headEnd type="none" w="med" len="med"/>
+                      <a:tailEnd type="none" w="med" len="med"/>
+                    </a:lnL>
+                    <a:lnR w="3175" cap="flat" cmpd="sng" algn="ctr">
+                      <a:solidFill>
+                        <a:schemeClr val="bg1">
+                          <a:lumMod val="75000"/>
+                        </a:schemeClr>
+                      </a:solidFill>
+                      <a:prstDash val="solid"/>
+                      <a:round/>
+                      <a:headEnd type="none" w="med" len="med"/>
+                      <a:tailEnd type="none" w="med" len="med"/>
+                    </a:lnR>
+                    <a:lnT w="3175" cap="flat" cmpd="sng" algn="ctr">
+                      <a:solidFill>
+                        <a:schemeClr val="bg1">
+                          <a:lumMod val="75000"/>
+                        </a:schemeClr>
+                      </a:solidFill>
+                      <a:prstDash val="solid"/>
+                      <a:round/>
+                      <a:headEnd type="none" w="med" len="med"/>
+                      <a:tailEnd type="none" w="med" len="med"/>
+                    </a:lnT>
+                    <a:lnB w="3175" cap="flat" cmpd="sng" algn="ctr">
+                      <a:solidFill>
+                        <a:schemeClr val="bg1">
+                          <a:lumMod val="75000"/>
+                        </a:schemeClr>
+                      </a:solidFill>
+                      <a:prstDash val="solid"/>
+                      <a:round/>
+                      <a:headEnd type="none" w="med" len="med"/>
+                      <a:tailEnd type="none" w="med" len="med"/>
+                    </a:lnB>
+                    <a:lnTlToBr w="12700" cmpd="sng">
+                      <a:noFill/>
+                      <a:prstDash val="solid"/>
+                    </a:lnTlToBr>
+                    <a:lnBlToTr w="12700" cmpd="sng">
+                      <a:noFill/>
+                      <a:prstDash val="solid"/>
+                    </a:lnBlToTr>
+                    <a:solidFill>
+                      <a:schemeClr val="bg1">
+                        <a:lumMod val="95000"/>
+                      </a:schemeClr>
+                    </a:solidFill>
+                  </a:tcPr>
+                </a:tc>
+                <a:tc>
+                  <a:txBody>
+                    <a:bodyPr/>
+                    <a:lstStyle/>
+                    <a:p>
+                      <a:pPr algn="ctr"/>
+                      <a:r>
+                        <a:rPr lang="en-ZA" sz="1600" dirty="0" smtClean="0">
+                          <a:solidFill>
+                            <a:schemeClr val="tx1">
+                              <a:lumMod val="75000"/>
+                              <a:lumOff val="25000"/>
+                            </a:schemeClr>
+                          </a:solidFill>
+                        </a:rPr>
+                        <a:t>3277</a:t>
+                      </a:r>
+                      <a:endParaRPr lang="en-ZA" sz="1600" dirty="0">
+                        <a:solidFill>
+                          <a:schemeClr val="tx1">
+                            <a:lumMod val="75000"/>
+                            <a:lumOff val="25000"/>
+                          </a:schemeClr>
+                        </a:solidFill>
+                      </a:endParaRPr>
+                    </a:p>
+                  </a:txBody>
+                  <a:tcPr anchor="ctr">
+                    <a:lnL w="3175" cap="flat" cmpd="sng" algn="ctr">
+                      <a:solidFill>
+                        <a:schemeClr val="bg1">
+                          <a:lumMod val="75000"/>
+                        </a:schemeClr>
+                      </a:solidFill>
+                      <a:prstDash val="solid"/>
+                      <a:round/>
+                      <a:headEnd type="none" w="med" len="med"/>
+                      <a:tailEnd type="none" w="med" len="med"/>
+                    </a:lnL>
+                    <a:lnR w="3175" cap="flat" cmpd="sng" algn="ctr">
+                      <a:solidFill>
+                        <a:schemeClr val="bg1">
+                          <a:lumMod val="75000"/>
+                        </a:schemeClr>
+                      </a:solidFill>
+                      <a:prstDash val="solid"/>
+                      <a:round/>
+                      <a:headEnd type="none" w="med" len="med"/>
+                      <a:tailEnd type="none" w="med" len="med"/>
+                    </a:lnR>
+                    <a:lnT w="3175" cap="flat" cmpd="sng" algn="ctr">
+                      <a:solidFill>
+                        <a:schemeClr val="bg1">
+                          <a:lumMod val="75000"/>
+                        </a:schemeClr>
+                      </a:solidFill>
+                      <a:prstDash val="solid"/>
+                      <a:round/>
+                      <a:headEnd type="none" w="med" len="med"/>
+                      <a:tailEnd type="none" w="med" len="med"/>
+                    </a:lnT>
+                    <a:lnB w="3175" cap="flat" cmpd="sng" algn="ctr">
+                      <a:solidFill>
+                        <a:schemeClr val="bg1">
+                          <a:lumMod val="75000"/>
+                        </a:schemeClr>
+                      </a:solidFill>
+                      <a:prstDash val="solid"/>
+                      <a:round/>
+                      <a:headEnd type="none" w="med" len="med"/>
+                      <a:tailEnd type="none" w="med" len="med"/>
+                    </a:lnB>
+                    <a:lnTlToBr w="12700" cmpd="sng">
+                      <a:noFill/>
+                      <a:prstDash val="solid"/>
+                    </a:lnTlToBr>
+                    <a:lnBlToTr w="12700" cmpd="sng">
+                      <a:noFill/>
+                      <a:prstDash val="solid"/>
+                    </a:lnBlToTr>
+                    <a:solidFill>
+                      <a:schemeClr val="bg1">
+                        <a:lumMod val="95000"/>
+                      </a:schemeClr>
+                    </a:solidFill>
+                  </a:tcPr>
+                </a:tc>
+                <a:extLst>
+                  <a:ext uri="{0D108BD9-81ED-4DB2-BD59-A6C34878D82A}">
+                    <a16:rowId xmlns:a16="http://schemas.microsoft.com/office/drawing/2014/main" val="2912132828"/>
+                  </a:ext>
+                </a:extLst>
+              </a:tr>
+              <a:tr h="655350">
+                <a:tc>
+                  <a:txBody>
+                    <a:bodyPr/>
+                    <a:lstStyle/>
+                    <a:p>
+                      <a:pPr algn="ctr"/>
+                      <a:r>
+                        <a:rPr lang="en-ZA" sz="1600" b="1" dirty="0" smtClean="0"/>
+                        <a:t>Reshuffled Network</a:t>
+                      </a:r>
+                      <a:endParaRPr lang="en-ZA" sz="1600" b="1" dirty="0"/>
+                    </a:p>
+                  </a:txBody>
+                  <a:tcPr anchor="ctr">
+                    <a:lnL w="12700" cmpd="sng">
+                      <a:noFill/>
+                    </a:lnL>
+                    <a:lnR w="3175" cap="flat" cmpd="sng" algn="ctr">
+                      <a:solidFill>
+                        <a:schemeClr val="bg1">
+                          <a:lumMod val="75000"/>
+                        </a:schemeClr>
+                      </a:solidFill>
+                      <a:prstDash val="solid"/>
+                      <a:round/>
+                      <a:headEnd type="none" w="med" len="med"/>
+                      <a:tailEnd type="none" w="med" len="med"/>
+                    </a:lnR>
+                    <a:lnT w="12700" cmpd="sng">
+                      <a:noFill/>
+                    </a:lnT>
+                    <a:lnB w="12700" cmpd="sng">
+                      <a:noFill/>
+                    </a:lnB>
+                    <a:lnTlToBr w="12700" cmpd="sng">
+                      <a:noFill/>
+                      <a:prstDash val="solid"/>
+                    </a:lnTlToBr>
+                    <a:lnBlToTr w="12700" cmpd="sng">
+                      <a:noFill/>
+                      <a:prstDash val="solid"/>
+                    </a:lnBlToTr>
+                    <a:solidFill>
+                      <a:schemeClr val="accent1">
+                        <a:lumMod val="50000"/>
+                      </a:schemeClr>
+                    </a:solidFill>
+                  </a:tcPr>
+                </a:tc>
+                <a:tc>
+                  <a:txBody>
+                    <a:bodyPr/>
+                    <a:lstStyle/>
+                    <a:p>
+                      <a:pPr algn="ctr"/>
+                      <a:r>
+                        <a:rPr lang="en-ZA" sz="1600" dirty="0" smtClean="0">
+                          <a:solidFill>
+                            <a:schemeClr val="tx1">
+                              <a:lumMod val="75000"/>
+                              <a:lumOff val="25000"/>
+                            </a:schemeClr>
+                          </a:solidFill>
+                        </a:rPr>
+                        <a:t>4671</a:t>
+                      </a:r>
+                      <a:endParaRPr lang="en-ZA" sz="1600" dirty="0">
+                        <a:solidFill>
+                          <a:schemeClr val="tx1">
+                            <a:lumMod val="75000"/>
+                            <a:lumOff val="25000"/>
+                          </a:schemeClr>
+                        </a:solidFill>
+                      </a:endParaRPr>
+                    </a:p>
+                  </a:txBody>
+                  <a:tcPr anchor="ctr">
+                    <a:lnL w="3175" cap="flat" cmpd="sng" algn="ctr">
+                      <a:solidFill>
+                        <a:schemeClr val="bg1">
+                          <a:lumMod val="75000"/>
+                        </a:schemeClr>
+                      </a:solidFill>
+                      <a:prstDash val="solid"/>
+                      <a:round/>
+                      <a:headEnd type="none" w="med" len="med"/>
+                      <a:tailEnd type="none" w="med" len="med"/>
+                    </a:lnL>
+                    <a:lnR w="3175" cap="flat" cmpd="sng" algn="ctr">
+                      <a:solidFill>
+                        <a:schemeClr val="bg1">
+                          <a:lumMod val="75000"/>
+                        </a:schemeClr>
+                      </a:solidFill>
+                      <a:prstDash val="solid"/>
+                      <a:round/>
+                      <a:headEnd type="none" w="med" len="med"/>
+                      <a:tailEnd type="none" w="med" len="med"/>
+                    </a:lnR>
+                    <a:lnT w="3175" cap="flat" cmpd="sng" algn="ctr">
+                      <a:solidFill>
+                        <a:schemeClr val="bg1">
+                          <a:lumMod val="75000"/>
+                        </a:schemeClr>
+                      </a:solidFill>
+                      <a:prstDash val="solid"/>
+                      <a:round/>
+                      <a:headEnd type="none" w="med" len="med"/>
+                      <a:tailEnd type="none" w="med" len="med"/>
+                    </a:lnT>
+                    <a:lnB w="3175" cap="flat" cmpd="sng" algn="ctr">
+                      <a:solidFill>
+                        <a:schemeClr val="bg1">
+                          <a:lumMod val="75000"/>
+                        </a:schemeClr>
+                      </a:solidFill>
+                      <a:prstDash val="solid"/>
+                      <a:round/>
+                      <a:headEnd type="none" w="med" len="med"/>
+                      <a:tailEnd type="none" w="med" len="med"/>
+                    </a:lnB>
+                    <a:lnTlToBr w="12700" cmpd="sng">
+                      <a:noFill/>
+                      <a:prstDash val="solid"/>
+                    </a:lnTlToBr>
+                    <a:lnBlToTr w="12700" cmpd="sng">
+                      <a:noFill/>
+                      <a:prstDash val="solid"/>
+                    </a:lnBlToTr>
+                    <a:solidFill>
+                      <a:schemeClr val="bg1">
+                        <a:lumMod val="95000"/>
+                      </a:schemeClr>
+                    </a:solidFill>
+                  </a:tcPr>
+                </a:tc>
+                <a:tc>
+                  <a:txBody>
+                    <a:bodyPr/>
+                    <a:lstStyle/>
+                    <a:p>
+                      <a:pPr algn="ctr"/>
+                      <a:r>
+                        <a:rPr lang="en-ZA" sz="1600" dirty="0" smtClean="0">
+                          <a:solidFill>
+                            <a:schemeClr val="tx1">
+                              <a:lumMod val="75000"/>
+                              <a:lumOff val="25000"/>
+                            </a:schemeClr>
+                          </a:solidFill>
+                        </a:rPr>
+                        <a:t>3292</a:t>
+                      </a:r>
+                      <a:endParaRPr lang="en-ZA" sz="1600" dirty="0">
+                        <a:solidFill>
+                          <a:schemeClr val="tx1">
+                            <a:lumMod val="75000"/>
+                            <a:lumOff val="25000"/>
+                          </a:schemeClr>
+                        </a:solidFill>
+                      </a:endParaRPr>
+                    </a:p>
+                  </a:txBody>
+                  <a:tcPr anchor="ctr">
+                    <a:lnL w="3175" cap="flat" cmpd="sng" algn="ctr">
+                      <a:solidFill>
+                        <a:schemeClr val="bg1">
+                          <a:lumMod val="75000"/>
+                        </a:schemeClr>
+                      </a:solidFill>
+                      <a:prstDash val="solid"/>
+                      <a:round/>
+                      <a:headEnd type="none" w="med" len="med"/>
+                      <a:tailEnd type="none" w="med" len="med"/>
+                    </a:lnL>
+                    <a:lnR w="3175" cap="flat" cmpd="sng" algn="ctr">
+                      <a:solidFill>
+                        <a:schemeClr val="bg1">
+                          <a:lumMod val="75000"/>
+                        </a:schemeClr>
+                      </a:solidFill>
+                      <a:prstDash val="solid"/>
+                      <a:round/>
+                      <a:headEnd type="none" w="med" len="med"/>
+                      <a:tailEnd type="none" w="med" len="med"/>
+                    </a:lnR>
+                    <a:lnT w="3175" cap="flat" cmpd="sng" algn="ctr">
+                      <a:solidFill>
+                        <a:schemeClr val="bg1">
+                          <a:lumMod val="75000"/>
+                        </a:schemeClr>
+                      </a:solidFill>
+                      <a:prstDash val="solid"/>
+                      <a:round/>
+                      <a:headEnd type="none" w="med" len="med"/>
+                      <a:tailEnd type="none" w="med" len="med"/>
+                    </a:lnT>
+                    <a:lnB w="3175" cap="flat" cmpd="sng" algn="ctr">
+                      <a:solidFill>
+                        <a:schemeClr val="bg1">
+                          <a:lumMod val="75000"/>
+                        </a:schemeClr>
+                      </a:solidFill>
+                      <a:prstDash val="solid"/>
+                      <a:round/>
+                      <a:headEnd type="none" w="med" len="med"/>
+                      <a:tailEnd type="none" w="med" len="med"/>
+                    </a:lnB>
+                    <a:lnTlToBr w="12700" cmpd="sng">
+                      <a:noFill/>
+                      <a:prstDash val="solid"/>
+                    </a:lnTlToBr>
+                    <a:lnBlToTr w="12700" cmpd="sng">
+                      <a:noFill/>
+                      <a:prstDash val="solid"/>
+                    </a:lnBlToTr>
+                    <a:solidFill>
+                      <a:schemeClr val="bg1">
+                        <a:lumMod val="95000"/>
+                      </a:schemeClr>
+                    </a:solidFill>
+                  </a:tcPr>
+                </a:tc>
+                <a:extLst>
+                  <a:ext uri="{0D108BD9-81ED-4DB2-BD59-A6C34878D82A}">
+                    <a16:rowId xmlns:a16="http://schemas.microsoft.com/office/drawing/2014/main" val="1094300830"/>
+                  </a:ext>
+                </a:extLst>
+              </a:tr>
+            </a:tbl>
+          </a:graphicData>
+        </a:graphic>
+      </p:graphicFrame>
       <p:sp>
         <p:nvSpPr>
           <p:cNvPr id="3" name="Slide Number Placeholder 2">
             <a:extLst>
               <a:ext uri="{FF2B5EF4-FFF2-40B4-BE49-F238E27FC236}">
-                <a16:creationId xmlns:a16="http://schemas.microsoft.com/office/drawing/2014/main" id="{B79F4F6B-299B-431B-AD93-01AF893D8C92}"/>
+                <a16:creationId xmlns:a16="http://schemas.microsoft.com/office/drawing/2014/main" id="{5A4023F7-426F-4F4B-8ACB-12F9B5FBE46F}"/>
               </a:ext>
             </a:extLst>
           </p:cNvPr>
@@ -16998,87 +18071,10 @@
           </a:p>
         </p:txBody>
       </p:sp>
-      <p:sp>
-        <p:nvSpPr>
-          <p:cNvPr id="40" name="Text Placeholder 4">
-            <a:extLst>
-              <a:ext uri="{FF2B5EF4-FFF2-40B4-BE49-F238E27FC236}">
-                <a16:creationId xmlns:a16="http://schemas.microsoft.com/office/drawing/2014/main" id="{B3873866-C6DF-4447-8D2F-8A88CF14E6CB}"/>
-              </a:ext>
-            </a:extLst>
-          </p:cNvPr>
-          <p:cNvSpPr>
-            <a:spLocks noGrp="1"/>
-          </p:cNvSpPr>
-          <p:nvPr>
-            <p:ph type="body" sz="quarter" idx="4294967295"/>
-          </p:nvPr>
-        </p:nvSpPr>
-        <p:spPr>
-          <a:xfrm>
-            <a:off x="5329647" y="2775654"/>
-            <a:ext cx="6442354" cy="2325188"/>
-          </a:xfrm>
-          <a:prstGeom prst="rect">
-            <a:avLst/>
-          </a:prstGeom>
-        </p:spPr>
-        <p:txBody>
-          <a:bodyPr/>
-          <a:lstStyle/>
-          <a:p>
-            <a:pPr marL="0" indent="0">
-              <a:buNone/>
-            </a:pPr>
-            <a:r>
-              <a:rPr lang="en-US" sz="2400" dirty="0"/>
-              <a:t>The dimensions of a knowledge space are interdependent. When you work on one dimension, you should take the others into account.</a:t>
-            </a:r>
-          </a:p>
-          <a:p>
-            <a:pPr marL="0" indent="0">
-              <a:buNone/>
-            </a:pPr>
-            <a:endParaRPr lang="en-IN" sz="2200" dirty="0"/>
-          </a:p>
-        </p:txBody>
-      </p:sp>
-      <p:pic>
-        <p:nvPicPr>
-          <p:cNvPr id="6" name="Picture Placeholder 3"/>
-          <p:cNvPicPr>
-            <a:picLocks noGrp="1" noChangeAspect="1"/>
-          </p:cNvPicPr>
-          <p:nvPr>
-            <p:ph type="pic" sz="quarter" idx="4294967295"/>
-          </p:nvPr>
-        </p:nvPicPr>
-        <p:blipFill>
-          <a:blip r:embed="rId3">
-            <a:extLst>
-              <a:ext uri="{28A0092B-C50C-407E-A947-70E740481C1C}">
-                <a14:useLocalDpi xmlns:a14="http://schemas.microsoft.com/office/drawing/2010/main" val="0"/>
-              </a:ext>
-            </a:extLst>
-          </a:blip>
-          <a:stretch>
-            <a:fillRect/>
-          </a:stretch>
-        </p:blipFill>
-        <p:spPr>
-          <a:xfrm>
-            <a:off x="432000" y="1034564"/>
-            <a:ext cx="4622263" cy="4066278"/>
-          </a:xfrm>
-          <a:prstGeom prst="rect">
-            <a:avLst/>
-          </a:prstGeom>
-        </p:spPr>
-      </p:pic>
     </p:spTree>
     <p:extLst>
       <p:ext uri="{BB962C8B-B14F-4D97-AF65-F5344CB8AC3E}">
-        <p14:creationId xmlns:p14="http://schemas.microsoft.com/office/powerpoint/2010/main" val="3703180666"/>
+        <p14:creationId xmlns:p14="http://schemas.microsoft.com/office/powerpoint/2010/main" val="2126834911"/>
       </p:ext>
     </p:extLst>
   </p:cSld>
@@ -17114,129 +18110,654 @@
       </p:grpSpPr>
       <p:sp>
         <p:nvSpPr>
-          <p:cNvPr id="2" name="Slide Number Placeholder 1"/>
-          <p:cNvSpPr>
-            <a:spLocks noGrp="1"/>
-          </p:cNvSpPr>
-          <p:nvPr>
-            <p:ph type="sldNum" sz="quarter" idx="11"/>
-          </p:nvPr>
-        </p:nvSpPr>
-        <p:spPr/>
+          <p:cNvPr id="2" name="Title 1">
+            <a:extLst>
+              <a:ext uri="{FF2B5EF4-FFF2-40B4-BE49-F238E27FC236}">
+                <a16:creationId xmlns:a16="http://schemas.microsoft.com/office/drawing/2014/main" id="{618B2F48-EA63-4C31-A2BD-E57B892ABA57}"/>
+              </a:ext>
+            </a:extLst>
+          </p:cNvPr>
+          <p:cNvSpPr>
+            <a:spLocks noGrp="1"/>
+          </p:cNvSpPr>
+          <p:nvPr>
+            <p:ph type="title"/>
+          </p:nvPr>
+        </p:nvSpPr>
+        <p:spPr>
+          <a:xfrm>
+            <a:off x="432000" y="577473"/>
+            <a:ext cx="11340000" cy="432000"/>
+          </a:xfrm>
+        </p:spPr>
         <p:txBody>
           <a:bodyPr/>
           <a:lstStyle/>
           <a:p>
+            <a:r>
+              <a:rPr lang="en-US" dirty="0" smtClean="0"/>
+              <a:t>Results</a:t>
+            </a:r>
+            <a:endParaRPr lang="en-US" dirty="0"/>
+          </a:p>
+        </p:txBody>
+      </p:sp>
+      <p:graphicFrame>
+        <p:nvGraphicFramePr>
+          <p:cNvPr id="5" name="Table 4">
+            <a:extLst>
+              <a:ext uri="{FF2B5EF4-FFF2-40B4-BE49-F238E27FC236}">
+                <a16:creationId xmlns:a16="http://schemas.microsoft.com/office/drawing/2014/main" id="{8F384FA6-319C-4977-ABA7-91C14C557D1B}"/>
+              </a:ext>
+            </a:extLst>
+          </p:cNvPr>
+          <p:cNvGraphicFramePr>
+            <a:graphicFrameLocks noGrp="1"/>
+          </p:cNvGraphicFramePr>
+          <p:nvPr>
+            <p:extLst>
+              <p:ext uri="{D42A27DB-BD31-4B8C-83A1-F6EECF244321}">
+                <p14:modId xmlns:p14="http://schemas.microsoft.com/office/powerpoint/2010/main" val="2674509273"/>
+              </p:ext>
+            </p:extLst>
+          </p:nvPr>
+        </p:nvGraphicFramePr>
+        <p:xfrm>
+          <a:off x="2523141" y="3278777"/>
+          <a:ext cx="6451042" cy="2331810"/>
+        </p:xfrm>
+        <a:graphic>
+          <a:graphicData uri="http://schemas.openxmlformats.org/drawingml/2006/table">
+            <a:tbl>
+              <a:tblPr firstRow="1" firstCol="1">
+                <a:tableStyleId>{5C22544A-7EE6-4342-B048-85BDC9FD1C3A}</a:tableStyleId>
+              </a:tblPr>
+              <a:tblGrid>
+                <a:gridCol w="3225521">
+                  <a:extLst>
+                    <a:ext uri="{9D8B030D-6E8A-4147-A177-3AD203B41FA5}">
+                      <a16:colId xmlns:a16="http://schemas.microsoft.com/office/drawing/2014/main" val="1173992025"/>
+                    </a:ext>
+                  </a:extLst>
+                </a:gridCol>
+                <a:gridCol w="3225521">
+                  <a:extLst>
+                    <a:ext uri="{9D8B030D-6E8A-4147-A177-3AD203B41FA5}">
+                      <a16:colId xmlns:a16="http://schemas.microsoft.com/office/drawing/2014/main" val="115202853"/>
+                    </a:ext>
+                  </a:extLst>
+                </a:gridCol>
+              </a:tblGrid>
+              <a:tr h="319949">
+                <a:tc>
+                  <a:txBody>
+                    <a:bodyPr/>
+                    <a:lstStyle/>
+                    <a:p>
+                      <a:pPr algn="ctr"/>
+                      <a:r>
+                        <a:rPr lang="en-ZA" b="0" dirty="0" smtClean="0"/>
+                        <a:t>Networks</a:t>
+                      </a:r>
+                      <a:endParaRPr lang="en-ZA" b="0" dirty="0"/>
+                    </a:p>
+                  </a:txBody>
+                  <a:tcPr>
+                    <a:lnL w="12700" cmpd="sng">
+                      <a:noFill/>
+                    </a:lnL>
+                    <a:lnR w="12700" cmpd="sng">
+                      <a:noFill/>
+                    </a:lnR>
+                    <a:lnT w="12700" cmpd="sng">
+                      <a:noFill/>
+                    </a:lnT>
+                    <a:lnB w="38100" cmpd="sng">
+                      <a:noFill/>
+                    </a:lnB>
+                    <a:lnTlToBr w="12700" cmpd="sng">
+                      <a:noFill/>
+                      <a:prstDash val="solid"/>
+                    </a:lnTlToBr>
+                    <a:lnBlToTr w="12700" cmpd="sng">
+                      <a:noFill/>
+                      <a:prstDash val="solid"/>
+                    </a:lnBlToTr>
+                    <a:solidFill>
+                      <a:schemeClr val="tx1">
+                        <a:lumMod val="85000"/>
+                        <a:lumOff val="15000"/>
+                      </a:schemeClr>
+                    </a:solidFill>
+                  </a:tcPr>
+                </a:tc>
+                <a:tc>
+                  <a:txBody>
+                    <a:bodyPr/>
+                    <a:lstStyle/>
+                    <a:p>
+                      <a:pPr algn="ctr"/>
+                      <a:r>
+                        <a:rPr lang="en-ZA" sz="1600" b="0" dirty="0" smtClean="0">
+                          <a:latin typeface="+mn-lt"/>
+                        </a:rPr>
+                        <a:t>Steps</a:t>
+                      </a:r>
+                      <a:endParaRPr lang="en-ZA" sz="1600" b="0" dirty="0">
+                        <a:latin typeface="+mn-lt"/>
+                      </a:endParaRPr>
+                    </a:p>
+                  </a:txBody>
+                  <a:tcPr>
+                    <a:lnL w="12700" cmpd="sng">
+                      <a:noFill/>
+                    </a:lnL>
+                    <a:lnR w="12700" cmpd="sng">
+                      <a:noFill/>
+                    </a:lnR>
+                    <a:lnT w="12700" cmpd="sng">
+                      <a:noFill/>
+                    </a:lnT>
+                    <a:lnB w="3175" cap="flat" cmpd="sng" algn="ctr">
+                      <a:solidFill>
+                        <a:schemeClr val="bg1">
+                          <a:lumMod val="75000"/>
+                        </a:schemeClr>
+                      </a:solidFill>
+                      <a:prstDash val="solid"/>
+                      <a:round/>
+                      <a:headEnd type="none" w="med" len="med"/>
+                      <a:tailEnd type="none" w="med" len="med"/>
+                    </a:lnB>
+                    <a:lnTlToBr w="12700" cmpd="sng">
+                      <a:noFill/>
+                      <a:prstDash val="solid"/>
+                    </a:lnTlToBr>
+                    <a:lnBlToTr w="12700" cmpd="sng">
+                      <a:noFill/>
+                      <a:prstDash val="solid"/>
+                    </a:lnBlToTr>
+                    <a:solidFill>
+                      <a:schemeClr val="tx1">
+                        <a:lumMod val="75000"/>
+                        <a:lumOff val="25000"/>
+                      </a:schemeClr>
+                    </a:solidFill>
+                  </a:tcPr>
+                </a:tc>
+                <a:extLst>
+                  <a:ext uri="{0D108BD9-81ED-4DB2-BD59-A6C34878D82A}">
+                    <a16:rowId xmlns:a16="http://schemas.microsoft.com/office/drawing/2014/main" val="1007223600"/>
+                  </a:ext>
+                </a:extLst>
+              </a:tr>
+              <a:tr h="655350">
+                <a:tc>
+                  <a:txBody>
+                    <a:bodyPr/>
+                    <a:lstStyle/>
+                    <a:p>
+                      <a:pPr algn="ctr"/>
+                      <a:r>
+                        <a:rPr lang="en-ZA" sz="1600" b="1" dirty="0" smtClean="0"/>
+                        <a:t>Network 1</a:t>
+                      </a:r>
+                      <a:endParaRPr lang="en-ZA" sz="1600" b="1" dirty="0"/>
+                    </a:p>
+                  </a:txBody>
+                  <a:tcPr anchor="ctr">
+                    <a:lnL w="12700" cmpd="sng">
+                      <a:noFill/>
+                    </a:lnL>
+                    <a:lnR w="3175" cap="flat" cmpd="sng" algn="ctr">
+                      <a:solidFill>
+                        <a:schemeClr val="bg1">
+                          <a:lumMod val="75000"/>
+                        </a:schemeClr>
+                      </a:solidFill>
+                      <a:prstDash val="solid"/>
+                      <a:round/>
+                      <a:headEnd type="none" w="med" len="med"/>
+                      <a:tailEnd type="none" w="med" len="med"/>
+                    </a:lnR>
+                    <a:lnT w="38100" cmpd="sng">
+                      <a:noFill/>
+                    </a:lnT>
+                    <a:lnB w="12700" cmpd="sng">
+                      <a:noFill/>
+                    </a:lnB>
+                    <a:lnTlToBr w="12700" cmpd="sng">
+                      <a:noFill/>
+                      <a:prstDash val="solid"/>
+                    </a:lnTlToBr>
+                    <a:lnBlToTr w="12700" cmpd="sng">
+                      <a:noFill/>
+                      <a:prstDash val="solid"/>
+                    </a:lnBlToTr>
+                    <a:solidFill>
+                      <a:schemeClr val="accent1">
+                        <a:lumMod val="50000"/>
+                      </a:schemeClr>
+                    </a:solidFill>
+                  </a:tcPr>
+                </a:tc>
+                <a:tc>
+                  <a:txBody>
+                    <a:bodyPr/>
+                    <a:lstStyle/>
+                    <a:p>
+                      <a:pPr algn="ctr"/>
+                      <a:r>
+                        <a:rPr lang="en-ZA" sz="1600" dirty="0" smtClean="0">
+                          <a:solidFill>
+                            <a:schemeClr val="tx1">
+                              <a:lumMod val="75000"/>
+                              <a:lumOff val="25000"/>
+                            </a:schemeClr>
+                          </a:solidFill>
+                        </a:rPr>
+                        <a:t>2102</a:t>
+                      </a:r>
+                      <a:endParaRPr lang="en-ZA" sz="1600" dirty="0">
+                        <a:solidFill>
+                          <a:schemeClr val="tx1">
+                            <a:lumMod val="75000"/>
+                            <a:lumOff val="25000"/>
+                          </a:schemeClr>
+                        </a:solidFill>
+                      </a:endParaRPr>
+                    </a:p>
+                  </a:txBody>
+                  <a:tcPr anchor="ctr">
+                    <a:lnL w="3175" cap="flat" cmpd="sng" algn="ctr">
+                      <a:solidFill>
+                        <a:schemeClr val="bg1">
+                          <a:lumMod val="75000"/>
+                        </a:schemeClr>
+                      </a:solidFill>
+                      <a:prstDash val="solid"/>
+                      <a:round/>
+                      <a:headEnd type="none" w="med" len="med"/>
+                      <a:tailEnd type="none" w="med" len="med"/>
+                    </a:lnL>
+                    <a:lnR w="3175" cap="flat" cmpd="sng" algn="ctr">
+                      <a:solidFill>
+                        <a:schemeClr val="bg1">
+                          <a:lumMod val="75000"/>
+                        </a:schemeClr>
+                      </a:solidFill>
+                      <a:prstDash val="solid"/>
+                      <a:round/>
+                      <a:headEnd type="none" w="med" len="med"/>
+                      <a:tailEnd type="none" w="med" len="med"/>
+                    </a:lnR>
+                    <a:lnT w="3175" cap="flat" cmpd="sng" algn="ctr">
+                      <a:solidFill>
+                        <a:schemeClr val="bg1">
+                          <a:lumMod val="75000"/>
+                        </a:schemeClr>
+                      </a:solidFill>
+                      <a:prstDash val="solid"/>
+                      <a:round/>
+                      <a:headEnd type="none" w="med" len="med"/>
+                      <a:tailEnd type="none" w="med" len="med"/>
+                    </a:lnT>
+                    <a:lnB w="3175" cap="flat" cmpd="sng" algn="ctr">
+                      <a:solidFill>
+                        <a:schemeClr val="bg1">
+                          <a:lumMod val="75000"/>
+                        </a:schemeClr>
+                      </a:solidFill>
+                      <a:prstDash val="solid"/>
+                      <a:round/>
+                      <a:headEnd type="none" w="med" len="med"/>
+                      <a:tailEnd type="none" w="med" len="med"/>
+                    </a:lnB>
+                    <a:lnTlToBr w="12700" cmpd="sng">
+                      <a:noFill/>
+                      <a:prstDash val="solid"/>
+                    </a:lnTlToBr>
+                    <a:lnBlToTr w="12700" cmpd="sng">
+                      <a:noFill/>
+                      <a:prstDash val="solid"/>
+                    </a:lnBlToTr>
+                    <a:solidFill>
+                      <a:schemeClr val="bg1">
+                        <a:lumMod val="95000"/>
+                      </a:schemeClr>
+                    </a:solidFill>
+                  </a:tcPr>
+                </a:tc>
+                <a:extLst>
+                  <a:ext uri="{0D108BD9-81ED-4DB2-BD59-A6C34878D82A}">
+                    <a16:rowId xmlns:a16="http://schemas.microsoft.com/office/drawing/2014/main" val="3583495943"/>
+                  </a:ext>
+                </a:extLst>
+              </a:tr>
+              <a:tr h="655350">
+                <a:tc>
+                  <a:txBody>
+                    <a:bodyPr/>
+                    <a:lstStyle/>
+                    <a:p>
+                      <a:pPr algn="ctr"/>
+                      <a:r>
+                        <a:rPr lang="en-ZA" sz="1600" b="1" dirty="0" smtClean="0"/>
+                        <a:t>Network 2</a:t>
+                      </a:r>
+                      <a:endParaRPr lang="en-ZA" sz="1600" b="1" dirty="0"/>
+                    </a:p>
+                  </a:txBody>
+                  <a:tcPr anchor="ctr">
+                    <a:lnL w="12700" cmpd="sng">
+                      <a:noFill/>
+                    </a:lnL>
+                    <a:lnR w="3175" cap="flat" cmpd="sng" algn="ctr">
+                      <a:solidFill>
+                        <a:schemeClr val="bg1">
+                          <a:lumMod val="75000"/>
+                        </a:schemeClr>
+                      </a:solidFill>
+                      <a:prstDash val="solid"/>
+                      <a:round/>
+                      <a:headEnd type="none" w="med" len="med"/>
+                      <a:tailEnd type="none" w="med" len="med"/>
+                    </a:lnR>
+                    <a:lnT w="12700" cmpd="sng">
+                      <a:noFill/>
+                    </a:lnT>
+                    <a:lnB w="12700" cmpd="sng">
+                      <a:noFill/>
+                    </a:lnB>
+                    <a:lnTlToBr w="12700" cmpd="sng">
+                      <a:noFill/>
+                      <a:prstDash val="solid"/>
+                    </a:lnTlToBr>
+                    <a:lnBlToTr w="12700" cmpd="sng">
+                      <a:noFill/>
+                      <a:prstDash val="solid"/>
+                    </a:lnBlToTr>
+                    <a:solidFill>
+                      <a:schemeClr val="accent1">
+                        <a:lumMod val="50000"/>
+                      </a:schemeClr>
+                    </a:solidFill>
+                  </a:tcPr>
+                </a:tc>
+                <a:tc>
+                  <a:txBody>
+                    <a:bodyPr/>
+                    <a:lstStyle/>
+                    <a:p>
+                      <a:pPr algn="ctr"/>
+                      <a:r>
+                        <a:rPr lang="en-ZA" sz="1600" dirty="0" smtClean="0">
+                          <a:solidFill>
+                            <a:schemeClr val="tx1">
+                              <a:lumMod val="75000"/>
+                              <a:lumOff val="25000"/>
+                            </a:schemeClr>
+                          </a:solidFill>
+                        </a:rPr>
+                        <a:t>2258</a:t>
+                      </a:r>
+                      <a:endParaRPr lang="en-ZA" sz="1600" dirty="0">
+                        <a:solidFill>
+                          <a:schemeClr val="tx1">
+                            <a:lumMod val="75000"/>
+                            <a:lumOff val="25000"/>
+                          </a:schemeClr>
+                        </a:solidFill>
+                      </a:endParaRPr>
+                    </a:p>
+                  </a:txBody>
+                  <a:tcPr anchor="ctr">
+                    <a:lnL w="3175" cap="flat" cmpd="sng" algn="ctr">
+                      <a:solidFill>
+                        <a:schemeClr val="bg1">
+                          <a:lumMod val="75000"/>
+                        </a:schemeClr>
+                      </a:solidFill>
+                      <a:prstDash val="solid"/>
+                      <a:round/>
+                      <a:headEnd type="none" w="med" len="med"/>
+                      <a:tailEnd type="none" w="med" len="med"/>
+                    </a:lnL>
+                    <a:lnR w="3175" cap="flat" cmpd="sng" algn="ctr">
+                      <a:solidFill>
+                        <a:schemeClr val="bg1">
+                          <a:lumMod val="75000"/>
+                        </a:schemeClr>
+                      </a:solidFill>
+                      <a:prstDash val="solid"/>
+                      <a:round/>
+                      <a:headEnd type="none" w="med" len="med"/>
+                      <a:tailEnd type="none" w="med" len="med"/>
+                    </a:lnR>
+                    <a:lnT w="3175" cap="flat" cmpd="sng" algn="ctr">
+                      <a:solidFill>
+                        <a:schemeClr val="bg1">
+                          <a:lumMod val="75000"/>
+                        </a:schemeClr>
+                      </a:solidFill>
+                      <a:prstDash val="solid"/>
+                      <a:round/>
+                      <a:headEnd type="none" w="med" len="med"/>
+                      <a:tailEnd type="none" w="med" len="med"/>
+                    </a:lnT>
+                    <a:lnB w="3175" cap="flat" cmpd="sng" algn="ctr">
+                      <a:solidFill>
+                        <a:schemeClr val="bg1">
+                          <a:lumMod val="75000"/>
+                        </a:schemeClr>
+                      </a:solidFill>
+                      <a:prstDash val="solid"/>
+                      <a:round/>
+                      <a:headEnd type="none" w="med" len="med"/>
+                      <a:tailEnd type="none" w="med" len="med"/>
+                    </a:lnB>
+                    <a:lnTlToBr w="12700" cmpd="sng">
+                      <a:noFill/>
+                      <a:prstDash val="solid"/>
+                    </a:lnTlToBr>
+                    <a:lnBlToTr w="12700" cmpd="sng">
+                      <a:noFill/>
+                      <a:prstDash val="solid"/>
+                    </a:lnBlToTr>
+                    <a:solidFill>
+                      <a:schemeClr val="bg1">
+                        <a:lumMod val="95000"/>
+                      </a:schemeClr>
+                    </a:solidFill>
+                  </a:tcPr>
+                </a:tc>
+                <a:extLst>
+                  <a:ext uri="{0D108BD9-81ED-4DB2-BD59-A6C34878D82A}">
+                    <a16:rowId xmlns:a16="http://schemas.microsoft.com/office/drawing/2014/main" val="2912132828"/>
+                  </a:ext>
+                </a:extLst>
+              </a:tr>
+              <a:tr h="655350">
+                <a:tc>
+                  <a:txBody>
+                    <a:bodyPr/>
+                    <a:lstStyle/>
+                    <a:p>
+                      <a:pPr algn="ctr"/>
+                      <a:r>
+                        <a:rPr lang="en-ZA" sz="1600" b="1" dirty="0" smtClean="0"/>
+                        <a:t>Reshuffled Network</a:t>
+                      </a:r>
+                      <a:endParaRPr lang="en-ZA" sz="1600" b="1" dirty="0"/>
+                    </a:p>
+                  </a:txBody>
+                  <a:tcPr anchor="ctr">
+                    <a:lnL w="12700" cmpd="sng">
+                      <a:noFill/>
+                    </a:lnL>
+                    <a:lnR w="3175" cap="flat" cmpd="sng" algn="ctr">
+                      <a:solidFill>
+                        <a:schemeClr val="bg1">
+                          <a:lumMod val="75000"/>
+                        </a:schemeClr>
+                      </a:solidFill>
+                      <a:prstDash val="solid"/>
+                      <a:round/>
+                      <a:headEnd type="none" w="med" len="med"/>
+                      <a:tailEnd type="none" w="med" len="med"/>
+                    </a:lnR>
+                    <a:lnT w="12700" cmpd="sng">
+                      <a:noFill/>
+                    </a:lnT>
+                    <a:lnB w="12700" cmpd="sng">
+                      <a:noFill/>
+                    </a:lnB>
+                    <a:lnTlToBr w="12700" cmpd="sng">
+                      <a:noFill/>
+                      <a:prstDash val="solid"/>
+                    </a:lnTlToBr>
+                    <a:lnBlToTr w="12700" cmpd="sng">
+                      <a:noFill/>
+                      <a:prstDash val="solid"/>
+                    </a:lnBlToTr>
+                    <a:solidFill>
+                      <a:schemeClr val="accent1">
+                        <a:lumMod val="50000"/>
+                      </a:schemeClr>
+                    </a:solidFill>
+                  </a:tcPr>
+                </a:tc>
+                <a:tc>
+                  <a:txBody>
+                    <a:bodyPr/>
+                    <a:lstStyle/>
+                    <a:p>
+                      <a:pPr algn="ctr"/>
+                      <a:r>
+                        <a:rPr lang="en-ZA" sz="1600" dirty="0" smtClean="0">
+                          <a:solidFill>
+                            <a:schemeClr val="tx1">
+                              <a:lumMod val="75000"/>
+                              <a:lumOff val="25000"/>
+                            </a:schemeClr>
+                          </a:solidFill>
+                        </a:rPr>
+                        <a:t>2273</a:t>
+                      </a:r>
+                      <a:endParaRPr lang="en-ZA" sz="1600" dirty="0">
+                        <a:solidFill>
+                          <a:schemeClr val="tx1">
+                            <a:lumMod val="75000"/>
+                            <a:lumOff val="25000"/>
+                          </a:schemeClr>
+                        </a:solidFill>
+                      </a:endParaRPr>
+                    </a:p>
+                  </a:txBody>
+                  <a:tcPr anchor="ctr">
+                    <a:lnL w="3175" cap="flat" cmpd="sng" algn="ctr">
+                      <a:solidFill>
+                        <a:schemeClr val="bg1">
+                          <a:lumMod val="75000"/>
+                        </a:schemeClr>
+                      </a:solidFill>
+                      <a:prstDash val="solid"/>
+                      <a:round/>
+                      <a:headEnd type="none" w="med" len="med"/>
+                      <a:tailEnd type="none" w="med" len="med"/>
+                    </a:lnL>
+                    <a:lnR w="3175" cap="flat" cmpd="sng" algn="ctr">
+                      <a:solidFill>
+                        <a:schemeClr val="bg1">
+                          <a:lumMod val="75000"/>
+                        </a:schemeClr>
+                      </a:solidFill>
+                      <a:prstDash val="solid"/>
+                      <a:round/>
+                      <a:headEnd type="none" w="med" len="med"/>
+                      <a:tailEnd type="none" w="med" len="med"/>
+                    </a:lnR>
+                    <a:lnT w="3175" cap="flat" cmpd="sng" algn="ctr">
+                      <a:solidFill>
+                        <a:schemeClr val="bg1">
+                          <a:lumMod val="75000"/>
+                        </a:schemeClr>
+                      </a:solidFill>
+                      <a:prstDash val="solid"/>
+                      <a:round/>
+                      <a:headEnd type="none" w="med" len="med"/>
+                      <a:tailEnd type="none" w="med" len="med"/>
+                    </a:lnT>
+                    <a:lnB w="3175" cap="flat" cmpd="sng" algn="ctr">
+                      <a:solidFill>
+                        <a:schemeClr val="bg1">
+                          <a:lumMod val="75000"/>
+                        </a:schemeClr>
+                      </a:solidFill>
+                      <a:prstDash val="solid"/>
+                      <a:round/>
+                      <a:headEnd type="none" w="med" len="med"/>
+                      <a:tailEnd type="none" w="med" len="med"/>
+                    </a:lnB>
+                    <a:lnTlToBr w="12700" cmpd="sng">
+                      <a:noFill/>
+                      <a:prstDash val="solid"/>
+                    </a:lnTlToBr>
+                    <a:lnBlToTr w="12700" cmpd="sng">
+                      <a:noFill/>
+                      <a:prstDash val="solid"/>
+                    </a:lnBlToTr>
+                    <a:solidFill>
+                      <a:schemeClr val="bg1">
+                        <a:lumMod val="95000"/>
+                      </a:schemeClr>
+                    </a:solidFill>
+                  </a:tcPr>
+                </a:tc>
+                <a:extLst>
+                  <a:ext uri="{0D108BD9-81ED-4DB2-BD59-A6C34878D82A}">
+                    <a16:rowId xmlns:a16="http://schemas.microsoft.com/office/drawing/2014/main" val="1094300830"/>
+                  </a:ext>
+                </a:extLst>
+              </a:tr>
+            </a:tbl>
+          </a:graphicData>
+        </a:graphic>
+      </p:graphicFrame>
+      <p:sp>
+        <p:nvSpPr>
+          <p:cNvPr id="3" name="Slide Number Placeholder 2">
+            <a:extLst>
+              <a:ext uri="{FF2B5EF4-FFF2-40B4-BE49-F238E27FC236}">
+                <a16:creationId xmlns:a16="http://schemas.microsoft.com/office/drawing/2014/main" id="{5A4023F7-426F-4F4B-8ACB-12F9B5FBE46F}"/>
+              </a:ext>
+            </a:extLst>
+          </p:cNvPr>
+          <p:cNvSpPr>
+            <a:spLocks noGrp="1"/>
+          </p:cNvSpPr>
+          <p:nvPr>
+            <p:ph type="sldNum" sz="quarter" idx="11"/>
+          </p:nvPr>
+        </p:nvSpPr>
+        <p:spPr/>
+        <p:txBody>
+          <a:bodyPr/>
+          <a:lstStyle/>
+          <a:p>
             <a:fld id="{4B73C415-D670-4716-A5EC-CC4D52CA2BAC}" type="slidenum">
-              <a:rPr lang="en-US" noProof="0" smtClean="0"/>
+              <a:rPr lang="en-US" smtClean="0"/>
               <a:pPr/>
               <a:t>11</a:t>
             </a:fld>
-            <a:endParaRPr lang="en-US" noProof="0" dirty="0"/>
-          </a:p>
-        </p:txBody>
-      </p:sp>
-      <p:sp>
-        <p:nvSpPr>
-          <p:cNvPr id="6" name="Title 4">
-            <a:extLst>
-              <a:ext uri="{FF2B5EF4-FFF2-40B4-BE49-F238E27FC236}">
-                <a16:creationId xmlns:a16="http://schemas.microsoft.com/office/drawing/2014/main" id="{95385A3C-2778-4B23-9530-DFD5A61DA5B0}"/>
-              </a:ext>
-            </a:extLst>
-          </p:cNvPr>
-          <p:cNvSpPr txBox="1">
-            <a:spLocks/>
-          </p:cNvSpPr>
-          <p:nvPr/>
-        </p:nvSpPr>
-        <p:spPr>
-          <a:xfrm>
-            <a:off x="432000" y="432000"/>
-            <a:ext cx="11340000" cy="432000"/>
-          </a:xfrm>
-          <a:prstGeom prst="rect">
-            <a:avLst/>
-          </a:prstGeom>
-        </p:spPr>
-        <p:txBody>
-          <a:bodyPr/>
-          <a:lstStyle>
-            <a:lvl1pPr algn="l" defTabSz="914400" rtl="0" eaLnBrk="1" latinLnBrk="0" hangingPunct="1">
-              <a:lnSpc>
-                <a:spcPct val="90000"/>
-              </a:lnSpc>
-              <a:spcBef>
-                <a:spcPct val="0"/>
-              </a:spcBef>
-              <a:buNone/>
-              <a:defRPr sz="3200" kern="1200" spc="-150">
-                <a:solidFill>
-                  <a:schemeClr val="tx1">
-                    <a:lumMod val="75000"/>
-                    <a:lumOff val="25000"/>
-                  </a:schemeClr>
-                </a:solidFill>
-                <a:latin typeface="+mj-lt"/>
-                <a:ea typeface="+mj-ea"/>
-                <a:cs typeface="+mj-cs"/>
-              </a:defRPr>
-            </a:lvl1pPr>
-          </a:lstStyle>
-          <a:p>
-            <a:r>
-              <a:rPr lang="en-US" dirty="0" smtClean="0"/>
-              <a:t>4. Refection in innovation space</a:t>
-            </a:r>
             <a:endParaRPr lang="en-US" dirty="0"/>
           </a:p>
         </p:txBody>
       </p:sp>
-      <p:pic>
-        <p:nvPicPr>
-          <p:cNvPr id="7" name="Picture Placeholder 3"/>
-          <p:cNvPicPr>
-            <a:picLocks noChangeAspect="1"/>
-          </p:cNvPicPr>
-          <p:nvPr/>
-        </p:nvPicPr>
-        <p:blipFill>
-          <a:blip r:embed="rId2">
-            <a:extLst>
-              <a:ext uri="{28A0092B-C50C-407E-A947-70E740481C1C}">
-                <a14:useLocalDpi xmlns:a14="http://schemas.microsoft.com/office/drawing/2010/main" val="0"/>
-              </a:ext>
-            </a:extLst>
-          </a:blip>
-          <a:stretch>
-            <a:fillRect/>
-          </a:stretch>
-        </p:blipFill>
-        <p:spPr>
-          <a:xfrm>
-            <a:off x="1967606" y="960786"/>
-            <a:ext cx="8268788" cy="5496017"/>
-          </a:xfrm>
-          <a:prstGeom prst="rect">
-            <a:avLst/>
-          </a:prstGeom>
-          <a:solidFill>
-            <a:schemeClr val="tx1">
-              <a:alpha val="70000"/>
-            </a:schemeClr>
-          </a:solidFill>
-          <a:ln w="12700" cap="flat" cmpd="sng" algn="ctr">
-            <a:noFill/>
-            <a:prstDash val="solid"/>
-            <a:miter lim="800000"/>
-          </a:ln>
-          <a:effectLst/>
-        </p:spPr>
-      </p:pic>
     </p:spTree>
     <p:extLst>
       <p:ext uri="{BB962C8B-B14F-4D97-AF65-F5344CB8AC3E}">
-        <p14:creationId xmlns:p14="http://schemas.microsoft.com/office/powerpoint/2010/main" val="3763465928"/>
+        <p14:creationId xmlns:p14="http://schemas.microsoft.com/office/powerpoint/2010/main" val="350414776"/>
       </p:ext>
     </p:extLst>
   </p:cSld>
@@ -17272,6 +18793,184 @@
       </p:grpSpPr>
       <p:sp>
         <p:nvSpPr>
+          <p:cNvPr id="2" name="Title 1">
+            <a:extLst>
+              <a:ext uri="{FF2B5EF4-FFF2-40B4-BE49-F238E27FC236}">
+                <a16:creationId xmlns:a16="http://schemas.microsoft.com/office/drawing/2014/main" id="{C9A428ED-E8E6-4EBE-8C7C-8E6E2E5012C8}"/>
+              </a:ext>
+            </a:extLst>
+          </p:cNvPr>
+          <p:cNvSpPr>
+            <a:spLocks noGrp="1"/>
+          </p:cNvSpPr>
+          <p:nvPr>
+            <p:ph type="title"/>
+          </p:nvPr>
+        </p:nvSpPr>
+        <p:spPr>
+          <a:xfrm>
+            <a:off x="432000" y="458126"/>
+            <a:ext cx="11340000" cy="432000"/>
+          </a:xfrm>
+        </p:spPr>
+        <p:txBody>
+          <a:bodyPr/>
+          <a:lstStyle/>
+          <a:p>
+            <a:r>
+              <a:rPr lang="en-IN" b="1" dirty="0"/>
+              <a:t>Reflection Across Knowledge Spaces</a:t>
+            </a:r>
+            <a:endParaRPr lang="en-US" dirty="0"/>
+          </a:p>
+        </p:txBody>
+      </p:sp>
+      <p:sp>
+        <p:nvSpPr>
+          <p:cNvPr id="3" name="Slide Number Placeholder 2">
+            <a:extLst>
+              <a:ext uri="{FF2B5EF4-FFF2-40B4-BE49-F238E27FC236}">
+                <a16:creationId xmlns:a16="http://schemas.microsoft.com/office/drawing/2014/main" id="{B79F4F6B-299B-431B-AD93-01AF893D8C92}"/>
+              </a:ext>
+            </a:extLst>
+          </p:cNvPr>
+          <p:cNvSpPr>
+            <a:spLocks noGrp="1"/>
+          </p:cNvSpPr>
+          <p:nvPr>
+            <p:ph type="sldNum" sz="quarter" idx="11"/>
+          </p:nvPr>
+        </p:nvSpPr>
+        <p:spPr/>
+        <p:txBody>
+          <a:bodyPr/>
+          <a:lstStyle/>
+          <a:p>
+            <a:fld id="{4B73C415-D670-4716-A5EC-CC4D52CA2BAC}" type="slidenum">
+              <a:rPr lang="en-US" smtClean="0"/>
+              <a:pPr/>
+              <a:t>12</a:t>
+            </a:fld>
+            <a:endParaRPr lang="en-US" dirty="0"/>
+          </a:p>
+        </p:txBody>
+      </p:sp>
+      <p:sp>
+        <p:nvSpPr>
+          <p:cNvPr id="40" name="Text Placeholder 4">
+            <a:extLst>
+              <a:ext uri="{FF2B5EF4-FFF2-40B4-BE49-F238E27FC236}">
+                <a16:creationId xmlns:a16="http://schemas.microsoft.com/office/drawing/2014/main" id="{B3873866-C6DF-4447-8D2F-8A88CF14E6CB}"/>
+              </a:ext>
+            </a:extLst>
+          </p:cNvPr>
+          <p:cNvSpPr>
+            <a:spLocks noGrp="1"/>
+          </p:cNvSpPr>
+          <p:nvPr>
+            <p:ph type="body" sz="quarter" idx="4294967295"/>
+          </p:nvPr>
+        </p:nvSpPr>
+        <p:spPr>
+          <a:xfrm>
+            <a:off x="5329647" y="2775654"/>
+            <a:ext cx="6442354" cy="2325188"/>
+          </a:xfrm>
+          <a:prstGeom prst="rect">
+            <a:avLst/>
+          </a:prstGeom>
+        </p:spPr>
+        <p:txBody>
+          <a:bodyPr/>
+          <a:lstStyle/>
+          <a:p>
+            <a:pPr marL="0" indent="0">
+              <a:buNone/>
+            </a:pPr>
+            <a:r>
+              <a:rPr lang="en-US" sz="2400" dirty="0"/>
+              <a:t>The dimensions of a knowledge space are interdependent. When you work on one dimension, you should take the others into account.</a:t>
+            </a:r>
+          </a:p>
+          <a:p>
+            <a:pPr marL="0" indent="0">
+              <a:buNone/>
+            </a:pPr>
+            <a:endParaRPr lang="en-IN" sz="2200" dirty="0"/>
+          </a:p>
+        </p:txBody>
+      </p:sp>
+      <p:pic>
+        <p:nvPicPr>
+          <p:cNvPr id="6" name="Picture Placeholder 3"/>
+          <p:cNvPicPr>
+            <a:picLocks noGrp="1" noChangeAspect="1"/>
+          </p:cNvPicPr>
+          <p:nvPr>
+            <p:ph type="pic" sz="quarter" idx="4294967295"/>
+          </p:nvPr>
+        </p:nvPicPr>
+        <p:blipFill>
+          <a:blip r:embed="rId3">
+            <a:extLst>
+              <a:ext uri="{28A0092B-C50C-407E-A947-70E740481C1C}">
+                <a14:useLocalDpi xmlns:a14="http://schemas.microsoft.com/office/drawing/2010/main" val="0"/>
+              </a:ext>
+            </a:extLst>
+          </a:blip>
+          <a:stretch>
+            <a:fillRect/>
+          </a:stretch>
+        </p:blipFill>
+        <p:spPr>
+          <a:xfrm>
+            <a:off x="432000" y="1034564"/>
+            <a:ext cx="4622263" cy="4066278"/>
+          </a:xfrm>
+          <a:prstGeom prst="rect">
+            <a:avLst/>
+          </a:prstGeom>
+        </p:spPr>
+      </p:pic>
+    </p:spTree>
+    <p:extLst>
+      <p:ext uri="{BB962C8B-B14F-4D97-AF65-F5344CB8AC3E}">
+        <p14:creationId xmlns:p14="http://schemas.microsoft.com/office/powerpoint/2010/main" val="3703180666"/>
+      </p:ext>
+    </p:extLst>
+  </p:cSld>
+  <p:clrMapOvr>
+    <a:masterClrMapping/>
+  </p:clrMapOvr>
+  <p:timing>
+    <p:tnLst>
+      <p:par>
+        <p:cTn id="1" dur="indefinite" restart="never" nodeType="tmRoot"/>
+      </p:par>
+    </p:tnLst>
+  </p:timing>
+</p:sld>
+</file>
+
+<file path=ppt/slides/slide13.xml><?xml version="1.0" encoding="utf-8"?>
+<p:sld xmlns:a="http://schemas.openxmlformats.org/drawingml/2006/main" xmlns:r="http://schemas.openxmlformats.org/officeDocument/2006/relationships" xmlns:p="http://schemas.openxmlformats.org/presentationml/2006/main">
+  <p:cSld>
+    <p:spTree>
+      <p:nvGrpSpPr>
+        <p:cNvPr id="1" name=""/>
+        <p:cNvGrpSpPr/>
+        <p:nvPr/>
+      </p:nvGrpSpPr>
+      <p:grpSpPr>
+        <a:xfrm>
+          <a:off x="0" y="0"/>
+          <a:ext cx="0" cy="0"/>
+          <a:chOff x="0" y="0"/>
+          <a:chExt cx="0" cy="0"/>
+        </a:xfrm>
+      </p:grpSpPr>
+      <p:sp>
+        <p:nvSpPr>
           <p:cNvPr id="2" name="Slide Number Placeholder 1"/>
           <p:cNvSpPr>
             <a:spLocks noGrp="1"/>
@@ -17288,7 +18987,7 @@
             <a:fld id="{4B73C415-D670-4716-A5EC-CC4D52CA2BAC}" type="slidenum">
               <a:rPr lang="en-US" noProof="0" smtClean="0"/>
               <a:pPr/>
-              <a:t>12</a:t>
+              <a:t>13</a:t>
             </a:fld>
             <a:endParaRPr lang="en-US" noProof="0" dirty="0"/>
           </a:p>
@@ -17673,7 +19372,7 @@
 </p:sld>
 </file>
 
-<file path=ppt/slides/slide13.xml><?xml version="1.0" encoding="utf-8"?>
+<file path=ppt/slides/slide14.xml><?xml version="1.0" encoding="utf-8"?>
 <p:sld xmlns:a="http://schemas.openxmlformats.org/drawingml/2006/main" xmlns:r="http://schemas.openxmlformats.org/officeDocument/2006/relationships" xmlns:p="http://schemas.openxmlformats.org/presentationml/2006/main">
   <p:cSld>
     <p:spTree>
@@ -17708,7 +19407,7 @@
             <a:fld id="{4B73C415-D670-4716-A5EC-CC4D52CA2BAC}" type="slidenum">
               <a:rPr lang="en-US" noProof="0" smtClean="0"/>
               <a:pPr/>
-              <a:t>13</a:t>
+              <a:t>14</a:t>
             </a:fld>
             <a:endParaRPr lang="en-US" noProof="0" dirty="0"/>
           </a:p>
@@ -17738,8 +19437,8 @@
         </p:blipFill>
         <p:spPr>
           <a:xfrm>
-            <a:off x="6636926" y="1955396"/>
-            <a:ext cx="5345074" cy="3513052"/>
+            <a:off x="7458297" y="1955396"/>
+            <a:ext cx="3702332" cy="3513052"/>
           </a:xfrm>
         </p:spPr>
       </p:pic>
@@ -18131,179 +19830,6 @@
 </p:sld>
 </file>
 
-<file path=ppt/slides/slide14.xml><?xml version="1.0" encoding="utf-8"?>
-<p:sld xmlns:a="http://schemas.openxmlformats.org/drawingml/2006/main" xmlns:r="http://schemas.openxmlformats.org/officeDocument/2006/relationships" xmlns:p="http://schemas.openxmlformats.org/presentationml/2006/main">
-  <p:cSld>
-    <p:spTree>
-      <p:nvGrpSpPr>
-        <p:cNvPr id="1" name=""/>
-        <p:cNvGrpSpPr/>
-        <p:nvPr/>
-      </p:nvGrpSpPr>
-      <p:grpSpPr>
-        <a:xfrm>
-          <a:off x="0" y="0"/>
-          <a:ext cx="0" cy="0"/>
-          <a:chOff x="0" y="0"/>
-          <a:chExt cx="0" cy="0"/>
-        </a:xfrm>
-      </p:grpSpPr>
-      <p:sp>
-        <p:nvSpPr>
-          <p:cNvPr id="2" name="Title 1">
-            <a:extLst>
-              <a:ext uri="{FF2B5EF4-FFF2-40B4-BE49-F238E27FC236}">
-                <a16:creationId xmlns:a16="http://schemas.microsoft.com/office/drawing/2014/main" id="{C9A428ED-E8E6-4EBE-8C7C-8E6E2E5012C8}"/>
-              </a:ext>
-            </a:extLst>
-          </p:cNvPr>
-          <p:cNvSpPr>
-            <a:spLocks noGrp="1"/>
-          </p:cNvSpPr>
-          <p:nvPr>
-            <p:ph type="title"/>
-          </p:nvPr>
-        </p:nvSpPr>
-        <p:spPr>
-          <a:xfrm>
-            <a:off x="432000" y="458126"/>
-            <a:ext cx="11340000" cy="432000"/>
-          </a:xfrm>
-        </p:spPr>
-        <p:txBody>
-          <a:bodyPr/>
-          <a:lstStyle/>
-          <a:p>
-            <a:r>
-              <a:rPr lang="en-IN" b="1" dirty="0" smtClean="0"/>
-              <a:t>Summary</a:t>
-            </a:r>
-            <a:endParaRPr lang="en-US" dirty="0"/>
-          </a:p>
-        </p:txBody>
-      </p:sp>
-      <p:sp>
-        <p:nvSpPr>
-          <p:cNvPr id="3" name="Slide Number Placeholder 2">
-            <a:extLst>
-              <a:ext uri="{FF2B5EF4-FFF2-40B4-BE49-F238E27FC236}">
-                <a16:creationId xmlns:a16="http://schemas.microsoft.com/office/drawing/2014/main" id="{B79F4F6B-299B-431B-AD93-01AF893D8C92}"/>
-              </a:ext>
-            </a:extLst>
-          </p:cNvPr>
-          <p:cNvSpPr>
-            <a:spLocks noGrp="1"/>
-          </p:cNvSpPr>
-          <p:nvPr>
-            <p:ph type="sldNum" sz="quarter" idx="11"/>
-          </p:nvPr>
-        </p:nvSpPr>
-        <p:spPr/>
-        <p:txBody>
-          <a:bodyPr/>
-          <a:lstStyle/>
-          <a:p>
-            <a:fld id="{4B73C415-D670-4716-A5EC-CC4D52CA2BAC}" type="slidenum">
-              <a:rPr lang="en-US" smtClean="0"/>
-              <a:pPr/>
-              <a:t>14</a:t>
-            </a:fld>
-            <a:endParaRPr lang="en-US" dirty="0"/>
-          </a:p>
-        </p:txBody>
-      </p:sp>
-      <p:sp>
-        <p:nvSpPr>
-          <p:cNvPr id="40" name="Text Placeholder 4">
-            <a:extLst>
-              <a:ext uri="{FF2B5EF4-FFF2-40B4-BE49-F238E27FC236}">
-                <a16:creationId xmlns:a16="http://schemas.microsoft.com/office/drawing/2014/main" id="{B3873866-C6DF-4447-8D2F-8A88CF14E6CB}"/>
-              </a:ext>
-            </a:extLst>
-          </p:cNvPr>
-          <p:cNvSpPr>
-            <a:spLocks noGrp="1"/>
-          </p:cNvSpPr>
-          <p:nvPr>
-            <p:ph type="body" sz="quarter" idx="4294967295"/>
-          </p:nvPr>
-        </p:nvSpPr>
-        <p:spPr>
-          <a:xfrm>
-            <a:off x="498497" y="1933304"/>
-            <a:ext cx="11207006" cy="1802674"/>
-          </a:xfrm>
-          <a:prstGeom prst="rect">
-            <a:avLst/>
-          </a:prstGeom>
-        </p:spPr>
-        <p:txBody>
-          <a:bodyPr/>
-          <a:lstStyle/>
-          <a:p>
-            <a:pPr marL="0" indent="0">
-              <a:buNone/>
-            </a:pPr>
-            <a:r>
-              <a:rPr lang="en-US" sz="2200" dirty="0"/>
-              <a:t>The enterprise knowledge spaces are bounded by identifiable but </a:t>
-            </a:r>
-            <a:r>
-              <a:rPr lang="en-US" sz="2200" dirty="0" smtClean="0"/>
-              <a:t>fuzzy borders</a:t>
-            </a:r>
-            <a:r>
-              <a:rPr lang="en-US" sz="2200" dirty="0"/>
-              <a:t>. Whether the borders are a result of pragmatic boundaries, such </a:t>
-            </a:r>
-            <a:r>
-              <a:rPr lang="en-US" sz="2200" dirty="0" smtClean="0"/>
-              <a:t>as gateways </a:t>
-            </a:r>
-            <a:r>
-              <a:rPr lang="en-US" sz="2200" dirty="0"/>
-              <a:t>between project phases and the isolated roles of </a:t>
-            </a:r>
-            <a:r>
-              <a:rPr lang="en-US" sz="2200" dirty="0" smtClean="0"/>
-              <a:t>engineering disciplines </a:t>
-            </a:r>
-            <a:r>
-              <a:rPr lang="en-US" sz="2200" dirty="0"/>
-              <a:t>and so forth, or whether they are caused by limitations </a:t>
-            </a:r>
-            <a:r>
-              <a:rPr lang="en-US" sz="2200" dirty="0" smtClean="0"/>
-              <a:t>inherent in </a:t>
-            </a:r>
-            <a:r>
-              <a:rPr lang="en-US" sz="2200" dirty="0"/>
-              <a:t>the mental models of our brains remains a research issue.</a:t>
-            </a:r>
-            <a:endParaRPr lang="en-IN" sz="2200" dirty="0"/>
-          </a:p>
-        </p:txBody>
-      </p:sp>
-    </p:spTree>
-    <p:extLst>
-      <p:ext uri="{BB962C8B-B14F-4D97-AF65-F5344CB8AC3E}">
-        <p14:creationId xmlns:p14="http://schemas.microsoft.com/office/powerpoint/2010/main" val="2240820670"/>
-      </p:ext>
-    </p:extLst>
-  </p:cSld>
-  <p:clrMapOvr>
-    <a:masterClrMapping/>
-  </p:clrMapOvr>
-  <p:timing>
-    <p:tnLst>
-      <p:par>
-        <p:cTn id="1" dur="indefinite" restart="never" nodeType="tmRoot"/>
-      </p:par>
-    </p:tnLst>
-  </p:timing>
-</p:sld>
-</file>
-
 <file path=ppt/slides/slide15.xml><?xml version="1.0" encoding="utf-8"?>
 <p:sld xmlns:a="http://schemas.openxmlformats.org/drawingml/2006/main" xmlns:r="http://schemas.openxmlformats.org/officeDocument/2006/relationships" xmlns:p="http://schemas.openxmlformats.org/presentationml/2006/main">
   <p:cSld>
@@ -18323,171 +19849,6 @@
       </p:grpSpPr>
       <p:sp>
         <p:nvSpPr>
-          <p:cNvPr id="5" name="TextBox 4">
-            <a:extLst>
-              <a:ext uri="{FF2B5EF4-FFF2-40B4-BE49-F238E27FC236}">
-                <a16:creationId xmlns:a16="http://schemas.microsoft.com/office/drawing/2014/main" id="{75C12D97-9EB3-9E46-86D3-3A2CA06C20D2}"/>
-              </a:ext>
-            </a:extLst>
-          </p:cNvPr>
-          <p:cNvSpPr txBox="1"/>
-          <p:nvPr/>
-        </p:nvSpPr>
-        <p:spPr bwMode="gray">
-          <a:xfrm>
-            <a:off x="2647819" y="2269935"/>
-            <a:ext cx="7586644" cy="1532727"/>
-          </a:xfrm>
-          <a:prstGeom prst="rect">
-            <a:avLst/>
-          </a:prstGeom>
-          <a:noFill/>
-        </p:spPr>
-        <p:txBody>
-          <a:bodyPr wrap="square" rtlCol="0">
-            <a:spAutoFit/>
-          </a:bodyPr>
-          <a:lstStyle/>
-          <a:p>
-            <a:pPr>
-              <a:lnSpc>
-                <a:spcPct val="90000"/>
-              </a:lnSpc>
-            </a:pPr>
-            <a:r>
-              <a:rPr lang="en-US" sz="10400" b="1" dirty="0" smtClean="0">
-                <a:gradFill>
-                  <a:gsLst>
-                    <a:gs pos="0">
-                      <a:schemeClr val="accent1"/>
-                    </a:gs>
-                    <a:gs pos="51300">
-                      <a:schemeClr val="accent2"/>
-                    </a:gs>
-                    <a:gs pos="100000">
-                      <a:schemeClr val="accent3"/>
-                    </a:gs>
-                  </a:gsLst>
-                  <a:lin ang="0" scaled="0"/>
-                </a:gradFill>
-              </a:rPr>
-              <a:t>Thank You</a:t>
-            </a:r>
-            <a:endParaRPr lang="en-US" sz="10400" b="1" dirty="0">
-              <a:gradFill>
-                <a:gsLst>
-                  <a:gs pos="0">
-                    <a:schemeClr val="accent1"/>
-                  </a:gs>
-                  <a:gs pos="51300">
-                    <a:schemeClr val="accent2"/>
-                  </a:gs>
-                  <a:gs pos="100000">
-                    <a:schemeClr val="accent3"/>
-                  </a:gs>
-                </a:gsLst>
-                <a:lin ang="0" scaled="0"/>
-              </a:gradFill>
-            </a:endParaRPr>
-          </a:p>
-        </p:txBody>
-      </p:sp>
-      <p:cxnSp>
-        <p:nvCxnSpPr>
-          <p:cNvPr id="6" name="Straight Connector 5">
-            <a:extLst>
-              <a:ext uri="{FF2B5EF4-FFF2-40B4-BE49-F238E27FC236}">
-                <a16:creationId xmlns:a16="http://schemas.microsoft.com/office/drawing/2014/main" id="{F3753AF9-461F-4049-BB9D-621E76A51470}"/>
-              </a:ext>
-              <a:ext uri="{C183D7F6-B498-43B3-948B-1728B52AA6E4}">
-                <adec:decorative xmlns:adec="http://schemas.microsoft.com/office/drawing/2017/decorative" xmlns="" val="1"/>
-              </a:ext>
-            </a:extLst>
-          </p:cNvPr>
-          <p:cNvCxnSpPr>
-            <a:cxnSpLocks/>
-          </p:cNvCxnSpPr>
-          <p:nvPr/>
-        </p:nvCxnSpPr>
-        <p:spPr>
-          <a:xfrm flipV="1">
-            <a:off x="3012141" y="3953436"/>
-            <a:ext cx="6642846" cy="13446"/>
-          </a:xfrm>
-          <a:prstGeom prst="line">
-            <a:avLst/>
-          </a:prstGeom>
-          <a:ln>
-            <a:gradFill>
-              <a:gsLst>
-                <a:gs pos="0">
-                  <a:schemeClr val="accent1"/>
-                </a:gs>
-                <a:gs pos="51300">
-                  <a:schemeClr val="accent2"/>
-                </a:gs>
-                <a:gs pos="100000">
-                  <a:schemeClr val="accent3"/>
-                </a:gs>
-              </a:gsLst>
-              <a:lin ang="0" scaled="0"/>
-            </a:gradFill>
-          </a:ln>
-        </p:spPr>
-        <p:style>
-          <a:lnRef idx="1">
-            <a:schemeClr val="accent1"/>
-          </a:lnRef>
-          <a:fillRef idx="0">
-            <a:schemeClr val="accent1"/>
-          </a:fillRef>
-          <a:effectRef idx="0">
-            <a:schemeClr val="accent1"/>
-          </a:effectRef>
-          <a:fontRef idx="minor">
-            <a:schemeClr val="tx1"/>
-          </a:fontRef>
-        </p:style>
-      </p:cxnSp>
-    </p:spTree>
-    <p:extLst>
-      <p:ext uri="{BB962C8B-B14F-4D97-AF65-F5344CB8AC3E}">
-        <p14:creationId xmlns:p14="http://schemas.microsoft.com/office/powerpoint/2010/main" val="59582380"/>
-      </p:ext>
-    </p:extLst>
-  </p:cSld>
-  <p:clrMapOvr>
-    <a:masterClrMapping/>
-  </p:clrMapOvr>
-  <p:timing>
-    <p:tnLst>
-      <p:par>
-        <p:cTn id="1" dur="indefinite" restart="never" nodeType="tmRoot"/>
-      </p:par>
-    </p:tnLst>
-  </p:timing>
-</p:sld>
-</file>
-
-<file path=ppt/slides/slide2.xml><?xml version="1.0" encoding="utf-8"?>
-<p:sld xmlns:a="http://schemas.openxmlformats.org/drawingml/2006/main" xmlns:r="http://schemas.openxmlformats.org/officeDocument/2006/relationships" xmlns:p="http://schemas.openxmlformats.org/presentationml/2006/main">
-  <p:cSld>
-    <p:spTree>
-      <p:nvGrpSpPr>
-        <p:cNvPr id="1" name=""/>
-        <p:cNvGrpSpPr/>
-        <p:nvPr/>
-      </p:nvGrpSpPr>
-      <p:grpSpPr>
-        <a:xfrm>
-          <a:off x="0" y="0"/>
-          <a:ext cx="0" cy="0"/>
-          <a:chOff x="0" y="0"/>
-          <a:chExt cx="0" cy="0"/>
-        </a:xfrm>
-      </p:grpSpPr>
-      <p:sp>
-        <p:nvSpPr>
           <p:cNvPr id="2" name="Title 1">
             <a:extLst>
               <a:ext uri="{FF2B5EF4-FFF2-40B4-BE49-F238E27FC236}">
@@ -18513,21 +19874,10 @@
           <a:lstStyle/>
           <a:p>
             <a:r>
-              <a:rPr lang="en-IN" b="1" dirty="0"/>
-              <a:t>The </a:t>
-            </a:r>
-            <a:r>
-              <a:rPr lang="en-IN" b="1" dirty="0" smtClean="0"/>
-              <a:t>Data</a:t>
-            </a:r>
-            <a:r>
-              <a:rPr lang="en-IN" dirty="0"/>
-              <a:t/>
-            </a:r>
-            <a:br>
-              <a:rPr lang="en-IN" dirty="0"/>
-            </a:br>
-            <a:endParaRPr lang="en-IN" b="1" dirty="0"/>
+              <a:rPr lang="en-US" dirty="0" smtClean="0"/>
+              <a:t>References</a:t>
+            </a:r>
+            <a:endParaRPr lang="en-US" dirty="0"/>
           </a:p>
         </p:txBody>
       </p:sp>
@@ -18555,7 +19905,7 @@
             <a:fld id="{4B73C415-D670-4716-A5EC-CC4D52CA2BAC}" type="slidenum">
               <a:rPr lang="en-US" smtClean="0"/>
               <a:pPr/>
-              <a:t>2</a:t>
+              <a:t>15</a:t>
             </a:fld>
             <a:endParaRPr lang="en-US" dirty="0"/>
           </a:p>
@@ -18563,1539 +19913,6 @@
       </p:sp>
       <p:sp>
         <p:nvSpPr>
-          <p:cNvPr id="40" name="Text Placeholder 4">
-            <a:extLst>
-              <a:ext uri="{FF2B5EF4-FFF2-40B4-BE49-F238E27FC236}">
-                <a16:creationId xmlns:a16="http://schemas.microsoft.com/office/drawing/2014/main" id="{B3873866-C6DF-4447-8D2F-8A88CF14E6CB}"/>
-              </a:ext>
-            </a:extLst>
-          </p:cNvPr>
-          <p:cNvSpPr>
-            <a:spLocks noGrp="1"/>
-          </p:cNvSpPr>
-          <p:nvPr>
-            <p:ph type="body" sz="quarter" idx="4294967295"/>
-          </p:nvPr>
-        </p:nvSpPr>
-        <p:spPr>
-          <a:xfrm>
-            <a:off x="535576" y="1086069"/>
-            <a:ext cx="9144001" cy="337783"/>
-          </a:xfrm>
-          <a:prstGeom prst="rect">
-            <a:avLst/>
-          </a:prstGeom>
-        </p:spPr>
-        <p:txBody>
-          <a:bodyPr/>
-          <a:lstStyle/>
-          <a:p>
-            <a:pPr marL="0" indent="0">
-              <a:buNone/>
-            </a:pPr>
-            <a:r>
-              <a:rPr lang="en-US" sz="1600" dirty="0"/>
-              <a:t>The data was downloaded from the </a:t>
-            </a:r>
-            <a:r>
-              <a:rPr lang="en-US" sz="1600" dirty="0">
-                <a:hlinkClick r:id="rId3"/>
-              </a:rPr>
-              <a:t>BKK </a:t>
-            </a:r>
-            <a:r>
-              <a:rPr lang="en-US" sz="1600" dirty="0" smtClean="0">
-                <a:hlinkClick r:id="rId3"/>
-              </a:rPr>
-              <a:t>Website</a:t>
-            </a:r>
-            <a:r>
-              <a:rPr lang="en-US" sz="1600" dirty="0"/>
-              <a:t> </a:t>
-            </a:r>
-            <a:r>
-              <a:rPr lang="en-US" sz="1600" dirty="0" smtClean="0"/>
-              <a:t>- </a:t>
-            </a:r>
-            <a:r>
-              <a:rPr lang="en-IN" sz="1600" dirty="0"/>
-              <a:t>General Transit Feed Specification (</a:t>
-            </a:r>
-            <a:r>
-              <a:rPr lang="en-IN" sz="1600" dirty="0" err="1"/>
-              <a:t>gtfs</a:t>
-            </a:r>
-            <a:r>
-              <a:rPr lang="en-IN" sz="1600" dirty="0"/>
-              <a:t>)</a:t>
-            </a:r>
-          </a:p>
-        </p:txBody>
-      </p:sp>
-      <p:sp>
-        <p:nvSpPr>
-          <p:cNvPr id="7" name="Text Placeholder 4">
-            <a:extLst>
-              <a:ext uri="{FF2B5EF4-FFF2-40B4-BE49-F238E27FC236}">
-                <a16:creationId xmlns:a16="http://schemas.microsoft.com/office/drawing/2014/main" id="{B3873866-C6DF-4447-8D2F-8A88CF14E6CB}"/>
-              </a:ext>
-            </a:extLst>
-          </p:cNvPr>
-          <p:cNvSpPr>
-            <a:spLocks noGrp="1"/>
-          </p:cNvSpPr>
-          <p:nvPr>
-            <p:ph type="body" sz="quarter" idx="4294967295"/>
-          </p:nvPr>
-        </p:nvSpPr>
-        <p:spPr>
-          <a:xfrm>
-            <a:off x="669567" y="1619795"/>
-            <a:ext cx="11312433" cy="4745568"/>
-          </a:xfrm>
-          <a:prstGeom prst="rect">
-            <a:avLst/>
-          </a:prstGeom>
-        </p:spPr>
-        <p:txBody>
-          <a:bodyPr/>
-          <a:lstStyle/>
-          <a:p>
-            <a:r>
-              <a:rPr lang="en-US" dirty="0" smtClean="0"/>
-              <a:t>Agency.txt </a:t>
-            </a:r>
-            <a:r>
-              <a:rPr lang="en-US" dirty="0"/>
-              <a:t>- Basic information about service provider</a:t>
-            </a:r>
-            <a:r>
-              <a:rPr lang="en-US" dirty="0" smtClean="0"/>
-              <a:t>.</a:t>
-            </a:r>
-          </a:p>
-          <a:p>
-            <a:r>
-              <a:rPr lang="en-US" dirty="0" smtClean="0"/>
-              <a:t>calendar_dates.txt - </a:t>
-            </a:r>
-            <a:r>
-              <a:rPr lang="en-US" dirty="0"/>
-              <a:t>Service patterns that don't repeat such as for a one-time special </a:t>
-            </a:r>
-            <a:r>
-              <a:rPr lang="en-US" dirty="0" smtClean="0"/>
-              <a:t>event.</a:t>
-            </a:r>
-          </a:p>
-          <a:p>
-            <a:r>
-              <a:rPr lang="en-US" dirty="0" smtClean="0"/>
-              <a:t>feed_info.txt </a:t>
-            </a:r>
-            <a:r>
-              <a:rPr lang="en-US" dirty="0"/>
-              <a:t>- Basic information about the  </a:t>
-            </a:r>
-            <a:r>
-              <a:rPr lang="en-US" dirty="0" smtClean="0"/>
-              <a:t>BKK service</a:t>
-            </a:r>
-            <a:r>
-              <a:rPr lang="en-US" dirty="0"/>
-              <a:t>.</a:t>
-            </a:r>
-          </a:p>
-          <a:p>
-            <a:r>
-              <a:rPr lang="en-US" dirty="0"/>
-              <a:t>p</a:t>
-            </a:r>
-            <a:r>
-              <a:rPr lang="en-US" dirty="0" smtClean="0"/>
-              <a:t>athways.txt </a:t>
-            </a:r>
-            <a:r>
-              <a:rPr lang="en-US" dirty="0"/>
-              <a:t>- Contains </a:t>
-            </a:r>
-            <a:r>
-              <a:rPr lang="en-US" dirty="0" smtClean="0"/>
-              <a:t>all paths connected via directional -bidirectional route</a:t>
-            </a:r>
-            <a:r>
-              <a:rPr lang="en-US" dirty="0"/>
-              <a:t>. </a:t>
-            </a:r>
-            <a:endParaRPr lang="en-US" dirty="0" smtClean="0"/>
-          </a:p>
-          <a:p>
-            <a:r>
-              <a:rPr lang="en-US" dirty="0">
-                <a:solidFill>
-                  <a:srgbClr val="92D050"/>
-                </a:solidFill>
-              </a:rPr>
-              <a:t>r</a:t>
-            </a:r>
-            <a:r>
-              <a:rPr lang="en-US" dirty="0" smtClean="0">
-                <a:solidFill>
-                  <a:srgbClr val="92D050"/>
-                </a:solidFill>
-              </a:rPr>
-              <a:t>outes.txt - </a:t>
-            </a:r>
-            <a:r>
-              <a:rPr lang="en-US" dirty="0">
-                <a:solidFill>
-                  <a:srgbClr val="92D050"/>
-                </a:solidFill>
-              </a:rPr>
-              <a:t>Contains a list of all the routes with their </a:t>
-            </a:r>
-            <a:r>
-              <a:rPr lang="en-US" dirty="0" smtClean="0">
-                <a:solidFill>
-                  <a:srgbClr val="92D050"/>
-                </a:solidFill>
-              </a:rPr>
-              <a:t>names, short description </a:t>
-            </a:r>
-            <a:r>
-              <a:rPr lang="en-US" dirty="0">
-                <a:solidFill>
-                  <a:srgbClr val="92D050"/>
-                </a:solidFill>
-              </a:rPr>
-              <a:t>and color coding for the online map</a:t>
-            </a:r>
-            <a:r>
-              <a:rPr lang="en-US" dirty="0" smtClean="0">
-                <a:solidFill>
-                  <a:srgbClr val="92D050"/>
-                </a:solidFill>
-              </a:rPr>
-              <a:t>.</a:t>
-            </a:r>
-            <a:endParaRPr lang="en-US" dirty="0">
-              <a:solidFill>
-                <a:srgbClr val="92D050"/>
-              </a:solidFill>
-            </a:endParaRPr>
-          </a:p>
-          <a:p>
-            <a:r>
-              <a:rPr lang="en-US" dirty="0"/>
-              <a:t>s</a:t>
-            </a:r>
-            <a:r>
-              <a:rPr lang="en-US" dirty="0" smtClean="0"/>
-              <a:t>hapes.txt </a:t>
-            </a:r>
-            <a:r>
-              <a:rPr lang="en-US" dirty="0"/>
-              <a:t>- Contains collections of GPS </a:t>
-            </a:r>
-            <a:r>
-              <a:rPr lang="en-US" dirty="0" smtClean="0"/>
-              <a:t>coordinates.</a:t>
-            </a:r>
-          </a:p>
-          <a:p>
-            <a:r>
-              <a:rPr lang="en-US" dirty="0" smtClean="0">
-                <a:solidFill>
-                  <a:srgbClr val="92D050"/>
-                </a:solidFill>
-              </a:rPr>
-              <a:t>stop_times.txt – contains information about </a:t>
-            </a:r>
-            <a:r>
-              <a:rPr lang="en-US" dirty="0" err="1" smtClean="0">
-                <a:solidFill>
-                  <a:srgbClr val="92D050"/>
-                </a:solidFill>
-              </a:rPr>
-              <a:t>trip_id</a:t>
-            </a:r>
-            <a:r>
-              <a:rPr lang="en-US" dirty="0" smtClean="0">
-                <a:solidFill>
-                  <a:srgbClr val="92D050"/>
-                </a:solidFill>
-              </a:rPr>
-              <a:t>, </a:t>
-            </a:r>
-            <a:r>
-              <a:rPr lang="en-US" dirty="0" err="1" smtClean="0">
-                <a:solidFill>
-                  <a:srgbClr val="92D050"/>
-                </a:solidFill>
-              </a:rPr>
-              <a:t>stop_id</a:t>
-            </a:r>
-            <a:r>
-              <a:rPr lang="en-US" dirty="0" smtClean="0">
-                <a:solidFill>
-                  <a:srgbClr val="92D050"/>
-                </a:solidFill>
-              </a:rPr>
-              <a:t>, </a:t>
-            </a:r>
-            <a:r>
-              <a:rPr lang="en-US" dirty="0" err="1" smtClean="0">
-                <a:solidFill>
-                  <a:srgbClr val="92D050"/>
-                </a:solidFill>
-              </a:rPr>
-              <a:t>arrival_time</a:t>
-            </a:r>
-            <a:r>
-              <a:rPr lang="en-US" dirty="0" smtClean="0">
-                <a:solidFill>
-                  <a:srgbClr val="92D050"/>
-                </a:solidFill>
-              </a:rPr>
-              <a:t>, </a:t>
-            </a:r>
-            <a:r>
-              <a:rPr lang="en-US" dirty="0" err="1" smtClean="0">
-                <a:solidFill>
-                  <a:srgbClr val="92D050"/>
-                </a:solidFill>
-              </a:rPr>
-              <a:t>departure_time</a:t>
-            </a:r>
-            <a:r>
-              <a:rPr lang="en-US" dirty="0" smtClean="0">
-                <a:solidFill>
-                  <a:srgbClr val="92D050"/>
-                </a:solidFill>
-              </a:rPr>
-              <a:t> and other attributes.</a:t>
-            </a:r>
-          </a:p>
-          <a:p>
-            <a:r>
-              <a:rPr lang="en-US" dirty="0">
-                <a:solidFill>
-                  <a:srgbClr val="92D050"/>
-                </a:solidFill>
-              </a:rPr>
-              <a:t>s</a:t>
-            </a:r>
-            <a:r>
-              <a:rPr lang="en-US" dirty="0" smtClean="0">
-                <a:solidFill>
-                  <a:srgbClr val="92D050"/>
-                </a:solidFill>
-              </a:rPr>
-              <a:t>tops.txt </a:t>
-            </a:r>
-            <a:r>
-              <a:rPr lang="en-US" dirty="0">
-                <a:solidFill>
-                  <a:srgbClr val="92D050"/>
-                </a:solidFill>
-              </a:rPr>
-              <a:t>- Contains a list of all the stops with their location(GPS </a:t>
-            </a:r>
-            <a:r>
-              <a:rPr lang="en-US" dirty="0" smtClean="0">
-                <a:solidFill>
-                  <a:srgbClr val="92D050"/>
-                </a:solidFill>
-              </a:rPr>
-              <a:t>coordinates) </a:t>
-            </a:r>
-            <a:r>
-              <a:rPr lang="en-US" dirty="0">
-                <a:solidFill>
-                  <a:srgbClr val="92D050"/>
-                </a:solidFill>
-              </a:rPr>
-              <a:t>and other attributes</a:t>
-            </a:r>
-            <a:r>
-              <a:rPr lang="en-US" dirty="0" smtClean="0">
-                <a:solidFill>
-                  <a:srgbClr val="92D050"/>
-                </a:solidFill>
-              </a:rPr>
-              <a:t>.</a:t>
-            </a:r>
-          </a:p>
-          <a:p>
-            <a:r>
-              <a:rPr lang="en-US" dirty="0">
-                <a:solidFill>
-                  <a:srgbClr val="92D050"/>
-                </a:solidFill>
-              </a:rPr>
-              <a:t>t</a:t>
-            </a:r>
-            <a:r>
-              <a:rPr lang="en-US" dirty="0" smtClean="0">
-                <a:solidFill>
-                  <a:srgbClr val="92D050"/>
-                </a:solidFill>
-              </a:rPr>
-              <a:t>rips.txt </a:t>
-            </a:r>
-            <a:r>
-              <a:rPr lang="en-US" dirty="0">
-                <a:solidFill>
-                  <a:srgbClr val="92D050"/>
-                </a:solidFill>
-              </a:rPr>
-              <a:t>- Contains which shape corresponds to which route.</a:t>
-            </a:r>
-          </a:p>
-        </p:txBody>
-      </p:sp>
-    </p:spTree>
-    <p:extLst>
-      <p:ext uri="{BB962C8B-B14F-4D97-AF65-F5344CB8AC3E}">
-        <p14:creationId xmlns:p14="http://schemas.microsoft.com/office/powerpoint/2010/main" val="3745170393"/>
-      </p:ext>
-    </p:extLst>
-  </p:cSld>
-  <p:clrMapOvr>
-    <a:masterClrMapping/>
-  </p:clrMapOvr>
-  <p:timing>
-    <p:tnLst>
-      <p:par>
-        <p:cTn id="1" dur="indefinite" restart="never" nodeType="tmRoot"/>
-      </p:par>
-    </p:tnLst>
-  </p:timing>
-</p:sld>
-</file>
-
-<file path=ppt/slides/slide3.xml><?xml version="1.0" encoding="utf-8"?>
-<p:sld xmlns:a="http://schemas.openxmlformats.org/drawingml/2006/main" xmlns:r="http://schemas.openxmlformats.org/officeDocument/2006/relationships" xmlns:p="http://schemas.openxmlformats.org/presentationml/2006/main">
-  <p:cSld>
-    <p:spTree>
-      <p:nvGrpSpPr>
-        <p:cNvPr id="1" name=""/>
-        <p:cNvGrpSpPr/>
-        <p:nvPr/>
-      </p:nvGrpSpPr>
-      <p:grpSpPr>
-        <a:xfrm>
-          <a:off x="0" y="0"/>
-          <a:ext cx="0" cy="0"/>
-          <a:chOff x="0" y="0"/>
-          <a:chExt cx="0" cy="0"/>
-        </a:xfrm>
-      </p:grpSpPr>
-      <p:sp>
-        <p:nvSpPr>
-          <p:cNvPr id="2" name="Title 1">
-            <a:extLst>
-              <a:ext uri="{FF2B5EF4-FFF2-40B4-BE49-F238E27FC236}">
-                <a16:creationId xmlns:a16="http://schemas.microsoft.com/office/drawing/2014/main" id="{C9A428ED-E8E6-4EBE-8C7C-8E6E2E5012C8}"/>
-              </a:ext>
-            </a:extLst>
-          </p:cNvPr>
-          <p:cNvSpPr>
-            <a:spLocks noGrp="1"/>
-          </p:cNvSpPr>
-          <p:nvPr>
-            <p:ph type="title"/>
-          </p:nvPr>
-        </p:nvSpPr>
-        <p:spPr>
-          <a:xfrm>
-            <a:off x="432000" y="458126"/>
-            <a:ext cx="2350389" cy="432000"/>
-          </a:xfrm>
-        </p:spPr>
-        <p:txBody>
-          <a:bodyPr/>
-          <a:lstStyle/>
-          <a:p>
-            <a:r>
-              <a:rPr lang="en-IN" b="1" dirty="0"/>
-              <a:t>The </a:t>
-            </a:r>
-            <a:r>
-              <a:rPr lang="en-IN" b="1" dirty="0" smtClean="0"/>
-              <a:t>Data </a:t>
-            </a:r>
-            <a:endParaRPr lang="en-IN" b="1" dirty="0"/>
-          </a:p>
-        </p:txBody>
-      </p:sp>
-      <p:sp>
-        <p:nvSpPr>
-          <p:cNvPr id="3" name="Slide Number Placeholder 2">
-            <a:extLst>
-              <a:ext uri="{FF2B5EF4-FFF2-40B4-BE49-F238E27FC236}">
-                <a16:creationId xmlns:a16="http://schemas.microsoft.com/office/drawing/2014/main" id="{B79F4F6B-299B-431B-AD93-01AF893D8C92}"/>
-              </a:ext>
-            </a:extLst>
-          </p:cNvPr>
-          <p:cNvSpPr>
-            <a:spLocks noGrp="1"/>
-          </p:cNvSpPr>
-          <p:nvPr>
-            <p:ph type="sldNum" sz="quarter" idx="11"/>
-          </p:nvPr>
-        </p:nvSpPr>
-        <p:spPr/>
-        <p:txBody>
-          <a:bodyPr/>
-          <a:lstStyle/>
-          <a:p>
-            <a:fld id="{4B73C415-D670-4716-A5EC-CC4D52CA2BAC}" type="slidenum">
-              <a:rPr lang="en-US" smtClean="0"/>
-              <a:pPr/>
-              <a:t>3</a:t>
-            </a:fld>
-            <a:endParaRPr lang="en-US" dirty="0"/>
-          </a:p>
-        </p:txBody>
-      </p:sp>
-      <p:sp>
-        <p:nvSpPr>
-          <p:cNvPr id="40" name="Text Placeholder 4">
-            <a:extLst>
-              <a:ext uri="{FF2B5EF4-FFF2-40B4-BE49-F238E27FC236}">
-                <a16:creationId xmlns:a16="http://schemas.microsoft.com/office/drawing/2014/main" id="{B3873866-C6DF-4447-8D2F-8A88CF14E6CB}"/>
-              </a:ext>
-            </a:extLst>
-          </p:cNvPr>
-          <p:cNvSpPr>
-            <a:spLocks noGrp="1"/>
-          </p:cNvSpPr>
-          <p:nvPr>
-            <p:ph type="body" sz="quarter" idx="4294967295"/>
-          </p:nvPr>
-        </p:nvSpPr>
-        <p:spPr>
-          <a:xfrm>
-            <a:off x="9387342" y="5719424"/>
-            <a:ext cx="2498366" cy="511560"/>
-          </a:xfrm>
-          <a:prstGeom prst="rect">
-            <a:avLst/>
-          </a:prstGeom>
-        </p:spPr>
-        <p:txBody>
-          <a:bodyPr/>
-          <a:lstStyle/>
-          <a:p>
-            <a:pPr marL="0" indent="0">
-              <a:buNone/>
-            </a:pPr>
-            <a:r>
-              <a:rPr lang="en-US" sz="1600" dirty="0"/>
-              <a:t>The data was downloaded </a:t>
-            </a:r>
-            <a:r>
-              <a:rPr lang="en-US" sz="1600" dirty="0" smtClean="0"/>
-              <a:t>from </a:t>
-            </a:r>
-            <a:r>
-              <a:rPr lang="en-US" sz="1600" dirty="0"/>
-              <a:t>the </a:t>
-            </a:r>
-            <a:r>
-              <a:rPr lang="en-US" sz="1600" dirty="0">
-                <a:hlinkClick r:id="rId3"/>
-              </a:rPr>
-              <a:t>BKK </a:t>
-            </a:r>
-            <a:r>
-              <a:rPr lang="en-US" sz="1600" dirty="0" smtClean="0">
-                <a:hlinkClick r:id="rId3"/>
-              </a:rPr>
-              <a:t>Website</a:t>
-            </a:r>
-            <a:endParaRPr lang="en-IN" sz="1600" dirty="0"/>
-          </a:p>
-        </p:txBody>
-      </p:sp>
-      <p:sp>
-        <p:nvSpPr>
-          <p:cNvPr id="41" name="Text Placeholder 4">
-            <a:extLst>
-              <a:ext uri="{FF2B5EF4-FFF2-40B4-BE49-F238E27FC236}">
-                <a16:creationId xmlns:a16="http://schemas.microsoft.com/office/drawing/2014/main" id="{B3873866-C6DF-4447-8D2F-8A88CF14E6CB}"/>
-              </a:ext>
-            </a:extLst>
-          </p:cNvPr>
-          <p:cNvSpPr>
-            <a:spLocks noGrp="1"/>
-          </p:cNvSpPr>
-          <p:nvPr>
-            <p:ph type="body" sz="quarter" idx="4294967295"/>
-          </p:nvPr>
-        </p:nvSpPr>
-        <p:spPr>
-          <a:xfrm>
-            <a:off x="9387342" y="1619288"/>
-            <a:ext cx="2690949" cy="3965757"/>
-          </a:xfrm>
-          <a:prstGeom prst="rect">
-            <a:avLst/>
-          </a:prstGeom>
-        </p:spPr>
-        <p:txBody>
-          <a:bodyPr/>
-          <a:lstStyle/>
-          <a:p>
-            <a:pPr>
-              <a:lnSpc>
-                <a:spcPct val="110000"/>
-              </a:lnSpc>
-            </a:pPr>
-            <a:r>
-              <a:rPr lang="hu-HU" sz="1600" dirty="0"/>
-              <a:t>agency.txt</a:t>
-            </a:r>
-          </a:p>
-          <a:p>
-            <a:pPr>
-              <a:lnSpc>
-                <a:spcPct val="110000"/>
-              </a:lnSpc>
-            </a:pPr>
-            <a:r>
-              <a:rPr lang="hu-HU" sz="1600" dirty="0"/>
-              <a:t>calendar_dates.txt</a:t>
-            </a:r>
-          </a:p>
-          <a:p>
-            <a:pPr>
-              <a:lnSpc>
-                <a:spcPct val="110000"/>
-              </a:lnSpc>
-            </a:pPr>
-            <a:r>
-              <a:rPr lang="hu-HU" sz="1600" dirty="0"/>
-              <a:t>feed_info.txt</a:t>
-            </a:r>
-          </a:p>
-          <a:p>
-            <a:pPr>
-              <a:lnSpc>
-                <a:spcPct val="110000"/>
-              </a:lnSpc>
-            </a:pPr>
-            <a:r>
-              <a:rPr lang="hu-HU" sz="1600" dirty="0"/>
-              <a:t>pathways.txt</a:t>
-            </a:r>
-          </a:p>
-          <a:p>
-            <a:pPr>
-              <a:lnSpc>
-                <a:spcPct val="110000"/>
-              </a:lnSpc>
-            </a:pPr>
-            <a:r>
-              <a:rPr lang="hu-HU" sz="1600" dirty="0" smtClean="0">
-                <a:solidFill>
-                  <a:schemeClr val="tx1"/>
-                </a:solidFill>
-              </a:rPr>
-              <a:t>routes.txt</a:t>
-            </a:r>
-            <a:r>
-              <a:rPr lang="en-US" sz="1600" dirty="0" smtClean="0">
-                <a:solidFill>
-                  <a:srgbClr val="92D050"/>
-                </a:solidFill>
-              </a:rPr>
-              <a:t> </a:t>
-            </a:r>
-            <a:r>
-              <a:rPr lang="en-US" sz="1600" dirty="0" smtClean="0">
-                <a:solidFill>
-                  <a:srgbClr val="92D050"/>
-                </a:solidFill>
-                <a:sym typeface="Wingdings" panose="05000000000000000000" pitchFamily="2" charset="2"/>
-              </a:rPr>
-              <a:t></a:t>
-            </a:r>
-            <a:endParaRPr lang="hu-HU" sz="1600" dirty="0">
-              <a:solidFill>
-                <a:srgbClr val="92D050"/>
-              </a:solidFill>
-            </a:endParaRPr>
-          </a:p>
-          <a:p>
-            <a:pPr>
-              <a:lnSpc>
-                <a:spcPct val="110000"/>
-              </a:lnSpc>
-            </a:pPr>
-            <a:r>
-              <a:rPr lang="en-GB" sz="1600" dirty="0"/>
-              <a:t>shapes</a:t>
-            </a:r>
-            <a:r>
-              <a:rPr lang="hu-HU" sz="1600" dirty="0"/>
-              <a:t>.txt</a:t>
-            </a:r>
-          </a:p>
-          <a:p>
-            <a:pPr>
-              <a:lnSpc>
-                <a:spcPct val="110000"/>
-              </a:lnSpc>
-            </a:pPr>
-            <a:r>
-              <a:rPr lang="hu-HU" sz="1600" dirty="0" smtClean="0">
-                <a:solidFill>
-                  <a:schemeClr val="tx1"/>
-                </a:solidFill>
-              </a:rPr>
-              <a:t>stop_times.txt</a:t>
-            </a:r>
-            <a:r>
-              <a:rPr lang="en-US" sz="1600" dirty="0" smtClean="0">
-                <a:solidFill>
-                  <a:srgbClr val="92D050"/>
-                </a:solidFill>
-              </a:rPr>
-              <a:t> </a:t>
-            </a:r>
-            <a:r>
-              <a:rPr lang="en-US" sz="1600" dirty="0" smtClean="0">
-                <a:solidFill>
-                  <a:srgbClr val="92D050"/>
-                </a:solidFill>
-                <a:sym typeface="Wingdings" panose="05000000000000000000" pitchFamily="2" charset="2"/>
-              </a:rPr>
-              <a:t></a:t>
-            </a:r>
-            <a:endParaRPr lang="hu-HU" sz="1600" dirty="0">
-              <a:solidFill>
-                <a:srgbClr val="92D050"/>
-              </a:solidFill>
-            </a:endParaRPr>
-          </a:p>
-          <a:p>
-            <a:pPr>
-              <a:lnSpc>
-                <a:spcPct val="110000"/>
-              </a:lnSpc>
-            </a:pPr>
-            <a:r>
-              <a:rPr lang="hu-HU" sz="1600" dirty="0" smtClean="0">
-                <a:solidFill>
-                  <a:schemeClr val="tx1"/>
-                </a:solidFill>
-              </a:rPr>
-              <a:t>stops.txt</a:t>
-            </a:r>
-            <a:r>
-              <a:rPr lang="en-US" sz="1600" dirty="0" smtClean="0">
-                <a:solidFill>
-                  <a:schemeClr val="tx1"/>
-                </a:solidFill>
-              </a:rPr>
-              <a:t> </a:t>
-            </a:r>
-            <a:r>
-              <a:rPr lang="en-US" sz="1600" dirty="0" smtClean="0">
-                <a:solidFill>
-                  <a:srgbClr val="92D050"/>
-                </a:solidFill>
-                <a:sym typeface="Wingdings" panose="05000000000000000000" pitchFamily="2" charset="2"/>
-              </a:rPr>
-              <a:t></a:t>
-            </a:r>
-            <a:endParaRPr lang="hu-HU" sz="1600" dirty="0">
-              <a:solidFill>
-                <a:srgbClr val="92D050"/>
-              </a:solidFill>
-            </a:endParaRPr>
-          </a:p>
-          <a:p>
-            <a:pPr>
-              <a:lnSpc>
-                <a:spcPct val="110000"/>
-              </a:lnSpc>
-            </a:pPr>
-            <a:r>
-              <a:rPr lang="hu-HU" sz="1600" dirty="0" smtClean="0">
-                <a:solidFill>
-                  <a:schemeClr val="tx1"/>
-                </a:solidFill>
-              </a:rPr>
-              <a:t>trips.txt</a:t>
-            </a:r>
-            <a:r>
-              <a:rPr lang="en-US" sz="1600" dirty="0" smtClean="0">
-                <a:solidFill>
-                  <a:schemeClr val="tx1"/>
-                </a:solidFill>
-              </a:rPr>
-              <a:t> </a:t>
-            </a:r>
-            <a:r>
-              <a:rPr lang="en-US" sz="1600" dirty="0">
-                <a:solidFill>
-                  <a:srgbClr val="92D050"/>
-                </a:solidFill>
-                <a:sym typeface="Wingdings" panose="05000000000000000000" pitchFamily="2" charset="2"/>
-              </a:rPr>
-              <a:t></a:t>
-            </a:r>
-            <a:endParaRPr lang="hu-HU" sz="1600" dirty="0">
-              <a:solidFill>
-                <a:srgbClr val="92D050"/>
-              </a:solidFill>
-            </a:endParaRPr>
-          </a:p>
-          <a:p>
-            <a:pPr>
-              <a:lnSpc>
-                <a:spcPct val="110000"/>
-              </a:lnSpc>
-            </a:pPr>
-            <a:endParaRPr lang="hu-HU" dirty="0">
-              <a:solidFill>
-                <a:srgbClr val="92D050"/>
-              </a:solidFill>
-            </a:endParaRPr>
-          </a:p>
-        </p:txBody>
-      </p:sp>
-      <p:sp>
-        <p:nvSpPr>
-          <p:cNvPr id="7" name="Text Placeholder 4">
-            <a:extLst>
-              <a:ext uri="{FF2B5EF4-FFF2-40B4-BE49-F238E27FC236}">
-                <a16:creationId xmlns:a16="http://schemas.microsoft.com/office/drawing/2014/main" id="{B3873866-C6DF-4447-8D2F-8A88CF14E6CB}"/>
-              </a:ext>
-            </a:extLst>
-          </p:cNvPr>
-          <p:cNvSpPr>
-            <a:spLocks noGrp="1"/>
-          </p:cNvSpPr>
-          <p:nvPr>
-            <p:ph type="body" sz="quarter" idx="4294967295"/>
-          </p:nvPr>
-        </p:nvSpPr>
-        <p:spPr>
-          <a:xfrm>
-            <a:off x="432000" y="1298574"/>
-            <a:ext cx="8398490" cy="5096367"/>
-          </a:xfrm>
-          <a:prstGeom prst="rect">
-            <a:avLst/>
-          </a:prstGeom>
-        </p:spPr>
-        <p:txBody>
-          <a:bodyPr/>
-          <a:lstStyle/>
-          <a:p>
-            <a:r>
-              <a:rPr lang="en-US" dirty="0"/>
-              <a:t>a</a:t>
-            </a:r>
-            <a:r>
-              <a:rPr lang="en-US" dirty="0" smtClean="0"/>
-              <a:t>gency - </a:t>
-            </a:r>
-            <a:r>
-              <a:rPr lang="en-US" dirty="0"/>
-              <a:t>Basic information about service provider</a:t>
-            </a:r>
-            <a:r>
-              <a:rPr lang="en-US" dirty="0" smtClean="0"/>
-              <a:t>.</a:t>
-            </a:r>
-          </a:p>
-          <a:p>
-            <a:r>
-              <a:rPr lang="en-US" dirty="0" err="1" smtClean="0"/>
-              <a:t>calendar_dates</a:t>
-            </a:r>
-            <a:r>
-              <a:rPr lang="en-US" dirty="0"/>
-              <a:t> </a:t>
-            </a:r>
-            <a:r>
-              <a:rPr lang="en-US" dirty="0" smtClean="0"/>
-              <a:t> </a:t>
-            </a:r>
-            <a:r>
-              <a:rPr lang="en-US" dirty="0" smtClean="0"/>
-              <a:t>- </a:t>
-            </a:r>
-            <a:r>
-              <a:rPr lang="en-US" dirty="0"/>
-              <a:t>Service patterns that don't repeat such as for a one-time special </a:t>
-            </a:r>
-            <a:r>
-              <a:rPr lang="en-US" dirty="0" smtClean="0"/>
-              <a:t>event.</a:t>
-            </a:r>
-          </a:p>
-          <a:p>
-            <a:r>
-              <a:rPr lang="en-US" dirty="0" err="1" smtClean="0"/>
-              <a:t>feed_info</a:t>
-            </a:r>
-            <a:r>
-              <a:rPr lang="en-US" dirty="0" smtClean="0"/>
-              <a:t> - </a:t>
-            </a:r>
-            <a:r>
-              <a:rPr lang="en-US" dirty="0"/>
-              <a:t>Basic information about the  </a:t>
-            </a:r>
-            <a:r>
-              <a:rPr lang="en-US" dirty="0" smtClean="0"/>
-              <a:t>BKK service</a:t>
-            </a:r>
-            <a:r>
-              <a:rPr lang="en-US" dirty="0"/>
-              <a:t>.</a:t>
-            </a:r>
-          </a:p>
-          <a:p>
-            <a:r>
-              <a:rPr lang="en-US" dirty="0" smtClean="0"/>
-              <a:t>pathways </a:t>
-            </a:r>
-            <a:r>
-              <a:rPr lang="en-US" dirty="0"/>
-              <a:t>- Contains </a:t>
-            </a:r>
-            <a:r>
-              <a:rPr lang="en-US" dirty="0" smtClean="0"/>
-              <a:t>all paths connected via directional -bidirectional route</a:t>
-            </a:r>
-            <a:r>
-              <a:rPr lang="en-US" dirty="0"/>
-              <a:t>. </a:t>
-            </a:r>
-            <a:endParaRPr lang="en-US" dirty="0" smtClean="0"/>
-          </a:p>
-          <a:p>
-            <a:r>
-              <a:rPr lang="en-US" dirty="0" smtClean="0">
-                <a:solidFill>
-                  <a:schemeClr val="tx1"/>
-                </a:solidFill>
-              </a:rPr>
-              <a:t>routes </a:t>
-            </a:r>
-            <a:r>
-              <a:rPr lang="en-US" dirty="0" smtClean="0">
-                <a:solidFill>
-                  <a:schemeClr val="tx1"/>
-                </a:solidFill>
-              </a:rPr>
-              <a:t>- </a:t>
-            </a:r>
-            <a:r>
-              <a:rPr lang="en-US" dirty="0">
-                <a:solidFill>
-                  <a:schemeClr val="tx1"/>
-                </a:solidFill>
-              </a:rPr>
-              <a:t>Contains a list of all the routes with their </a:t>
-            </a:r>
-            <a:r>
-              <a:rPr lang="en-US" dirty="0" smtClean="0">
-                <a:solidFill>
-                  <a:schemeClr val="tx1"/>
-                </a:solidFill>
-              </a:rPr>
-              <a:t>names, short description </a:t>
-            </a:r>
-            <a:r>
-              <a:rPr lang="en-US" dirty="0">
-                <a:solidFill>
-                  <a:schemeClr val="tx1"/>
-                </a:solidFill>
-              </a:rPr>
-              <a:t>and color coding for the online map</a:t>
-            </a:r>
-            <a:r>
-              <a:rPr lang="en-US" dirty="0" smtClean="0">
-                <a:solidFill>
-                  <a:schemeClr val="tx1"/>
-                </a:solidFill>
-              </a:rPr>
-              <a:t>.</a:t>
-            </a:r>
-            <a:endParaRPr lang="en-US" dirty="0">
-              <a:solidFill>
-                <a:schemeClr val="tx1"/>
-              </a:solidFill>
-            </a:endParaRPr>
-          </a:p>
-          <a:p>
-            <a:r>
-              <a:rPr lang="en-US" dirty="0" smtClean="0"/>
-              <a:t>shapes </a:t>
-            </a:r>
-            <a:r>
-              <a:rPr lang="en-US" dirty="0"/>
-              <a:t>- Contains collections of GPS </a:t>
-            </a:r>
-            <a:r>
-              <a:rPr lang="en-US" dirty="0" smtClean="0"/>
-              <a:t>coordinates.</a:t>
-            </a:r>
-          </a:p>
-          <a:p>
-            <a:r>
-              <a:rPr lang="en-US" dirty="0" err="1" smtClean="0">
-                <a:solidFill>
-                  <a:schemeClr val="tx1"/>
-                </a:solidFill>
-              </a:rPr>
-              <a:t>stop_times</a:t>
-            </a:r>
-            <a:r>
-              <a:rPr lang="en-US" dirty="0" smtClean="0">
-                <a:solidFill>
-                  <a:schemeClr val="tx1"/>
-                </a:solidFill>
-              </a:rPr>
-              <a:t> </a:t>
-            </a:r>
-            <a:r>
-              <a:rPr lang="en-US" dirty="0" smtClean="0">
-                <a:solidFill>
-                  <a:schemeClr val="tx1"/>
-                </a:solidFill>
-              </a:rPr>
-              <a:t>– contains information about </a:t>
-            </a:r>
-            <a:r>
-              <a:rPr lang="en-US" dirty="0" err="1" smtClean="0">
-                <a:solidFill>
-                  <a:schemeClr val="tx1"/>
-                </a:solidFill>
-              </a:rPr>
-              <a:t>trip_id</a:t>
-            </a:r>
-            <a:r>
-              <a:rPr lang="en-US" dirty="0" smtClean="0">
-                <a:solidFill>
-                  <a:schemeClr val="tx1"/>
-                </a:solidFill>
-              </a:rPr>
-              <a:t>, </a:t>
-            </a:r>
-            <a:r>
-              <a:rPr lang="en-US" dirty="0" err="1" smtClean="0">
-                <a:solidFill>
-                  <a:schemeClr val="tx1"/>
-                </a:solidFill>
-              </a:rPr>
-              <a:t>stop_id</a:t>
-            </a:r>
-            <a:r>
-              <a:rPr lang="en-US" dirty="0" smtClean="0">
-                <a:solidFill>
-                  <a:schemeClr val="tx1"/>
-                </a:solidFill>
-              </a:rPr>
-              <a:t>, </a:t>
-            </a:r>
-            <a:r>
-              <a:rPr lang="en-US" dirty="0" err="1" smtClean="0">
-                <a:solidFill>
-                  <a:schemeClr val="tx1"/>
-                </a:solidFill>
-              </a:rPr>
-              <a:t>arrival_time</a:t>
-            </a:r>
-            <a:r>
-              <a:rPr lang="en-US" dirty="0" smtClean="0">
-                <a:solidFill>
-                  <a:schemeClr val="tx1"/>
-                </a:solidFill>
-              </a:rPr>
-              <a:t>, </a:t>
-            </a:r>
-            <a:r>
-              <a:rPr lang="en-US" dirty="0" err="1" smtClean="0">
-                <a:solidFill>
-                  <a:schemeClr val="tx1"/>
-                </a:solidFill>
-              </a:rPr>
-              <a:t>departure_time</a:t>
-            </a:r>
-            <a:r>
-              <a:rPr lang="en-US" dirty="0" smtClean="0">
-                <a:solidFill>
-                  <a:schemeClr val="tx1"/>
-                </a:solidFill>
-              </a:rPr>
-              <a:t> and other attributes.</a:t>
-            </a:r>
-          </a:p>
-          <a:p>
-            <a:r>
-              <a:rPr lang="en-US" dirty="0" smtClean="0">
-                <a:solidFill>
-                  <a:schemeClr val="tx1"/>
-                </a:solidFill>
-              </a:rPr>
-              <a:t>stops </a:t>
-            </a:r>
-            <a:r>
-              <a:rPr lang="en-US" dirty="0">
-                <a:solidFill>
-                  <a:schemeClr val="tx1"/>
-                </a:solidFill>
-              </a:rPr>
-              <a:t>- Contains a list of all the stops with their location(GPS </a:t>
-            </a:r>
-            <a:r>
-              <a:rPr lang="en-US" dirty="0" smtClean="0">
-                <a:solidFill>
-                  <a:schemeClr val="tx1"/>
-                </a:solidFill>
-              </a:rPr>
-              <a:t>coordinates) </a:t>
-            </a:r>
-            <a:r>
-              <a:rPr lang="en-US" dirty="0">
-                <a:solidFill>
-                  <a:schemeClr val="tx1"/>
-                </a:solidFill>
-              </a:rPr>
-              <a:t>and other attributes</a:t>
-            </a:r>
-            <a:r>
-              <a:rPr lang="en-US" dirty="0" smtClean="0">
-                <a:solidFill>
-                  <a:schemeClr val="tx1"/>
-                </a:solidFill>
-              </a:rPr>
-              <a:t>.</a:t>
-            </a:r>
-          </a:p>
-          <a:p>
-            <a:r>
-              <a:rPr lang="en-US" dirty="0" smtClean="0">
-                <a:solidFill>
-                  <a:schemeClr val="tx1"/>
-                </a:solidFill>
-              </a:rPr>
-              <a:t>trips </a:t>
-            </a:r>
-            <a:r>
-              <a:rPr lang="en-US" dirty="0">
-                <a:solidFill>
-                  <a:schemeClr val="tx1"/>
-                </a:solidFill>
-              </a:rPr>
-              <a:t>- Contains which shape corresponds to which route.</a:t>
-            </a:r>
-          </a:p>
-        </p:txBody>
-      </p:sp>
-      <p:sp>
-        <p:nvSpPr>
-          <p:cNvPr id="8" name="Text Placeholder 4">
-            <a:extLst>
-              <a:ext uri="{FF2B5EF4-FFF2-40B4-BE49-F238E27FC236}">
-                <a16:creationId xmlns:a16="http://schemas.microsoft.com/office/drawing/2014/main" id="{B3873866-C6DF-4447-8D2F-8A88CF14E6CB}"/>
-              </a:ext>
-            </a:extLst>
-          </p:cNvPr>
-          <p:cNvSpPr>
-            <a:spLocks noGrp="1"/>
-          </p:cNvSpPr>
-          <p:nvPr>
-            <p:ph type="body" sz="quarter" idx="4294967295"/>
-          </p:nvPr>
-        </p:nvSpPr>
-        <p:spPr>
-          <a:xfrm>
-            <a:off x="9387341" y="890126"/>
-            <a:ext cx="2690949" cy="559851"/>
-          </a:xfrm>
-          <a:prstGeom prst="rect">
-            <a:avLst/>
-          </a:prstGeom>
-        </p:spPr>
-        <p:txBody>
-          <a:bodyPr/>
-          <a:lstStyle/>
-          <a:p>
-            <a:pPr marL="0" indent="0">
-              <a:buNone/>
-            </a:pPr>
-            <a:r>
-              <a:rPr lang="en-IN" sz="1600" b="1" dirty="0"/>
-              <a:t>General Transit Feed Specification (</a:t>
-            </a:r>
-            <a:r>
-              <a:rPr lang="en-IN" sz="1600" b="1" dirty="0" err="1"/>
-              <a:t>gtfs</a:t>
-            </a:r>
-            <a:r>
-              <a:rPr lang="en-IN" sz="1600" b="1" dirty="0"/>
-              <a:t>)</a:t>
-            </a:r>
-            <a:br>
-              <a:rPr lang="en-IN" sz="1600" b="1" dirty="0"/>
-            </a:br>
-            <a:endParaRPr lang="en-IN" sz="1600" b="1" dirty="0"/>
-          </a:p>
-        </p:txBody>
-      </p:sp>
-    </p:spTree>
-    <p:extLst>
-      <p:ext uri="{BB962C8B-B14F-4D97-AF65-F5344CB8AC3E}">
-        <p14:creationId xmlns:p14="http://schemas.microsoft.com/office/powerpoint/2010/main" val="1348546832"/>
-      </p:ext>
-    </p:extLst>
-  </p:cSld>
-  <p:clrMapOvr>
-    <a:masterClrMapping/>
-  </p:clrMapOvr>
-  <p:timing>
-    <p:tnLst>
-      <p:par>
-        <p:cTn id="1" dur="indefinite" restart="never" nodeType="tmRoot"/>
-      </p:par>
-    </p:tnLst>
-  </p:timing>
-</p:sld>
-</file>
-
-<file path=ppt/slides/slide4.xml><?xml version="1.0" encoding="utf-8"?>
-<p:sld xmlns:a="http://schemas.openxmlformats.org/drawingml/2006/main" xmlns:r="http://schemas.openxmlformats.org/officeDocument/2006/relationships" xmlns:p="http://schemas.openxmlformats.org/presentationml/2006/main">
-  <p:cSld>
-    <p:spTree>
-      <p:nvGrpSpPr>
-        <p:cNvPr id="1" name=""/>
-        <p:cNvGrpSpPr/>
-        <p:nvPr/>
-      </p:nvGrpSpPr>
-      <p:grpSpPr>
-        <a:xfrm>
-          <a:off x="0" y="0"/>
-          <a:ext cx="0" cy="0"/>
-          <a:chOff x="0" y="0"/>
-          <a:chExt cx="0" cy="0"/>
-        </a:xfrm>
-      </p:grpSpPr>
-      <p:sp>
-        <p:nvSpPr>
-          <p:cNvPr id="2" name="Title 1">
-            <a:extLst>
-              <a:ext uri="{FF2B5EF4-FFF2-40B4-BE49-F238E27FC236}">
-                <a16:creationId xmlns:a16="http://schemas.microsoft.com/office/drawing/2014/main" id="{C9A428ED-E8E6-4EBE-8C7C-8E6E2E5012C8}"/>
-              </a:ext>
-            </a:extLst>
-          </p:cNvPr>
-          <p:cNvSpPr>
-            <a:spLocks noGrp="1"/>
-          </p:cNvSpPr>
-          <p:nvPr>
-            <p:ph type="title"/>
-          </p:nvPr>
-        </p:nvSpPr>
-        <p:spPr>
-          <a:xfrm>
-            <a:off x="432000" y="458126"/>
-            <a:ext cx="11340000" cy="432000"/>
-          </a:xfrm>
-        </p:spPr>
-        <p:txBody>
-          <a:bodyPr/>
-          <a:lstStyle/>
-          <a:p>
-            <a:r>
-              <a:rPr lang="en-US" dirty="0" smtClean="0"/>
-              <a:t>Data Preprocessing</a:t>
-            </a:r>
-            <a:endParaRPr lang="en-US" dirty="0"/>
-          </a:p>
-        </p:txBody>
-      </p:sp>
-      <p:sp>
-        <p:nvSpPr>
-          <p:cNvPr id="3" name="Slide Number Placeholder 2">
-            <a:extLst>
-              <a:ext uri="{FF2B5EF4-FFF2-40B4-BE49-F238E27FC236}">
-                <a16:creationId xmlns:a16="http://schemas.microsoft.com/office/drawing/2014/main" id="{B79F4F6B-299B-431B-AD93-01AF893D8C92}"/>
-              </a:ext>
-            </a:extLst>
-          </p:cNvPr>
-          <p:cNvSpPr>
-            <a:spLocks noGrp="1"/>
-          </p:cNvSpPr>
-          <p:nvPr>
-            <p:ph type="sldNum" sz="quarter" idx="11"/>
-          </p:nvPr>
-        </p:nvSpPr>
-        <p:spPr/>
-        <p:txBody>
-          <a:bodyPr/>
-          <a:lstStyle/>
-          <a:p>
-            <a:fld id="{4B73C415-D670-4716-A5EC-CC4D52CA2BAC}" type="slidenum">
-              <a:rPr lang="en-US" smtClean="0"/>
-              <a:pPr/>
-              <a:t>4</a:t>
-            </a:fld>
-            <a:endParaRPr lang="en-US" dirty="0"/>
-          </a:p>
-        </p:txBody>
-      </p:sp>
-      <p:sp>
-        <p:nvSpPr>
-          <p:cNvPr id="40" name="Text Placeholder 4">
-            <a:extLst>
-              <a:ext uri="{FF2B5EF4-FFF2-40B4-BE49-F238E27FC236}">
-                <a16:creationId xmlns:a16="http://schemas.microsoft.com/office/drawing/2014/main" id="{B3873866-C6DF-4447-8D2F-8A88CF14E6CB}"/>
-              </a:ext>
-            </a:extLst>
-          </p:cNvPr>
-          <p:cNvSpPr>
-            <a:spLocks noGrp="1"/>
-          </p:cNvSpPr>
-          <p:nvPr>
-            <p:ph type="body" sz="quarter" idx="4294967295"/>
-          </p:nvPr>
-        </p:nvSpPr>
-        <p:spPr>
-          <a:xfrm>
-            <a:off x="477720" y="1325881"/>
-            <a:ext cx="11248560" cy="496388"/>
-          </a:xfrm>
-          <a:prstGeom prst="rect">
-            <a:avLst/>
-          </a:prstGeom>
-        </p:spPr>
-        <p:txBody>
-          <a:bodyPr/>
-          <a:lstStyle/>
-          <a:p>
-            <a:pPr marL="0" indent="0">
-              <a:buNone/>
-            </a:pPr>
-            <a:r>
-              <a:rPr lang="en-US" dirty="0"/>
-              <a:t>There are modeling methodologies associated with each of the </a:t>
-            </a:r>
-            <a:r>
-              <a:rPr lang="en-US" dirty="0" smtClean="0"/>
-              <a:t>four </a:t>
-            </a:r>
-            <a:r>
-              <a:rPr lang="en-IN" dirty="0" smtClean="0"/>
-              <a:t>knowledge </a:t>
-            </a:r>
-            <a:r>
-              <a:rPr lang="en-IN" dirty="0"/>
-              <a:t>spaces.</a:t>
-            </a:r>
-            <a:endParaRPr lang="en-IN" sz="2200" dirty="0"/>
-          </a:p>
-        </p:txBody>
-      </p:sp>
-      <p:sp>
-        <p:nvSpPr>
-          <p:cNvPr id="41" name="Text Placeholder 4">
-            <a:extLst>
-              <a:ext uri="{FF2B5EF4-FFF2-40B4-BE49-F238E27FC236}">
-                <a16:creationId xmlns:a16="http://schemas.microsoft.com/office/drawing/2014/main" id="{B3873866-C6DF-4447-8D2F-8A88CF14E6CB}"/>
-              </a:ext>
-            </a:extLst>
-          </p:cNvPr>
-          <p:cNvSpPr>
-            <a:spLocks noGrp="1"/>
-          </p:cNvSpPr>
-          <p:nvPr>
-            <p:ph type="body" sz="quarter" idx="4294967295"/>
-          </p:nvPr>
-        </p:nvSpPr>
-        <p:spPr>
-          <a:xfrm>
-            <a:off x="477720" y="2492691"/>
-            <a:ext cx="4074686" cy="2993243"/>
-          </a:xfrm>
-          <a:prstGeom prst="rect">
-            <a:avLst/>
-          </a:prstGeom>
-        </p:spPr>
-        <p:txBody>
-          <a:bodyPr/>
-          <a:lstStyle/>
-          <a:p>
-            <a:r>
-              <a:rPr lang="en-US" sz="2200" dirty="0" smtClean="0"/>
-              <a:t>Personal Workspace</a:t>
-            </a:r>
-          </a:p>
-          <a:p>
-            <a:r>
-              <a:rPr lang="en-US" sz="2200" dirty="0"/>
-              <a:t>I</a:t>
-            </a:r>
-            <a:r>
-              <a:rPr lang="en-US" sz="2200" dirty="0" smtClean="0"/>
-              <a:t>nnovation Space</a:t>
-            </a:r>
-          </a:p>
-          <a:p>
-            <a:r>
-              <a:rPr lang="en-US" sz="2200" dirty="0" smtClean="0"/>
-              <a:t>Business Networking </a:t>
-            </a:r>
-            <a:r>
-              <a:rPr lang="en-US" sz="2200" dirty="0"/>
-              <a:t>S</a:t>
-            </a:r>
-            <a:r>
-              <a:rPr lang="en-US" sz="2200" dirty="0" smtClean="0"/>
-              <a:t>pace</a:t>
-            </a:r>
-          </a:p>
-          <a:p>
-            <a:r>
-              <a:rPr lang="en-US" sz="2200" dirty="0" smtClean="0"/>
-              <a:t>Community Space</a:t>
-            </a:r>
-            <a:endParaRPr lang="en-IN" sz="2200" dirty="0"/>
-          </a:p>
-        </p:txBody>
-      </p:sp>
-      <p:pic>
-        <p:nvPicPr>
-          <p:cNvPr id="6" name="Picture 5"/>
-          <p:cNvPicPr>
-            <a:picLocks noChangeAspect="1"/>
-          </p:cNvPicPr>
-          <p:nvPr/>
-        </p:nvPicPr>
-        <p:blipFill>
-          <a:blip r:embed="rId3">
-            <a:extLst>
-              <a:ext uri="{28A0092B-C50C-407E-A947-70E740481C1C}">
-                <a14:useLocalDpi xmlns:a14="http://schemas.microsoft.com/office/drawing/2010/main" val="0"/>
-              </a:ext>
-            </a:extLst>
-          </a:blip>
-          <a:stretch>
-            <a:fillRect/>
-          </a:stretch>
-        </p:blipFill>
-        <p:spPr>
-          <a:xfrm>
-            <a:off x="4180114" y="1717766"/>
-            <a:ext cx="7546166" cy="4543094"/>
-          </a:xfrm>
-          <a:prstGeom prst="rect">
-            <a:avLst/>
-          </a:prstGeom>
-        </p:spPr>
-      </p:pic>
-    </p:spTree>
-    <p:extLst>
-      <p:ext uri="{BB962C8B-B14F-4D97-AF65-F5344CB8AC3E}">
-        <p14:creationId xmlns:p14="http://schemas.microsoft.com/office/powerpoint/2010/main" val="1230944833"/>
-      </p:ext>
-    </p:extLst>
-  </p:cSld>
-  <p:clrMapOvr>
-    <a:masterClrMapping/>
-  </p:clrMapOvr>
-  <p:timing>
-    <p:tnLst>
-      <p:par>
-        <p:cTn id="1" dur="indefinite" restart="never" nodeType="tmRoot"/>
-      </p:par>
-    </p:tnLst>
-  </p:timing>
-</p:sld>
-</file>
-
-<file path=ppt/slides/slide5.xml><?xml version="1.0" encoding="utf-8"?>
-<p:sld xmlns:a="http://schemas.openxmlformats.org/drawingml/2006/main" xmlns:r="http://schemas.openxmlformats.org/officeDocument/2006/relationships" xmlns:p="http://schemas.openxmlformats.org/presentationml/2006/main">
-  <p:cSld>
-    <p:spTree>
-      <p:nvGrpSpPr>
-        <p:cNvPr id="1" name=""/>
-        <p:cNvGrpSpPr/>
-        <p:nvPr/>
-      </p:nvGrpSpPr>
-      <p:grpSpPr>
-        <a:xfrm>
-          <a:off x="0" y="0"/>
-          <a:ext cx="0" cy="0"/>
-          <a:chOff x="0" y="0"/>
-          <a:chExt cx="0" cy="0"/>
-        </a:xfrm>
-      </p:grpSpPr>
-      <p:sp>
-        <p:nvSpPr>
-          <p:cNvPr id="2" name="Slide Number Placeholder 1"/>
-          <p:cNvSpPr>
-            <a:spLocks noGrp="1"/>
-          </p:cNvSpPr>
-          <p:nvPr>
-            <p:ph type="sldNum" sz="quarter" idx="11"/>
-          </p:nvPr>
-        </p:nvSpPr>
-        <p:spPr/>
-        <p:txBody>
-          <a:bodyPr/>
-          <a:lstStyle/>
-          <a:p>
-            <a:fld id="{4B73C415-D670-4716-A5EC-CC4D52CA2BAC}" type="slidenum">
-              <a:rPr lang="en-US" noProof="0" smtClean="0"/>
-              <a:pPr/>
-              <a:t>5</a:t>
-            </a:fld>
-            <a:endParaRPr lang="en-US" noProof="0" dirty="0"/>
-          </a:p>
-        </p:txBody>
-      </p:sp>
-      <p:pic>
-        <p:nvPicPr>
-          <p:cNvPr id="4" name="Picture Placeholder 3"/>
-          <p:cNvPicPr>
-            <a:picLocks noGrp="1" noChangeAspect="1"/>
-          </p:cNvPicPr>
-          <p:nvPr>
-            <p:ph type="pic" sz="quarter" idx="12"/>
-          </p:nvPr>
-        </p:nvPicPr>
-        <p:blipFill>
-          <a:blip r:embed="rId2">
-            <a:extLst>
-              <a:ext uri="{28A0092B-C50C-407E-A947-70E740481C1C}">
-                <a14:useLocalDpi xmlns:a14="http://schemas.microsoft.com/office/drawing/2010/main" val="0"/>
-              </a:ext>
-            </a:extLst>
-          </a:blip>
-          <a:srcRect l="1979" r="1979"/>
-          <a:stretch>
-            <a:fillRect/>
-          </a:stretch>
-        </p:blipFill>
-        <p:spPr>
-          <a:xfrm>
-            <a:off x="484251" y="1397121"/>
-            <a:ext cx="4858458" cy="4246033"/>
-          </a:xfrm>
-        </p:spPr>
-      </p:pic>
-      <p:sp>
-        <p:nvSpPr>
           <p:cNvPr id="5" name="Text Placeholder 4">
             <a:extLst>
               <a:ext uri="{FF2B5EF4-FFF2-40B4-BE49-F238E27FC236}">
@@ -20110,8 +19927,8 @@
         </p:nvSpPr>
         <p:spPr>
           <a:xfrm>
-            <a:off x="5878285" y="1513442"/>
-            <a:ext cx="5708469" cy="4691415"/>
+            <a:off x="682561" y="1319349"/>
+            <a:ext cx="10407805" cy="4245427"/>
           </a:xfrm>
           <a:prstGeom prst="rect">
             <a:avLst/>
@@ -20305,188 +20122,173 @@
           </a:lstStyle>
           <a:p>
             <a:r>
-              <a:rPr lang="en-US" b="1" dirty="0"/>
-              <a:t>Information (I), </a:t>
+              <a:rPr lang="en-US" dirty="0" smtClean="0">
+                <a:hlinkClick r:id="rId3"/>
+              </a:rPr>
+              <a:t>https://bkk.hu/apps/gtfs</a:t>
+            </a:r>
+            <a:endParaRPr lang="en-US" dirty="0" smtClean="0"/>
+          </a:p>
+          <a:p>
+            <a:r>
+              <a:rPr lang="de-DE" u="sng" dirty="0">
+                <a:hlinkClick r:id="rId4"/>
+              </a:rPr>
+              <a:t>https://networkx.org</a:t>
+            </a:r>
+            <a:r>
+              <a:rPr lang="de-DE" u="sng" dirty="0" smtClean="0">
+                <a:hlinkClick r:id="rId4"/>
+              </a:rPr>
+              <a:t>/</a:t>
+            </a:r>
+            <a:endParaRPr lang="de-DE" u="sng" dirty="0" smtClean="0"/>
+          </a:p>
+          <a:p>
+            <a:r>
+              <a:rPr lang="en-IN" dirty="0" err="1"/>
+              <a:t>Mátrai</a:t>
+            </a:r>
+            <a:r>
+              <a:rPr lang="en-IN" dirty="0"/>
+              <a:t>, T., </a:t>
+            </a:r>
+            <a:r>
+              <a:rPr lang="en-IN" dirty="0" err="1"/>
+              <a:t>Ábel</a:t>
+            </a:r>
+            <a:r>
+              <a:rPr lang="en-IN" dirty="0"/>
+              <a:t>, M., &amp; </a:t>
+            </a:r>
+            <a:r>
+              <a:rPr lang="en-IN" dirty="0" err="1"/>
+              <a:t>Kerényi</a:t>
+            </a:r>
+            <a:r>
+              <a:rPr lang="en-IN" dirty="0"/>
+              <a:t>, L. S. (2015, June). How can a transport model be integrated to the strategic transport planning approach: A case study from Budapest. In </a:t>
+            </a:r>
+            <a:r>
+              <a:rPr lang="en-IN" i="1" dirty="0"/>
+              <a:t>2015 International Conference on Models and Technologies for Intelligent Transportation Systems (MT-ITS)</a:t>
+            </a:r>
+            <a:r>
+              <a:rPr lang="en-IN" dirty="0"/>
+              <a:t> (pp. 192-199). IEEE.</a:t>
+            </a:r>
+            <a:endParaRPr lang="en-US" b="1" dirty="0" smtClean="0"/>
+          </a:p>
+          <a:p>
+            <a:r>
+              <a:rPr lang="en-US" dirty="0" smtClean="0"/>
+              <a:t>Wessel</a:t>
             </a:r>
             <a:r>
               <a:rPr lang="en-US" dirty="0"/>
-              <a:t>which information is needed to perform the </a:t>
+              <a:t>, N., &amp; Farber, S. (2019). On the accuracy of schedule-based GTFS for measuring accessibility. </a:t>
+            </a:r>
+            <a:r>
+              <a:rPr lang="en-US" i="1" dirty="0"/>
+              <a:t>Journal of Transport and Land Use</a:t>
+            </a:r>
+            <a:r>
+              <a:rPr lang="en-US" dirty="0"/>
+              <a:t>, </a:t>
+            </a:r>
+            <a:r>
+              <a:rPr lang="en-US" i="1" dirty="0"/>
+              <a:t>12</a:t>
+            </a:r>
+            <a:r>
+              <a:rPr lang="en-US" dirty="0"/>
+              <a:t>(1), 475-500</a:t>
             </a:r>
             <a:r>
               <a:rPr lang="en-US" dirty="0" smtClean="0"/>
-              <a:t>work, which </a:t>
+              <a:t>.</a:t>
+            </a:r>
+            <a:endParaRPr lang="en-US" dirty="0"/>
+          </a:p>
+          <a:p>
+            <a:r>
+              <a:rPr lang="en-US" dirty="0" err="1" smtClean="0"/>
+              <a:t>Kurant</a:t>
             </a:r>
             <a:r>
               <a:rPr lang="en-US" dirty="0"/>
-              <a:t>information is produced, </a:t>
+              <a:t>, M., </a:t>
+            </a:r>
+            <a:r>
+              <a:rPr lang="en-US" dirty="0" err="1"/>
+              <a:t>Markopoulou</a:t>
+            </a:r>
+            <a:r>
+              <a:rPr lang="en-US" dirty="0"/>
+              <a:t>, A., &amp; </a:t>
+            </a:r>
+            <a:r>
+              <a:rPr lang="en-US" dirty="0" err="1"/>
+              <a:t>Thiran</a:t>
+            </a:r>
+            <a:r>
+              <a:rPr lang="en-US" dirty="0"/>
+              <a:t>, P. (2010, September). On the bias of </a:t>
+            </a:r>
+            <a:r>
+              <a:rPr lang="en-US" dirty="0" err="1"/>
+              <a:t>bfs</a:t>
+            </a:r>
+            <a:r>
+              <a:rPr lang="en-US" dirty="0"/>
+              <a:t> (breadth first search). In </a:t>
+            </a:r>
+            <a:r>
+              <a:rPr lang="en-US" i="1" dirty="0"/>
+              <a:t>2010 22nd International </a:t>
+            </a:r>
+            <a:r>
+              <a:rPr lang="en-US" i="1" dirty="0" err="1"/>
+              <a:t>Teletraffic</a:t>
+            </a:r>
+            <a:r>
+              <a:rPr lang="en-US" i="1" dirty="0"/>
+              <a:t> Congress (</a:t>
+            </a:r>
+            <a:r>
+              <a:rPr lang="en-US" i="1" dirty="0" err="1"/>
+              <a:t>lTC</a:t>
+            </a:r>
+            <a:r>
+              <a:rPr lang="en-US" i="1" dirty="0"/>
+              <a:t> 22)</a:t>
+            </a:r>
+            <a:r>
+              <a:rPr lang="en-US" dirty="0"/>
+              <a:t> (pp. 1-8). IEEE</a:t>
             </a:r>
             <a:r>
               <a:rPr lang="en-US" dirty="0" smtClean="0"/>
-              <a:t>etcetera.</a:t>
-            </a:r>
-            <a:endParaRPr lang="en-US" dirty="0"/>
-          </a:p>
-          <a:p>
-            <a:r>
-              <a:rPr lang="en-US" dirty="0" smtClean="0"/>
-              <a:t> </a:t>
-            </a:r>
-            <a:r>
-              <a:rPr lang="en-US" b="1" dirty="0"/>
-              <a:t>Roles (R), </a:t>
-            </a:r>
-            <a:r>
-              <a:rPr lang="en-US" dirty="0"/>
-              <a:t>who are involved in the work, what is their </a:t>
-            </a:r>
-            <a:r>
-              <a:rPr lang="en-US" dirty="0" smtClean="0"/>
-              <a:t>responsibilities, which </a:t>
-            </a:r>
-            <a:r>
-              <a:rPr lang="en-US" dirty="0"/>
-              <a:t>tasks do they perform, which information do they use, </a:t>
-            </a:r>
-            <a:r>
-              <a:rPr lang="en-US" dirty="0" smtClean="0"/>
-              <a:t>which views </a:t>
-            </a:r>
-            <a:r>
-              <a:rPr lang="en-US" dirty="0"/>
-              <a:t>should their workplace consist of, etcetera.</a:t>
-            </a:r>
-          </a:p>
-          <a:p>
-            <a:r>
-              <a:rPr lang="en-US" b="1" dirty="0" smtClean="0"/>
-              <a:t>Tasks </a:t>
-            </a:r>
-            <a:r>
-              <a:rPr lang="en-US" b="1" dirty="0"/>
-              <a:t>(T), </a:t>
-            </a:r>
-            <a:r>
-              <a:rPr lang="en-US" dirty="0"/>
-              <a:t>which tasks are performed, which services are used </a:t>
-            </a:r>
-            <a:r>
-              <a:rPr lang="en-US" dirty="0" smtClean="0"/>
-              <a:t>to </a:t>
-            </a:r>
-            <a:r>
-              <a:rPr lang="en-IN" dirty="0" smtClean="0"/>
-              <a:t>achieve </a:t>
-            </a:r>
-            <a:r>
-              <a:rPr lang="en-IN" dirty="0"/>
-              <a:t>the results</a:t>
-            </a:r>
-            <a:r>
-              <a:rPr lang="en-IN" dirty="0" smtClean="0"/>
               <a:t>.</a:t>
             </a:r>
           </a:p>
           <a:p>
             <a:r>
-              <a:rPr lang="en-US" b="1" dirty="0"/>
-              <a:t>Views (V), </a:t>
-            </a:r>
-            <a:r>
-              <a:rPr lang="en-US" dirty="0"/>
-              <a:t>which views should be available in the workplaces, </a:t>
-            </a:r>
-            <a:r>
-              <a:rPr lang="en-US" dirty="0" smtClean="0"/>
-              <a:t>which information </a:t>
-            </a:r>
-            <a:r>
-              <a:rPr lang="en-US" dirty="0"/>
-              <a:t>and services should they give access to, what should it </a:t>
-            </a:r>
-            <a:r>
-              <a:rPr lang="en-US" dirty="0" smtClean="0"/>
-              <a:t>look </a:t>
-            </a:r>
-            <a:r>
-              <a:rPr lang="en-IN" dirty="0" smtClean="0"/>
-              <a:t>like</a:t>
-            </a:r>
-            <a:r>
-              <a:rPr lang="en-IN" dirty="0"/>
-              <a:t>, </a:t>
-            </a:r>
-            <a:r>
-              <a:rPr lang="en-US" dirty="0"/>
-              <a:t>etcetera</a:t>
-            </a:r>
-            <a:r>
-              <a:rPr lang="en-IN" dirty="0" smtClean="0"/>
-              <a:t>.</a:t>
+              <a:rPr lang="fr-FR" dirty="0"/>
+              <a:t>ELTE Network Science course </a:t>
+            </a:r>
+            <a:r>
+              <a:rPr lang="fr-FR" dirty="0" smtClean="0"/>
+              <a:t>lectures and practices.</a:t>
             </a:r>
             <a:endParaRPr lang="en-IN" sz="2200" dirty="0"/>
-          </a:p>
-        </p:txBody>
-      </p:sp>
-      <p:sp>
-        <p:nvSpPr>
-          <p:cNvPr id="6" name="Title 4">
-            <a:extLst>
-              <a:ext uri="{FF2B5EF4-FFF2-40B4-BE49-F238E27FC236}">
-                <a16:creationId xmlns:a16="http://schemas.microsoft.com/office/drawing/2014/main" id="{95385A3C-2778-4B23-9530-DFD5A61DA5B0}"/>
-              </a:ext>
-            </a:extLst>
-          </p:cNvPr>
-          <p:cNvSpPr txBox="1">
-            <a:spLocks/>
-          </p:cNvSpPr>
-          <p:nvPr/>
-        </p:nvSpPr>
-        <p:spPr>
-          <a:xfrm>
-            <a:off x="432000" y="432000"/>
-            <a:ext cx="11340000" cy="432000"/>
-          </a:xfrm>
-          <a:prstGeom prst="rect">
-            <a:avLst/>
-          </a:prstGeom>
-        </p:spPr>
-        <p:txBody>
-          <a:bodyPr/>
-          <a:lstStyle>
-            <a:lvl1pPr algn="l" defTabSz="914400" rtl="0" eaLnBrk="1" latinLnBrk="0" hangingPunct="1">
-              <a:lnSpc>
-                <a:spcPct val="90000"/>
-              </a:lnSpc>
-              <a:spcBef>
-                <a:spcPct val="0"/>
-              </a:spcBef>
-              <a:buNone/>
-              <a:defRPr sz="3200" kern="1200" spc="-150">
-                <a:solidFill>
-                  <a:schemeClr val="tx1">
-                    <a:lumMod val="75000"/>
-                    <a:lumOff val="25000"/>
-                  </a:schemeClr>
-                </a:solidFill>
-                <a:latin typeface="+mj-lt"/>
-                <a:ea typeface="+mj-ea"/>
-                <a:cs typeface="+mj-cs"/>
-              </a:defRPr>
-            </a:lvl1pPr>
-          </a:lstStyle>
-          <a:p>
-            <a:r>
-              <a:rPr lang="en-US" dirty="0" smtClean="0"/>
-              <a:t>1. Personal Workspace</a:t>
-            </a:r>
-            <a:endParaRPr lang="en-US" dirty="0"/>
           </a:p>
         </p:txBody>
       </p:sp>
     </p:spTree>
     <p:extLst>
       <p:ext uri="{BB962C8B-B14F-4D97-AF65-F5344CB8AC3E}">
-        <p14:creationId xmlns:p14="http://schemas.microsoft.com/office/powerpoint/2010/main" val="3637221769"/>
+        <p14:creationId xmlns:p14="http://schemas.microsoft.com/office/powerpoint/2010/main" val="2240820670"/>
       </p:ext>
     </p:extLst>
   </p:cSld>
@@ -20503,7 +20305,7 @@
 </p:sld>
 </file>
 
-<file path=ppt/slides/slide6.xml><?xml version="1.0" encoding="utf-8"?>
+<file path=ppt/slides/slide16.xml><?xml version="1.0" encoding="utf-8"?>
 <p:sld xmlns:a="http://schemas.openxmlformats.org/drawingml/2006/main" xmlns:r="http://schemas.openxmlformats.org/officeDocument/2006/relationships" xmlns:p="http://schemas.openxmlformats.org/presentationml/2006/main">
   <p:cSld>
     <p:spTree>
@@ -20522,6 +20324,969 @@
       </p:grpSpPr>
       <p:sp>
         <p:nvSpPr>
+          <p:cNvPr id="5" name="TextBox 4">
+            <a:extLst>
+              <a:ext uri="{FF2B5EF4-FFF2-40B4-BE49-F238E27FC236}">
+                <a16:creationId xmlns:a16="http://schemas.microsoft.com/office/drawing/2014/main" id="{75C12D97-9EB3-9E46-86D3-3A2CA06C20D2}"/>
+              </a:ext>
+            </a:extLst>
+          </p:cNvPr>
+          <p:cNvSpPr txBox="1"/>
+          <p:nvPr/>
+        </p:nvSpPr>
+        <p:spPr bwMode="gray">
+          <a:xfrm>
+            <a:off x="2647819" y="2269935"/>
+            <a:ext cx="7586644" cy="1532727"/>
+          </a:xfrm>
+          <a:prstGeom prst="rect">
+            <a:avLst/>
+          </a:prstGeom>
+          <a:noFill/>
+        </p:spPr>
+        <p:txBody>
+          <a:bodyPr wrap="square" rtlCol="0">
+            <a:spAutoFit/>
+          </a:bodyPr>
+          <a:lstStyle/>
+          <a:p>
+            <a:pPr>
+              <a:lnSpc>
+                <a:spcPct val="90000"/>
+              </a:lnSpc>
+            </a:pPr>
+            <a:r>
+              <a:rPr lang="en-US" sz="10400" b="1" dirty="0" smtClean="0">
+                <a:gradFill>
+                  <a:gsLst>
+                    <a:gs pos="0">
+                      <a:schemeClr val="accent1"/>
+                    </a:gs>
+                    <a:gs pos="51300">
+                      <a:schemeClr val="accent2"/>
+                    </a:gs>
+                    <a:gs pos="100000">
+                      <a:schemeClr val="accent3"/>
+                    </a:gs>
+                  </a:gsLst>
+                  <a:lin ang="0" scaled="0"/>
+                </a:gradFill>
+              </a:rPr>
+              <a:t>Thank </a:t>
+            </a:r>
+            <a:r>
+              <a:rPr lang="en-US" sz="10400" b="1" dirty="0" smtClean="0">
+                <a:gradFill>
+                  <a:gsLst>
+                    <a:gs pos="0">
+                      <a:schemeClr val="accent1"/>
+                    </a:gs>
+                    <a:gs pos="51300">
+                      <a:schemeClr val="accent2"/>
+                    </a:gs>
+                    <a:gs pos="100000">
+                      <a:schemeClr val="accent3"/>
+                    </a:gs>
+                  </a:gsLst>
+                  <a:lin ang="0" scaled="0"/>
+                </a:gradFill>
+              </a:rPr>
+              <a:t>You </a:t>
+            </a:r>
+            <a:endParaRPr lang="en-US" sz="10400" b="1" dirty="0">
+              <a:gradFill>
+                <a:gsLst>
+                  <a:gs pos="0">
+                    <a:schemeClr val="accent1"/>
+                  </a:gs>
+                  <a:gs pos="51300">
+                    <a:schemeClr val="accent2"/>
+                  </a:gs>
+                  <a:gs pos="100000">
+                    <a:schemeClr val="accent3"/>
+                  </a:gs>
+                </a:gsLst>
+                <a:lin ang="0" scaled="0"/>
+              </a:gradFill>
+            </a:endParaRPr>
+          </a:p>
+        </p:txBody>
+      </p:sp>
+      <p:cxnSp>
+        <p:nvCxnSpPr>
+          <p:cNvPr id="6" name="Straight Connector 5">
+            <a:extLst>
+              <a:ext uri="{FF2B5EF4-FFF2-40B4-BE49-F238E27FC236}">
+                <a16:creationId xmlns:a16="http://schemas.microsoft.com/office/drawing/2014/main" id="{F3753AF9-461F-4049-BB9D-621E76A51470}"/>
+              </a:ext>
+              <a:ext uri="{C183D7F6-B498-43B3-948B-1728B52AA6E4}">
+                <adec:decorative xmlns:adec="http://schemas.microsoft.com/office/drawing/2017/decorative" xmlns="" val="1"/>
+              </a:ext>
+            </a:extLst>
+          </p:cNvPr>
+          <p:cNvCxnSpPr>
+            <a:cxnSpLocks/>
+          </p:cNvCxnSpPr>
+          <p:nvPr/>
+        </p:nvCxnSpPr>
+        <p:spPr>
+          <a:xfrm flipV="1">
+            <a:off x="3012141" y="3953436"/>
+            <a:ext cx="6642846" cy="13446"/>
+          </a:xfrm>
+          <a:prstGeom prst="line">
+            <a:avLst/>
+          </a:prstGeom>
+          <a:ln>
+            <a:gradFill>
+              <a:gsLst>
+                <a:gs pos="0">
+                  <a:schemeClr val="accent1"/>
+                </a:gs>
+                <a:gs pos="51300">
+                  <a:schemeClr val="accent2"/>
+                </a:gs>
+                <a:gs pos="100000">
+                  <a:schemeClr val="accent3"/>
+                </a:gs>
+              </a:gsLst>
+              <a:lin ang="0" scaled="0"/>
+            </a:gradFill>
+          </a:ln>
+        </p:spPr>
+        <p:style>
+          <a:lnRef idx="1">
+            <a:schemeClr val="accent1"/>
+          </a:lnRef>
+          <a:fillRef idx="0">
+            <a:schemeClr val="accent1"/>
+          </a:fillRef>
+          <a:effectRef idx="0">
+            <a:schemeClr val="accent1"/>
+          </a:effectRef>
+          <a:fontRef idx="minor">
+            <a:schemeClr val="tx1"/>
+          </a:fontRef>
+        </p:style>
+      </p:cxnSp>
+    </p:spTree>
+    <p:extLst>
+      <p:ext uri="{BB962C8B-B14F-4D97-AF65-F5344CB8AC3E}">
+        <p14:creationId xmlns:p14="http://schemas.microsoft.com/office/powerpoint/2010/main" val="59582380"/>
+      </p:ext>
+    </p:extLst>
+  </p:cSld>
+  <p:clrMapOvr>
+    <a:masterClrMapping/>
+  </p:clrMapOvr>
+  <p:timing>
+    <p:tnLst>
+      <p:par>
+        <p:cTn id="1" dur="indefinite" restart="never" nodeType="tmRoot"/>
+      </p:par>
+    </p:tnLst>
+  </p:timing>
+</p:sld>
+</file>
+
+<file path=ppt/slides/slide2.xml><?xml version="1.0" encoding="utf-8"?>
+<p:sld xmlns:a="http://schemas.openxmlformats.org/drawingml/2006/main" xmlns:r="http://schemas.openxmlformats.org/officeDocument/2006/relationships" xmlns:p="http://schemas.openxmlformats.org/presentationml/2006/main">
+  <p:cSld>
+    <p:spTree>
+      <p:nvGrpSpPr>
+        <p:cNvPr id="1" name=""/>
+        <p:cNvGrpSpPr/>
+        <p:nvPr/>
+      </p:nvGrpSpPr>
+      <p:grpSpPr>
+        <a:xfrm>
+          <a:off x="0" y="0"/>
+          <a:ext cx="0" cy="0"/>
+          <a:chOff x="0" y="0"/>
+          <a:chExt cx="0" cy="0"/>
+        </a:xfrm>
+      </p:grpSpPr>
+      <p:sp>
+        <p:nvSpPr>
+          <p:cNvPr id="2" name="Title 1">
+            <a:extLst>
+              <a:ext uri="{FF2B5EF4-FFF2-40B4-BE49-F238E27FC236}">
+                <a16:creationId xmlns:a16="http://schemas.microsoft.com/office/drawing/2014/main" id="{C9A428ED-E8E6-4EBE-8C7C-8E6E2E5012C8}"/>
+              </a:ext>
+            </a:extLst>
+          </p:cNvPr>
+          <p:cNvSpPr>
+            <a:spLocks noGrp="1"/>
+          </p:cNvSpPr>
+          <p:nvPr>
+            <p:ph type="title"/>
+          </p:nvPr>
+        </p:nvSpPr>
+        <p:spPr>
+          <a:xfrm>
+            <a:off x="432000" y="458126"/>
+            <a:ext cx="2350389" cy="432000"/>
+          </a:xfrm>
+        </p:spPr>
+        <p:txBody>
+          <a:bodyPr/>
+          <a:lstStyle/>
+          <a:p>
+            <a:r>
+              <a:rPr lang="en-IN" b="1" dirty="0"/>
+              <a:t>The </a:t>
+            </a:r>
+            <a:r>
+              <a:rPr lang="en-IN" b="1" dirty="0" smtClean="0"/>
+              <a:t>Data </a:t>
+            </a:r>
+            <a:endParaRPr lang="en-IN" b="1" dirty="0"/>
+          </a:p>
+        </p:txBody>
+      </p:sp>
+      <p:sp>
+        <p:nvSpPr>
+          <p:cNvPr id="3" name="Slide Number Placeholder 2">
+            <a:extLst>
+              <a:ext uri="{FF2B5EF4-FFF2-40B4-BE49-F238E27FC236}">
+                <a16:creationId xmlns:a16="http://schemas.microsoft.com/office/drawing/2014/main" id="{B79F4F6B-299B-431B-AD93-01AF893D8C92}"/>
+              </a:ext>
+            </a:extLst>
+          </p:cNvPr>
+          <p:cNvSpPr>
+            <a:spLocks noGrp="1"/>
+          </p:cNvSpPr>
+          <p:nvPr>
+            <p:ph type="sldNum" sz="quarter" idx="11"/>
+          </p:nvPr>
+        </p:nvSpPr>
+        <p:spPr/>
+        <p:txBody>
+          <a:bodyPr/>
+          <a:lstStyle/>
+          <a:p>
+            <a:fld id="{4B73C415-D670-4716-A5EC-CC4D52CA2BAC}" type="slidenum">
+              <a:rPr lang="en-US" smtClean="0"/>
+              <a:pPr/>
+              <a:t>2</a:t>
+            </a:fld>
+            <a:endParaRPr lang="en-US" dirty="0"/>
+          </a:p>
+        </p:txBody>
+      </p:sp>
+      <p:sp>
+        <p:nvSpPr>
+          <p:cNvPr id="40" name="Text Placeholder 4">
+            <a:extLst>
+              <a:ext uri="{FF2B5EF4-FFF2-40B4-BE49-F238E27FC236}">
+                <a16:creationId xmlns:a16="http://schemas.microsoft.com/office/drawing/2014/main" id="{B3873866-C6DF-4447-8D2F-8A88CF14E6CB}"/>
+              </a:ext>
+            </a:extLst>
+          </p:cNvPr>
+          <p:cNvSpPr>
+            <a:spLocks noGrp="1"/>
+          </p:cNvSpPr>
+          <p:nvPr>
+            <p:ph type="body" sz="quarter" idx="4294967295"/>
+          </p:nvPr>
+        </p:nvSpPr>
+        <p:spPr>
+          <a:xfrm>
+            <a:off x="9387342" y="5719424"/>
+            <a:ext cx="2498366" cy="511560"/>
+          </a:xfrm>
+          <a:prstGeom prst="rect">
+            <a:avLst/>
+          </a:prstGeom>
+        </p:spPr>
+        <p:txBody>
+          <a:bodyPr/>
+          <a:lstStyle/>
+          <a:p>
+            <a:pPr marL="0" indent="0">
+              <a:buNone/>
+            </a:pPr>
+            <a:r>
+              <a:rPr lang="en-US" sz="1600" dirty="0"/>
+              <a:t>The data was downloaded </a:t>
+            </a:r>
+            <a:r>
+              <a:rPr lang="en-US" sz="1600" dirty="0" smtClean="0"/>
+              <a:t>from </a:t>
+            </a:r>
+            <a:r>
+              <a:rPr lang="en-US" sz="1600" dirty="0"/>
+              <a:t>the </a:t>
+            </a:r>
+            <a:r>
+              <a:rPr lang="en-US" sz="1600" dirty="0">
+                <a:hlinkClick r:id="rId3"/>
+              </a:rPr>
+              <a:t>BKK </a:t>
+            </a:r>
+            <a:r>
+              <a:rPr lang="en-US" sz="1600" dirty="0" smtClean="0">
+                <a:hlinkClick r:id="rId3"/>
+              </a:rPr>
+              <a:t>Website</a:t>
+            </a:r>
+            <a:endParaRPr lang="en-IN" sz="1600" dirty="0"/>
+          </a:p>
+        </p:txBody>
+      </p:sp>
+      <p:sp>
+        <p:nvSpPr>
+          <p:cNvPr id="41" name="Text Placeholder 4">
+            <a:extLst>
+              <a:ext uri="{FF2B5EF4-FFF2-40B4-BE49-F238E27FC236}">
+                <a16:creationId xmlns:a16="http://schemas.microsoft.com/office/drawing/2014/main" id="{B3873866-C6DF-4447-8D2F-8A88CF14E6CB}"/>
+              </a:ext>
+            </a:extLst>
+          </p:cNvPr>
+          <p:cNvSpPr>
+            <a:spLocks noGrp="1"/>
+          </p:cNvSpPr>
+          <p:nvPr>
+            <p:ph type="body" sz="quarter" idx="4294967295"/>
+          </p:nvPr>
+        </p:nvSpPr>
+        <p:spPr>
+          <a:xfrm>
+            <a:off x="9387342" y="1619288"/>
+            <a:ext cx="2690949" cy="3965757"/>
+          </a:xfrm>
+          <a:prstGeom prst="rect">
+            <a:avLst/>
+          </a:prstGeom>
+        </p:spPr>
+        <p:txBody>
+          <a:bodyPr/>
+          <a:lstStyle/>
+          <a:p>
+            <a:pPr>
+              <a:lnSpc>
+                <a:spcPct val="110000"/>
+              </a:lnSpc>
+            </a:pPr>
+            <a:r>
+              <a:rPr lang="hu-HU" sz="1600" dirty="0"/>
+              <a:t>agency.txt</a:t>
+            </a:r>
+          </a:p>
+          <a:p>
+            <a:pPr>
+              <a:lnSpc>
+                <a:spcPct val="110000"/>
+              </a:lnSpc>
+            </a:pPr>
+            <a:r>
+              <a:rPr lang="hu-HU" sz="1600" dirty="0"/>
+              <a:t>calendar_dates.txt</a:t>
+            </a:r>
+          </a:p>
+          <a:p>
+            <a:pPr>
+              <a:lnSpc>
+                <a:spcPct val="110000"/>
+              </a:lnSpc>
+            </a:pPr>
+            <a:r>
+              <a:rPr lang="hu-HU" sz="1600" dirty="0"/>
+              <a:t>feed_info.txt</a:t>
+            </a:r>
+          </a:p>
+          <a:p>
+            <a:pPr>
+              <a:lnSpc>
+                <a:spcPct val="110000"/>
+              </a:lnSpc>
+            </a:pPr>
+            <a:r>
+              <a:rPr lang="hu-HU" sz="1600" dirty="0"/>
+              <a:t>pathways.txt</a:t>
+            </a:r>
+          </a:p>
+          <a:p>
+            <a:pPr>
+              <a:lnSpc>
+                <a:spcPct val="110000"/>
+              </a:lnSpc>
+            </a:pPr>
+            <a:r>
+              <a:rPr lang="hu-HU" sz="1600" dirty="0" smtClean="0">
+                <a:solidFill>
+                  <a:schemeClr val="tx1"/>
+                </a:solidFill>
+              </a:rPr>
+              <a:t>routes.txt</a:t>
+            </a:r>
+            <a:r>
+              <a:rPr lang="en-US" sz="1600" dirty="0" smtClean="0">
+                <a:solidFill>
+                  <a:srgbClr val="92D050"/>
+                </a:solidFill>
+              </a:rPr>
+              <a:t> </a:t>
+            </a:r>
+            <a:r>
+              <a:rPr lang="en-US" sz="1600" dirty="0" smtClean="0">
+                <a:solidFill>
+                  <a:srgbClr val="92D050"/>
+                </a:solidFill>
+                <a:sym typeface="Wingdings" panose="05000000000000000000" pitchFamily="2" charset="2"/>
+              </a:rPr>
+              <a:t></a:t>
+            </a:r>
+            <a:endParaRPr lang="hu-HU" sz="1600" dirty="0">
+              <a:solidFill>
+                <a:srgbClr val="92D050"/>
+              </a:solidFill>
+            </a:endParaRPr>
+          </a:p>
+          <a:p>
+            <a:pPr>
+              <a:lnSpc>
+                <a:spcPct val="110000"/>
+              </a:lnSpc>
+            </a:pPr>
+            <a:r>
+              <a:rPr lang="en-GB" sz="1600" dirty="0"/>
+              <a:t>shapes</a:t>
+            </a:r>
+            <a:r>
+              <a:rPr lang="hu-HU" sz="1600" dirty="0"/>
+              <a:t>.txt</a:t>
+            </a:r>
+          </a:p>
+          <a:p>
+            <a:pPr>
+              <a:lnSpc>
+                <a:spcPct val="110000"/>
+              </a:lnSpc>
+            </a:pPr>
+            <a:r>
+              <a:rPr lang="hu-HU" sz="1600" dirty="0" smtClean="0">
+                <a:solidFill>
+                  <a:schemeClr val="tx1"/>
+                </a:solidFill>
+              </a:rPr>
+              <a:t>stop_times.txt</a:t>
+            </a:r>
+            <a:r>
+              <a:rPr lang="en-US" sz="1600" dirty="0" smtClean="0">
+                <a:solidFill>
+                  <a:srgbClr val="92D050"/>
+                </a:solidFill>
+              </a:rPr>
+              <a:t> </a:t>
+            </a:r>
+            <a:r>
+              <a:rPr lang="en-US" sz="1600" dirty="0" smtClean="0">
+                <a:solidFill>
+                  <a:srgbClr val="92D050"/>
+                </a:solidFill>
+                <a:sym typeface="Wingdings" panose="05000000000000000000" pitchFamily="2" charset="2"/>
+              </a:rPr>
+              <a:t></a:t>
+            </a:r>
+            <a:endParaRPr lang="hu-HU" sz="1600" dirty="0">
+              <a:solidFill>
+                <a:srgbClr val="92D050"/>
+              </a:solidFill>
+            </a:endParaRPr>
+          </a:p>
+          <a:p>
+            <a:pPr>
+              <a:lnSpc>
+                <a:spcPct val="110000"/>
+              </a:lnSpc>
+            </a:pPr>
+            <a:r>
+              <a:rPr lang="hu-HU" sz="1600" dirty="0" smtClean="0">
+                <a:solidFill>
+                  <a:schemeClr val="tx1"/>
+                </a:solidFill>
+              </a:rPr>
+              <a:t>stops.txt</a:t>
+            </a:r>
+            <a:r>
+              <a:rPr lang="en-US" sz="1600" dirty="0" smtClean="0">
+                <a:solidFill>
+                  <a:schemeClr val="tx1"/>
+                </a:solidFill>
+              </a:rPr>
+              <a:t> </a:t>
+            </a:r>
+            <a:r>
+              <a:rPr lang="en-US" sz="1600" dirty="0" smtClean="0">
+                <a:solidFill>
+                  <a:srgbClr val="92D050"/>
+                </a:solidFill>
+                <a:sym typeface="Wingdings" panose="05000000000000000000" pitchFamily="2" charset="2"/>
+              </a:rPr>
+              <a:t></a:t>
+            </a:r>
+            <a:endParaRPr lang="hu-HU" sz="1600" dirty="0">
+              <a:solidFill>
+                <a:srgbClr val="92D050"/>
+              </a:solidFill>
+            </a:endParaRPr>
+          </a:p>
+          <a:p>
+            <a:pPr>
+              <a:lnSpc>
+                <a:spcPct val="110000"/>
+              </a:lnSpc>
+            </a:pPr>
+            <a:r>
+              <a:rPr lang="hu-HU" sz="1600" dirty="0" smtClean="0">
+                <a:solidFill>
+                  <a:schemeClr val="tx1"/>
+                </a:solidFill>
+              </a:rPr>
+              <a:t>trips.txt</a:t>
+            </a:r>
+            <a:r>
+              <a:rPr lang="en-US" sz="1600" dirty="0" smtClean="0">
+                <a:solidFill>
+                  <a:schemeClr val="tx1"/>
+                </a:solidFill>
+              </a:rPr>
+              <a:t> </a:t>
+            </a:r>
+            <a:r>
+              <a:rPr lang="en-US" sz="1600" dirty="0">
+                <a:solidFill>
+                  <a:srgbClr val="92D050"/>
+                </a:solidFill>
+                <a:sym typeface="Wingdings" panose="05000000000000000000" pitchFamily="2" charset="2"/>
+              </a:rPr>
+              <a:t></a:t>
+            </a:r>
+            <a:endParaRPr lang="hu-HU" sz="1600" dirty="0">
+              <a:solidFill>
+                <a:srgbClr val="92D050"/>
+              </a:solidFill>
+            </a:endParaRPr>
+          </a:p>
+          <a:p>
+            <a:pPr>
+              <a:lnSpc>
+                <a:spcPct val="110000"/>
+              </a:lnSpc>
+            </a:pPr>
+            <a:endParaRPr lang="hu-HU" dirty="0">
+              <a:solidFill>
+                <a:srgbClr val="92D050"/>
+              </a:solidFill>
+            </a:endParaRPr>
+          </a:p>
+        </p:txBody>
+      </p:sp>
+      <p:sp>
+        <p:nvSpPr>
+          <p:cNvPr id="7" name="Text Placeholder 4">
+            <a:extLst>
+              <a:ext uri="{FF2B5EF4-FFF2-40B4-BE49-F238E27FC236}">
+                <a16:creationId xmlns:a16="http://schemas.microsoft.com/office/drawing/2014/main" id="{B3873866-C6DF-4447-8D2F-8A88CF14E6CB}"/>
+              </a:ext>
+            </a:extLst>
+          </p:cNvPr>
+          <p:cNvSpPr>
+            <a:spLocks noGrp="1"/>
+          </p:cNvSpPr>
+          <p:nvPr>
+            <p:ph type="body" sz="quarter" idx="4294967295"/>
+          </p:nvPr>
+        </p:nvSpPr>
+        <p:spPr>
+          <a:xfrm>
+            <a:off x="432000" y="1298574"/>
+            <a:ext cx="8398490" cy="5096367"/>
+          </a:xfrm>
+          <a:prstGeom prst="rect">
+            <a:avLst/>
+          </a:prstGeom>
+        </p:spPr>
+        <p:txBody>
+          <a:bodyPr/>
+          <a:lstStyle/>
+          <a:p>
+            <a:r>
+              <a:rPr lang="en-US" dirty="0"/>
+              <a:t>a</a:t>
+            </a:r>
+            <a:r>
+              <a:rPr lang="en-US" dirty="0" smtClean="0"/>
+              <a:t>gency - </a:t>
+            </a:r>
+            <a:r>
+              <a:rPr lang="en-US" dirty="0"/>
+              <a:t>Basic information about service provider</a:t>
+            </a:r>
+            <a:r>
+              <a:rPr lang="en-US" dirty="0" smtClean="0"/>
+              <a:t>.</a:t>
+            </a:r>
+          </a:p>
+          <a:p>
+            <a:r>
+              <a:rPr lang="en-US" dirty="0" err="1" smtClean="0"/>
+              <a:t>calendar_dates</a:t>
+            </a:r>
+            <a:r>
+              <a:rPr lang="en-US" dirty="0"/>
+              <a:t> </a:t>
+            </a:r>
+            <a:r>
+              <a:rPr lang="en-US" dirty="0" smtClean="0"/>
+              <a:t> - </a:t>
+            </a:r>
+            <a:r>
+              <a:rPr lang="en-US" dirty="0"/>
+              <a:t>Service patterns that don't repeat such as for a one-time special </a:t>
+            </a:r>
+            <a:r>
+              <a:rPr lang="en-US" dirty="0" smtClean="0"/>
+              <a:t>event.</a:t>
+            </a:r>
+          </a:p>
+          <a:p>
+            <a:r>
+              <a:rPr lang="en-US" dirty="0" err="1" smtClean="0"/>
+              <a:t>feed_info</a:t>
+            </a:r>
+            <a:r>
+              <a:rPr lang="en-US" dirty="0" smtClean="0"/>
+              <a:t> - </a:t>
+            </a:r>
+            <a:r>
+              <a:rPr lang="en-US" dirty="0"/>
+              <a:t>Basic information about the  </a:t>
+            </a:r>
+            <a:r>
+              <a:rPr lang="en-US" dirty="0" smtClean="0"/>
+              <a:t>BKK service</a:t>
+            </a:r>
+            <a:r>
+              <a:rPr lang="en-US" dirty="0"/>
+              <a:t>.</a:t>
+            </a:r>
+          </a:p>
+          <a:p>
+            <a:r>
+              <a:rPr lang="en-US" dirty="0" smtClean="0"/>
+              <a:t>pathways </a:t>
+            </a:r>
+            <a:r>
+              <a:rPr lang="en-US" dirty="0"/>
+              <a:t>- Contains </a:t>
+            </a:r>
+            <a:r>
+              <a:rPr lang="en-US" dirty="0" smtClean="0"/>
+              <a:t>all paths connected via directional -bidirectional route</a:t>
+            </a:r>
+            <a:r>
+              <a:rPr lang="en-US" dirty="0"/>
+              <a:t>. </a:t>
+            </a:r>
+            <a:endParaRPr lang="en-US" dirty="0" smtClean="0"/>
+          </a:p>
+          <a:p>
+            <a:r>
+              <a:rPr lang="en-US" dirty="0" smtClean="0">
+                <a:solidFill>
+                  <a:schemeClr val="tx1"/>
+                </a:solidFill>
+              </a:rPr>
+              <a:t>routes - </a:t>
+            </a:r>
+            <a:r>
+              <a:rPr lang="en-US" dirty="0">
+                <a:solidFill>
+                  <a:schemeClr val="tx1"/>
+                </a:solidFill>
+              </a:rPr>
+              <a:t>Contains a list of all the routes with their </a:t>
+            </a:r>
+            <a:r>
+              <a:rPr lang="en-US" dirty="0" smtClean="0">
+                <a:solidFill>
+                  <a:schemeClr val="tx1"/>
+                </a:solidFill>
+              </a:rPr>
+              <a:t>names, short description </a:t>
+            </a:r>
+            <a:r>
+              <a:rPr lang="en-US" dirty="0">
+                <a:solidFill>
+                  <a:schemeClr val="tx1"/>
+                </a:solidFill>
+              </a:rPr>
+              <a:t>and color coding for the online map</a:t>
+            </a:r>
+            <a:r>
+              <a:rPr lang="en-US" dirty="0" smtClean="0">
+                <a:solidFill>
+                  <a:schemeClr val="tx1"/>
+                </a:solidFill>
+              </a:rPr>
+              <a:t>.</a:t>
+            </a:r>
+            <a:endParaRPr lang="en-US" dirty="0">
+              <a:solidFill>
+                <a:schemeClr val="tx1"/>
+              </a:solidFill>
+            </a:endParaRPr>
+          </a:p>
+          <a:p>
+            <a:r>
+              <a:rPr lang="en-US" dirty="0" smtClean="0"/>
+              <a:t>shapes </a:t>
+            </a:r>
+            <a:r>
+              <a:rPr lang="en-US" dirty="0"/>
+              <a:t>- Contains collections of GPS </a:t>
+            </a:r>
+            <a:r>
+              <a:rPr lang="en-US" dirty="0" smtClean="0"/>
+              <a:t>coordinates.</a:t>
+            </a:r>
+          </a:p>
+          <a:p>
+            <a:r>
+              <a:rPr lang="en-US" dirty="0" err="1" smtClean="0">
+                <a:solidFill>
+                  <a:schemeClr val="tx1"/>
+                </a:solidFill>
+              </a:rPr>
+              <a:t>stop_times</a:t>
+            </a:r>
+            <a:r>
+              <a:rPr lang="en-US" dirty="0" smtClean="0">
+                <a:solidFill>
+                  <a:schemeClr val="tx1"/>
+                </a:solidFill>
+              </a:rPr>
+              <a:t> – contains information about </a:t>
+            </a:r>
+            <a:r>
+              <a:rPr lang="en-US" dirty="0" err="1" smtClean="0">
+                <a:solidFill>
+                  <a:schemeClr val="tx1"/>
+                </a:solidFill>
+              </a:rPr>
+              <a:t>trip_id</a:t>
+            </a:r>
+            <a:r>
+              <a:rPr lang="en-US" dirty="0" smtClean="0">
+                <a:solidFill>
+                  <a:schemeClr val="tx1"/>
+                </a:solidFill>
+              </a:rPr>
+              <a:t>, </a:t>
+            </a:r>
+            <a:r>
+              <a:rPr lang="en-US" dirty="0" err="1" smtClean="0">
+                <a:solidFill>
+                  <a:schemeClr val="tx1"/>
+                </a:solidFill>
+              </a:rPr>
+              <a:t>stop_id</a:t>
+            </a:r>
+            <a:r>
+              <a:rPr lang="en-US" dirty="0" smtClean="0">
+                <a:solidFill>
+                  <a:schemeClr val="tx1"/>
+                </a:solidFill>
+              </a:rPr>
+              <a:t>, </a:t>
+            </a:r>
+            <a:r>
+              <a:rPr lang="en-US" dirty="0" err="1" smtClean="0">
+                <a:solidFill>
+                  <a:schemeClr val="tx1"/>
+                </a:solidFill>
+              </a:rPr>
+              <a:t>arrival_time</a:t>
+            </a:r>
+            <a:r>
+              <a:rPr lang="en-US" dirty="0" smtClean="0">
+                <a:solidFill>
+                  <a:schemeClr val="tx1"/>
+                </a:solidFill>
+              </a:rPr>
+              <a:t>, </a:t>
+            </a:r>
+            <a:r>
+              <a:rPr lang="en-US" dirty="0" err="1" smtClean="0">
+                <a:solidFill>
+                  <a:schemeClr val="tx1"/>
+                </a:solidFill>
+              </a:rPr>
+              <a:t>departure_time</a:t>
+            </a:r>
+            <a:r>
+              <a:rPr lang="en-US" dirty="0" smtClean="0">
+                <a:solidFill>
+                  <a:schemeClr val="tx1"/>
+                </a:solidFill>
+              </a:rPr>
+              <a:t> and other attributes.</a:t>
+            </a:r>
+          </a:p>
+          <a:p>
+            <a:r>
+              <a:rPr lang="en-US" dirty="0" smtClean="0">
+                <a:solidFill>
+                  <a:schemeClr val="tx1"/>
+                </a:solidFill>
+              </a:rPr>
+              <a:t>stops </a:t>
+            </a:r>
+            <a:r>
+              <a:rPr lang="en-US" dirty="0">
+                <a:solidFill>
+                  <a:schemeClr val="tx1"/>
+                </a:solidFill>
+              </a:rPr>
+              <a:t>- Contains a list of all the stops with their location(GPS </a:t>
+            </a:r>
+            <a:r>
+              <a:rPr lang="en-US" dirty="0" smtClean="0">
+                <a:solidFill>
+                  <a:schemeClr val="tx1"/>
+                </a:solidFill>
+              </a:rPr>
+              <a:t>coordinates) </a:t>
+            </a:r>
+            <a:r>
+              <a:rPr lang="en-US" dirty="0">
+                <a:solidFill>
+                  <a:schemeClr val="tx1"/>
+                </a:solidFill>
+              </a:rPr>
+              <a:t>and other attributes</a:t>
+            </a:r>
+            <a:r>
+              <a:rPr lang="en-US" dirty="0" smtClean="0">
+                <a:solidFill>
+                  <a:schemeClr val="tx1"/>
+                </a:solidFill>
+              </a:rPr>
+              <a:t>.</a:t>
+            </a:r>
+          </a:p>
+          <a:p>
+            <a:r>
+              <a:rPr lang="en-US" dirty="0" smtClean="0">
+                <a:solidFill>
+                  <a:schemeClr val="tx1"/>
+                </a:solidFill>
+              </a:rPr>
+              <a:t>trips </a:t>
+            </a:r>
+            <a:r>
+              <a:rPr lang="en-US" dirty="0">
+                <a:solidFill>
+                  <a:schemeClr val="tx1"/>
+                </a:solidFill>
+              </a:rPr>
+              <a:t>- Contains which shape corresponds to which route.</a:t>
+            </a:r>
+          </a:p>
+        </p:txBody>
+      </p:sp>
+      <p:sp>
+        <p:nvSpPr>
+          <p:cNvPr id="8" name="Text Placeholder 4">
+            <a:extLst>
+              <a:ext uri="{FF2B5EF4-FFF2-40B4-BE49-F238E27FC236}">
+                <a16:creationId xmlns:a16="http://schemas.microsoft.com/office/drawing/2014/main" id="{B3873866-C6DF-4447-8D2F-8A88CF14E6CB}"/>
+              </a:ext>
+            </a:extLst>
+          </p:cNvPr>
+          <p:cNvSpPr>
+            <a:spLocks noGrp="1"/>
+          </p:cNvSpPr>
+          <p:nvPr>
+            <p:ph type="body" sz="quarter" idx="4294967295"/>
+          </p:nvPr>
+        </p:nvSpPr>
+        <p:spPr>
+          <a:xfrm>
+            <a:off x="9387341" y="890126"/>
+            <a:ext cx="2690949" cy="559851"/>
+          </a:xfrm>
+          <a:prstGeom prst="rect">
+            <a:avLst/>
+          </a:prstGeom>
+        </p:spPr>
+        <p:txBody>
+          <a:bodyPr/>
+          <a:lstStyle/>
+          <a:p>
+            <a:pPr marL="0" indent="0">
+              <a:buNone/>
+            </a:pPr>
+            <a:r>
+              <a:rPr lang="en-IN" sz="1600" b="1" dirty="0"/>
+              <a:t>General Transit Feed Specification (</a:t>
+            </a:r>
+            <a:r>
+              <a:rPr lang="en-IN" sz="1600" b="1" dirty="0" err="1"/>
+              <a:t>gtfs</a:t>
+            </a:r>
+            <a:r>
+              <a:rPr lang="en-IN" sz="1600" b="1" dirty="0"/>
+              <a:t>)</a:t>
+            </a:r>
+            <a:br>
+              <a:rPr lang="en-IN" sz="1600" b="1" dirty="0"/>
+            </a:br>
+            <a:endParaRPr lang="en-IN" sz="1600" b="1" dirty="0"/>
+          </a:p>
+        </p:txBody>
+      </p:sp>
+    </p:spTree>
+    <p:extLst>
+      <p:ext uri="{BB962C8B-B14F-4D97-AF65-F5344CB8AC3E}">
+        <p14:creationId xmlns:p14="http://schemas.microsoft.com/office/powerpoint/2010/main" val="1348546832"/>
+      </p:ext>
+    </p:extLst>
+  </p:cSld>
+  <p:clrMapOvr>
+    <a:masterClrMapping/>
+  </p:clrMapOvr>
+  <p:timing>
+    <p:tnLst>
+      <p:par>
+        <p:cTn id="1" dur="indefinite" restart="never" nodeType="tmRoot"/>
+      </p:par>
+    </p:tnLst>
+  </p:timing>
+</p:sld>
+</file>
+
+<file path=ppt/slides/slide3.xml><?xml version="1.0" encoding="utf-8"?>
+<p:sld xmlns:a="http://schemas.openxmlformats.org/drawingml/2006/main" xmlns:r="http://schemas.openxmlformats.org/officeDocument/2006/relationships" xmlns:p="http://schemas.openxmlformats.org/presentationml/2006/main">
+  <p:cSld>
+    <p:spTree>
+      <p:nvGrpSpPr>
+        <p:cNvPr id="1" name=""/>
+        <p:cNvGrpSpPr/>
+        <p:nvPr/>
+      </p:nvGrpSpPr>
+      <p:grpSpPr>
+        <a:xfrm>
+          <a:off x="0" y="0"/>
+          <a:ext cx="0" cy="0"/>
+          <a:chOff x="0" y="0"/>
+          <a:chExt cx="0" cy="0"/>
+        </a:xfrm>
+      </p:grpSpPr>
+      <p:sp>
+        <p:nvSpPr>
           <p:cNvPr id="2" name="Slide Number Placeholder 1"/>
           <p:cNvSpPr>
             <a:spLocks noGrp="1"/>
@@ -20538,41 +21303,12 @@
             <a:fld id="{4B73C415-D670-4716-A5EC-CC4D52CA2BAC}" type="slidenum">
               <a:rPr lang="en-US" noProof="0" smtClean="0"/>
               <a:pPr/>
-              <a:t>6</a:t>
+              <a:t>3</a:t>
             </a:fld>
             <a:endParaRPr lang="en-US" noProof="0" dirty="0"/>
           </a:p>
         </p:txBody>
       </p:sp>
-      <p:pic>
-        <p:nvPicPr>
-          <p:cNvPr id="4" name="Picture Placeholder 3"/>
-          <p:cNvPicPr>
-            <a:picLocks noGrp="1" noChangeAspect="1"/>
-          </p:cNvPicPr>
-          <p:nvPr>
-            <p:ph type="pic" sz="quarter" idx="12"/>
-          </p:nvPr>
-        </p:nvPicPr>
-        <p:blipFill>
-          <a:blip r:embed="rId2">
-            <a:extLst>
-              <a:ext uri="{28A0092B-C50C-407E-A947-70E740481C1C}">
-                <a14:useLocalDpi xmlns:a14="http://schemas.microsoft.com/office/drawing/2010/main" val="0"/>
-              </a:ext>
-            </a:extLst>
-          </a:blip>
-          <a:stretch>
-            <a:fillRect/>
-          </a:stretch>
-        </p:blipFill>
-        <p:spPr>
-          <a:xfrm>
-            <a:off x="6701245" y="1817738"/>
-            <a:ext cx="4858458" cy="3175874"/>
-          </a:xfrm>
-        </p:spPr>
-      </p:pic>
       <p:sp>
         <p:nvSpPr>
           <p:cNvPr id="5" name="Text Placeholder 4">
@@ -20589,8 +21325,8 @@
         </p:nvSpPr>
         <p:spPr>
           <a:xfrm>
-            <a:off x="682561" y="2133047"/>
-            <a:ext cx="5419439" cy="2545256"/>
+            <a:off x="682561" y="1319350"/>
+            <a:ext cx="9454216" cy="4454433"/>
           </a:xfrm>
           <a:prstGeom prst="rect">
             <a:avLst/>
@@ -20784,76 +21520,59 @@
           </a:lstStyle>
           <a:p>
             <a:r>
+              <a:rPr lang="en-US" dirty="0" smtClean="0"/>
+              <a:t>The main problem : lots of attributes containing null data.</a:t>
+            </a:r>
+          </a:p>
+          <a:p>
+            <a:r>
+              <a:rPr lang="en-US" dirty="0" smtClean="0"/>
+              <a:t>Removing the unnecessary columns.</a:t>
+            </a:r>
+          </a:p>
+          <a:p>
+            <a:r>
+              <a:rPr lang="en-US" b="1" dirty="0" smtClean="0"/>
+              <a:t>Initiatives </a:t>
+            </a:r>
+            <a:r>
               <a:rPr lang="en-US" b="1" dirty="0"/>
-              <a:t>Product (P)</a:t>
+              <a:t>(I) </a:t>
             </a:r>
             <a:r>
               <a:rPr lang="en-US" dirty="0"/>
-              <a:t>, the result and content of the </a:t>
+              <a:t>to apply resources and infrastructure to create new </a:t>
             </a:r>
             <a:r>
               <a:rPr lang="en-US" dirty="0" smtClean="0"/>
-              <a:t>work. </a:t>
-            </a:r>
+              <a:t>values.</a:t>
+            </a:r>
+            <a:endParaRPr lang="en-US" dirty="0"/>
           </a:p>
           <a:p>
             <a:r>
               <a:rPr lang="en-US" b="1" dirty="0" smtClean="0"/>
-              <a:t>Organization </a:t>
+              <a:t>Infrastructure </a:t>
             </a:r>
             <a:r>
               <a:rPr lang="en-US" b="1" dirty="0"/>
-              <a:t>(O), </a:t>
+              <a:t>(I) </a:t>
             </a:r>
             <a:r>
               <a:rPr lang="en-US" dirty="0"/>
-              <a:t>the personnel resources and skills required, </a:t>
+              <a:t>is the overall set of tools and mechanisms </a:t>
             </a:r>
             <a:r>
               <a:rPr lang="en-US" dirty="0" smtClean="0"/>
-              <a:t>available </a:t>
-            </a:r>
-            <a:r>
-              <a:rPr lang="en-IN" dirty="0" smtClean="0"/>
-              <a:t>or applied.</a:t>
-            </a:r>
-            <a:endParaRPr lang="en-IN" dirty="0"/>
-          </a:p>
-          <a:p>
-            <a:r>
-              <a:rPr lang="en-US" b="1" dirty="0" smtClean="0"/>
-              <a:t>Process </a:t>
-            </a:r>
-            <a:r>
-              <a:rPr lang="en-US" b="1" dirty="0"/>
-              <a:t>(P)</a:t>
+              <a:t>for communication</a:t>
             </a:r>
             <a:r>
               <a:rPr lang="en-US" dirty="0"/>
-              <a:t>, the structure of work </a:t>
+              <a:t>, logistics, and value creation in </a:t>
             </a:r>
             <a:r>
               <a:rPr lang="en-US" dirty="0" smtClean="0"/>
-              <a:t>tasks.</a:t>
-            </a:r>
-            <a:endParaRPr lang="en-US" dirty="0"/>
-          </a:p>
-          <a:p>
-            <a:r>
-              <a:rPr lang="en-US" b="1" dirty="0" smtClean="0"/>
-              <a:t>System </a:t>
-            </a:r>
-            <a:r>
-              <a:rPr lang="en-US" b="1" dirty="0"/>
-              <a:t>(S)</a:t>
-            </a:r>
-            <a:r>
-              <a:rPr lang="en-US" dirty="0"/>
-              <a:t>, the underlying support tools and equipment </a:t>
-            </a:r>
-            <a:r>
-              <a:rPr lang="en-US" dirty="0" smtClean="0"/>
-              <a:t>used.</a:t>
+              <a:t>general.</a:t>
             </a:r>
             <a:endParaRPr lang="en-IN" sz="2200" dirty="0"/>
           </a:p>
@@ -20908,20 +21627,8 @@
           </a:lstStyle>
           <a:p>
             <a:r>
-              <a:rPr lang="en-US" dirty="0"/>
-              <a:t>2</a:t>
-            </a:r>
-            <a:r>
               <a:rPr lang="en-US" dirty="0" smtClean="0"/>
-              <a:t>. Innovation </a:t>
-            </a:r>
-            <a:r>
-              <a:rPr lang="en-US" dirty="0"/>
-              <a:t>S</a:t>
-            </a:r>
-            <a:r>
-              <a:rPr lang="en-US" dirty="0" smtClean="0"/>
-              <a:t>pace</a:t>
+              <a:t>Data Preprocessing</a:t>
             </a:r>
             <a:endParaRPr lang="en-US" dirty="0"/>
           </a:p>
@@ -20930,7 +21637,7 @@
     </p:spTree>
     <p:extLst>
       <p:ext uri="{BB962C8B-B14F-4D97-AF65-F5344CB8AC3E}">
-        <p14:creationId xmlns:p14="http://schemas.microsoft.com/office/powerpoint/2010/main" val="3868250533"/>
+        <p14:creationId xmlns:p14="http://schemas.microsoft.com/office/powerpoint/2010/main" val="2108973637"/>
       </p:ext>
     </p:extLst>
   </p:cSld>
@@ -20947,7 +21654,7 @@
 </p:sld>
 </file>
 
-<file path=ppt/slides/slide7.xml><?xml version="1.0" encoding="utf-8"?>
+<file path=ppt/slides/slide4.xml><?xml version="1.0" encoding="utf-8"?>
 <p:sld xmlns:a="http://schemas.openxmlformats.org/drawingml/2006/main" xmlns:r="http://schemas.openxmlformats.org/officeDocument/2006/relationships" xmlns:p="http://schemas.openxmlformats.org/presentationml/2006/main">
   <p:cSld>
     <p:spTree>
@@ -20966,6 +21673,189 @@
       </p:grpSpPr>
       <p:sp>
         <p:nvSpPr>
+          <p:cNvPr id="2" name="Title 1">
+            <a:extLst>
+              <a:ext uri="{FF2B5EF4-FFF2-40B4-BE49-F238E27FC236}">
+                <a16:creationId xmlns:a16="http://schemas.microsoft.com/office/drawing/2014/main" id="{C9A428ED-E8E6-4EBE-8C7C-8E6E2E5012C8}"/>
+              </a:ext>
+            </a:extLst>
+          </p:cNvPr>
+          <p:cNvSpPr>
+            <a:spLocks noGrp="1"/>
+          </p:cNvSpPr>
+          <p:nvPr>
+            <p:ph type="title"/>
+          </p:nvPr>
+        </p:nvSpPr>
+        <p:spPr>
+          <a:xfrm>
+            <a:off x="432000" y="458126"/>
+            <a:ext cx="11340000" cy="432000"/>
+          </a:xfrm>
+        </p:spPr>
+        <p:txBody>
+          <a:bodyPr/>
+          <a:lstStyle/>
+          <a:p>
+            <a:r>
+              <a:rPr lang="en-US" dirty="0" smtClean="0"/>
+              <a:t>Data Preprocessing</a:t>
+            </a:r>
+            <a:endParaRPr lang="en-US" dirty="0"/>
+          </a:p>
+        </p:txBody>
+      </p:sp>
+      <p:sp>
+        <p:nvSpPr>
+          <p:cNvPr id="3" name="Slide Number Placeholder 2">
+            <a:extLst>
+              <a:ext uri="{FF2B5EF4-FFF2-40B4-BE49-F238E27FC236}">
+                <a16:creationId xmlns:a16="http://schemas.microsoft.com/office/drawing/2014/main" id="{B79F4F6B-299B-431B-AD93-01AF893D8C92}"/>
+              </a:ext>
+            </a:extLst>
+          </p:cNvPr>
+          <p:cNvSpPr>
+            <a:spLocks noGrp="1"/>
+          </p:cNvSpPr>
+          <p:nvPr>
+            <p:ph type="sldNum" sz="quarter" idx="11"/>
+          </p:nvPr>
+        </p:nvSpPr>
+        <p:spPr/>
+        <p:txBody>
+          <a:bodyPr/>
+          <a:lstStyle/>
+          <a:p>
+            <a:fld id="{4B73C415-D670-4716-A5EC-CC4D52CA2BAC}" type="slidenum">
+              <a:rPr lang="en-US" smtClean="0"/>
+              <a:pPr/>
+              <a:t>4</a:t>
+            </a:fld>
+            <a:endParaRPr lang="en-US" dirty="0"/>
+          </a:p>
+        </p:txBody>
+      </p:sp>
+      <p:sp>
+        <p:nvSpPr>
+          <p:cNvPr id="40" name="Text Placeholder 4">
+            <a:extLst>
+              <a:ext uri="{FF2B5EF4-FFF2-40B4-BE49-F238E27FC236}">
+                <a16:creationId xmlns:a16="http://schemas.microsoft.com/office/drawing/2014/main" id="{B3873866-C6DF-4447-8D2F-8A88CF14E6CB}"/>
+              </a:ext>
+            </a:extLst>
+          </p:cNvPr>
+          <p:cNvSpPr>
+            <a:spLocks noGrp="1"/>
+          </p:cNvSpPr>
+          <p:nvPr>
+            <p:ph type="body" sz="quarter" idx="4294967295"/>
+          </p:nvPr>
+        </p:nvSpPr>
+        <p:spPr>
+          <a:xfrm>
+            <a:off x="477720" y="1325881"/>
+            <a:ext cx="11248560" cy="496388"/>
+          </a:xfrm>
+          <a:prstGeom prst="rect">
+            <a:avLst/>
+          </a:prstGeom>
+        </p:spPr>
+        <p:txBody>
+          <a:bodyPr/>
+          <a:lstStyle/>
+          <a:p>
+            <a:pPr marL="0" indent="0">
+              <a:buNone/>
+            </a:pPr>
+            <a:r>
+              <a:rPr lang="en-US" dirty="0"/>
+              <a:t>There are modeling methodologies associated with each of the </a:t>
+            </a:r>
+            <a:r>
+              <a:rPr lang="en-US" dirty="0" smtClean="0"/>
+              <a:t>four </a:t>
+            </a:r>
+            <a:r>
+              <a:rPr lang="en-IN" dirty="0" smtClean="0"/>
+              <a:t>knowledge </a:t>
+            </a:r>
+            <a:r>
+              <a:rPr lang="en-IN" dirty="0"/>
+              <a:t>spaces.</a:t>
+            </a:r>
+            <a:endParaRPr lang="en-IN" sz="2200" dirty="0"/>
+          </a:p>
+        </p:txBody>
+      </p:sp>
+      <p:pic>
+        <p:nvPicPr>
+          <p:cNvPr id="6" name="Picture 5"/>
+          <p:cNvPicPr>
+            <a:picLocks noChangeAspect="1"/>
+          </p:cNvPicPr>
+          <p:nvPr/>
+        </p:nvPicPr>
+        <p:blipFill>
+          <a:blip r:embed="rId3">
+            <a:extLst>
+              <a:ext uri="{28A0092B-C50C-407E-A947-70E740481C1C}">
+                <a14:useLocalDpi xmlns:a14="http://schemas.microsoft.com/office/drawing/2010/main" val="0"/>
+              </a:ext>
+            </a:extLst>
+          </a:blip>
+          <a:stretch>
+            <a:fillRect/>
+          </a:stretch>
+        </p:blipFill>
+        <p:spPr>
+          <a:xfrm>
+            <a:off x="617683" y="2808514"/>
+            <a:ext cx="10968634" cy="2913018"/>
+          </a:xfrm>
+          <a:prstGeom prst="rect">
+            <a:avLst/>
+          </a:prstGeom>
+        </p:spPr>
+      </p:pic>
+    </p:spTree>
+    <p:extLst>
+      <p:ext uri="{BB962C8B-B14F-4D97-AF65-F5344CB8AC3E}">
+        <p14:creationId xmlns:p14="http://schemas.microsoft.com/office/powerpoint/2010/main" val="1230944833"/>
+      </p:ext>
+    </p:extLst>
+  </p:cSld>
+  <p:clrMapOvr>
+    <a:masterClrMapping/>
+  </p:clrMapOvr>
+  <p:timing>
+    <p:tnLst>
+      <p:par>
+        <p:cTn id="1" dur="indefinite" restart="never" nodeType="tmRoot"/>
+      </p:par>
+    </p:tnLst>
+  </p:timing>
+</p:sld>
+</file>
+
+<file path=ppt/slides/slide5.xml><?xml version="1.0" encoding="utf-8"?>
+<p:sld xmlns:a="http://schemas.openxmlformats.org/drawingml/2006/main" xmlns:r="http://schemas.openxmlformats.org/officeDocument/2006/relationships" xmlns:p="http://schemas.openxmlformats.org/presentationml/2006/main">
+  <p:cSld>
+    <p:spTree>
+      <p:nvGrpSpPr>
+        <p:cNvPr id="1" name=""/>
+        <p:cNvGrpSpPr/>
+        <p:nvPr/>
+      </p:nvGrpSpPr>
+      <p:grpSpPr>
+        <a:xfrm>
+          <a:off x="0" y="0"/>
+          <a:ext cx="0" cy="0"/>
+          <a:chOff x="0" y="0"/>
+          <a:chExt cx="0" cy="0"/>
+        </a:xfrm>
+      </p:grpSpPr>
+      <p:sp>
+        <p:nvSpPr>
           <p:cNvPr id="2" name="Slide Number Placeholder 1"/>
           <p:cNvSpPr>
             <a:spLocks noGrp="1"/>
@@ -20982,7 +21872,7 @@
             <a:fld id="{4B73C415-D670-4716-A5EC-CC4D52CA2BAC}" type="slidenum">
               <a:rPr lang="en-US" noProof="0" smtClean="0"/>
               <a:pPr/>
-              <a:t>7</a:t>
+              <a:t>5</a:t>
             </a:fld>
             <a:endParaRPr lang="en-US" noProof="0" dirty="0"/>
           </a:p>
@@ -21012,8 +21902,8 @@
         </p:blipFill>
         <p:spPr>
           <a:xfrm>
-            <a:off x="432000" y="1603002"/>
-            <a:ext cx="5080526" cy="3762102"/>
+            <a:off x="1188720" y="1397121"/>
+            <a:ext cx="3513909" cy="4389725"/>
           </a:xfrm>
         </p:spPr>
       </p:pic>
@@ -21033,8 +21923,8 @@
         </p:nvSpPr>
         <p:spPr>
           <a:xfrm>
-            <a:off x="5995850" y="2046214"/>
-            <a:ext cx="5512525" cy="3136935"/>
+            <a:off x="5878285" y="1513443"/>
+            <a:ext cx="5708469" cy="4273404"/>
           </a:xfrm>
           <a:prstGeom prst="rect">
             <a:avLst/>
@@ -21228,78 +22118,27 @@
           </a:lstStyle>
           <a:p>
             <a:r>
-              <a:rPr lang="en-US" b="1" dirty="0"/>
-              <a:t>Services (S) </a:t>
-            </a:r>
-            <a:r>
-              <a:rPr lang="en-US" dirty="0"/>
-              <a:t>required and provided by the different companies </a:t>
-            </a:r>
-            <a:r>
-              <a:rPr lang="en-US" dirty="0" smtClean="0"/>
-              <a:t>and </a:t>
-            </a:r>
-            <a:r>
               <a:rPr lang="en-IN" dirty="0" smtClean="0"/>
-              <a:t>groups.</a:t>
-            </a:r>
-            <a:endParaRPr lang="en-IN" dirty="0"/>
-          </a:p>
-          <a:p>
-            <a:r>
-              <a:rPr lang="en-US" b="1" dirty="0" smtClean="0"/>
-              <a:t>Network </a:t>
-            </a:r>
-            <a:r>
-              <a:rPr lang="en-US" b="1" dirty="0"/>
-              <a:t>organization (N) </a:t>
-            </a:r>
-            <a:r>
-              <a:rPr lang="en-US" dirty="0"/>
-              <a:t>structures of established </a:t>
-            </a:r>
-            <a:r>
-              <a:rPr lang="en-US" dirty="0" smtClean="0"/>
-              <a:t>collaborations.</a:t>
-            </a:r>
-            <a:endParaRPr lang="en-US" dirty="0"/>
-          </a:p>
-          <a:p>
-            <a:r>
-              <a:rPr lang="en-US" b="1" dirty="0" smtClean="0"/>
-              <a:t>Projects </a:t>
-            </a:r>
-            <a:r>
-              <a:rPr lang="en-US" b="1" dirty="0"/>
-              <a:t>(P) </a:t>
-            </a:r>
-            <a:r>
-              <a:rPr lang="en-US" dirty="0"/>
-              <a:t>where multiple partners cooperate to create new </a:t>
-            </a:r>
-            <a:r>
-              <a:rPr lang="en-US" dirty="0" smtClean="0"/>
-              <a:t>services.</a:t>
-            </a:r>
-            <a:endParaRPr lang="en-US" dirty="0"/>
-          </a:p>
-          <a:p>
-            <a:r>
-              <a:rPr lang="en-US" b="1" dirty="0" smtClean="0"/>
-              <a:t>Platforms </a:t>
-            </a:r>
-            <a:r>
-              <a:rPr lang="en-US" b="1" dirty="0"/>
-              <a:t>(P) </a:t>
-            </a:r>
-            <a:r>
-              <a:rPr lang="en-US" dirty="0"/>
-              <a:t>providing interoperable IT support for the </a:t>
-            </a:r>
-            <a:r>
-              <a:rPr lang="en-US" dirty="0" smtClean="0"/>
-              <a:t>networks.</a:t>
-            </a:r>
+              <a:t>Visualizing the directional path for the m4 line from </a:t>
+            </a:r>
+            <a:r>
+              <a:rPr lang="en-IN" dirty="0" err="1" smtClean="0"/>
+              <a:t>kelenfold</a:t>
+            </a:r>
+            <a:r>
+              <a:rPr lang="en-IN" dirty="0" smtClean="0"/>
+              <a:t> to </a:t>
+            </a:r>
+            <a:r>
+              <a:rPr lang="en-IN" dirty="0" err="1" smtClean="0"/>
+              <a:t>keleti</a:t>
+            </a:r>
+            <a:r>
+              <a:rPr lang="en-IN" dirty="0" smtClean="0"/>
+              <a:t>.</a:t>
+            </a:r>
+          </a:p>
+          <a:p>
             <a:endParaRPr lang="en-IN" sz="2200" dirty="0"/>
           </a:p>
         </p:txBody>
@@ -21353,12 +22192,8 @@
           </a:lstStyle>
           <a:p>
             <a:r>
-              <a:rPr lang="en-US" dirty="0"/>
-              <a:t>3</a:t>
-            </a:r>
-            <a:r>
               <a:rPr lang="en-US" dirty="0" smtClean="0"/>
-              <a:t>. Business Networking Space</a:t>
+              <a:t>M4 Metro Visualize</a:t>
             </a:r>
             <a:endParaRPr lang="en-US" dirty="0"/>
           </a:p>
@@ -21367,7 +22202,7 @@
     </p:spTree>
     <p:extLst>
       <p:ext uri="{BB962C8B-B14F-4D97-AF65-F5344CB8AC3E}">
-        <p14:creationId xmlns:p14="http://schemas.microsoft.com/office/powerpoint/2010/main" val="2319877000"/>
+        <p14:creationId xmlns:p14="http://schemas.microsoft.com/office/powerpoint/2010/main" val="3637221769"/>
       </p:ext>
     </p:extLst>
   </p:cSld>
@@ -21384,7 +22219,7 @@
 </p:sld>
 </file>
 
-<file path=ppt/slides/slide8.xml><?xml version="1.0" encoding="utf-8"?>
+<file path=ppt/slides/slide6.xml><?xml version="1.0" encoding="utf-8"?>
 <p:sld xmlns:a="http://schemas.openxmlformats.org/drawingml/2006/main" xmlns:r="http://schemas.openxmlformats.org/officeDocument/2006/relationships" xmlns:p="http://schemas.openxmlformats.org/presentationml/2006/main">
   <p:cSld>
     <p:spTree>
@@ -21403,6 +22238,189 @@
       </p:grpSpPr>
       <p:sp>
         <p:nvSpPr>
+          <p:cNvPr id="2" name="Title 1">
+            <a:extLst>
+              <a:ext uri="{FF2B5EF4-FFF2-40B4-BE49-F238E27FC236}">
+                <a16:creationId xmlns:a16="http://schemas.microsoft.com/office/drawing/2014/main" id="{C9A428ED-E8E6-4EBE-8C7C-8E6E2E5012C8}"/>
+              </a:ext>
+            </a:extLst>
+          </p:cNvPr>
+          <p:cNvSpPr>
+            <a:spLocks noGrp="1"/>
+          </p:cNvSpPr>
+          <p:nvPr>
+            <p:ph type="title"/>
+          </p:nvPr>
+        </p:nvSpPr>
+        <p:spPr>
+          <a:xfrm>
+            <a:off x="432000" y="458126"/>
+            <a:ext cx="11340000" cy="432000"/>
+          </a:xfrm>
+        </p:spPr>
+        <p:txBody>
+          <a:bodyPr/>
+          <a:lstStyle/>
+          <a:p>
+            <a:r>
+              <a:rPr lang="en-US" dirty="0" smtClean="0"/>
+              <a:t>Data Preprocessing</a:t>
+            </a:r>
+            <a:endParaRPr lang="en-US" dirty="0"/>
+          </a:p>
+        </p:txBody>
+      </p:sp>
+      <p:sp>
+        <p:nvSpPr>
+          <p:cNvPr id="3" name="Slide Number Placeholder 2">
+            <a:extLst>
+              <a:ext uri="{FF2B5EF4-FFF2-40B4-BE49-F238E27FC236}">
+                <a16:creationId xmlns:a16="http://schemas.microsoft.com/office/drawing/2014/main" id="{B79F4F6B-299B-431B-AD93-01AF893D8C92}"/>
+              </a:ext>
+            </a:extLst>
+          </p:cNvPr>
+          <p:cNvSpPr>
+            <a:spLocks noGrp="1"/>
+          </p:cNvSpPr>
+          <p:nvPr>
+            <p:ph type="sldNum" sz="quarter" idx="11"/>
+          </p:nvPr>
+        </p:nvSpPr>
+        <p:spPr/>
+        <p:txBody>
+          <a:bodyPr/>
+          <a:lstStyle/>
+          <a:p>
+            <a:fld id="{4B73C415-D670-4716-A5EC-CC4D52CA2BAC}" type="slidenum">
+              <a:rPr lang="en-US" smtClean="0"/>
+              <a:pPr/>
+              <a:t>6</a:t>
+            </a:fld>
+            <a:endParaRPr lang="en-US" dirty="0"/>
+          </a:p>
+        </p:txBody>
+      </p:sp>
+      <p:sp>
+        <p:nvSpPr>
+          <p:cNvPr id="40" name="Text Placeholder 4">
+            <a:extLst>
+              <a:ext uri="{FF2B5EF4-FFF2-40B4-BE49-F238E27FC236}">
+                <a16:creationId xmlns:a16="http://schemas.microsoft.com/office/drawing/2014/main" id="{B3873866-C6DF-4447-8D2F-8A88CF14E6CB}"/>
+              </a:ext>
+            </a:extLst>
+          </p:cNvPr>
+          <p:cNvSpPr>
+            <a:spLocks noGrp="1"/>
+          </p:cNvSpPr>
+          <p:nvPr>
+            <p:ph type="body" sz="quarter" idx="4294967295"/>
+          </p:nvPr>
+        </p:nvSpPr>
+        <p:spPr>
+          <a:xfrm>
+            <a:off x="477720" y="1325881"/>
+            <a:ext cx="11248560" cy="496388"/>
+          </a:xfrm>
+          <a:prstGeom prst="rect">
+            <a:avLst/>
+          </a:prstGeom>
+        </p:spPr>
+        <p:txBody>
+          <a:bodyPr/>
+          <a:lstStyle/>
+          <a:p>
+            <a:pPr marL="0" indent="0">
+              <a:buNone/>
+            </a:pPr>
+            <a:r>
+              <a:rPr lang="en-US" dirty="0"/>
+              <a:t>There are modeling methodologies associated with each of the </a:t>
+            </a:r>
+            <a:r>
+              <a:rPr lang="en-US" dirty="0" smtClean="0"/>
+              <a:t>four </a:t>
+            </a:r>
+            <a:r>
+              <a:rPr lang="en-IN" dirty="0" smtClean="0"/>
+              <a:t>knowledge </a:t>
+            </a:r>
+            <a:r>
+              <a:rPr lang="en-IN" dirty="0"/>
+              <a:t>spaces.</a:t>
+            </a:r>
+            <a:endParaRPr lang="en-IN" sz="2200" dirty="0"/>
+          </a:p>
+        </p:txBody>
+      </p:sp>
+      <p:pic>
+        <p:nvPicPr>
+          <p:cNvPr id="6" name="Picture 5"/>
+          <p:cNvPicPr>
+            <a:picLocks noChangeAspect="1"/>
+          </p:cNvPicPr>
+          <p:nvPr/>
+        </p:nvPicPr>
+        <p:blipFill>
+          <a:blip r:embed="rId3">
+            <a:extLst>
+              <a:ext uri="{28A0092B-C50C-407E-A947-70E740481C1C}">
+                <a14:useLocalDpi xmlns:a14="http://schemas.microsoft.com/office/drawing/2010/main" val="0"/>
+              </a:ext>
+            </a:extLst>
+          </a:blip>
+          <a:stretch>
+            <a:fillRect/>
+          </a:stretch>
+        </p:blipFill>
+        <p:spPr>
+          <a:xfrm>
+            <a:off x="1920241" y="1822269"/>
+            <a:ext cx="7550330" cy="4297680"/>
+          </a:xfrm>
+          <a:prstGeom prst="rect">
+            <a:avLst/>
+          </a:prstGeom>
+        </p:spPr>
+      </p:pic>
+    </p:spTree>
+    <p:extLst>
+      <p:ext uri="{BB962C8B-B14F-4D97-AF65-F5344CB8AC3E}">
+        <p14:creationId xmlns:p14="http://schemas.microsoft.com/office/powerpoint/2010/main" val="886568565"/>
+      </p:ext>
+    </p:extLst>
+  </p:cSld>
+  <p:clrMapOvr>
+    <a:masterClrMapping/>
+  </p:clrMapOvr>
+  <p:timing>
+    <p:tnLst>
+      <p:par>
+        <p:cTn id="1" dur="indefinite" restart="never" nodeType="tmRoot"/>
+      </p:par>
+    </p:tnLst>
+  </p:timing>
+</p:sld>
+</file>
+
+<file path=ppt/slides/slide7.xml><?xml version="1.0" encoding="utf-8"?>
+<p:sld xmlns:a="http://schemas.openxmlformats.org/drawingml/2006/main" xmlns:r="http://schemas.openxmlformats.org/officeDocument/2006/relationships" xmlns:p="http://schemas.openxmlformats.org/presentationml/2006/main">
+  <p:cSld>
+    <p:spTree>
+      <p:nvGrpSpPr>
+        <p:cNvPr id="1" name=""/>
+        <p:cNvGrpSpPr/>
+        <p:nvPr/>
+      </p:nvGrpSpPr>
+      <p:grpSpPr>
+        <a:xfrm>
+          <a:off x="0" y="0"/>
+          <a:ext cx="0" cy="0"/>
+          <a:chOff x="0" y="0"/>
+          <a:chExt cx="0" cy="0"/>
+        </a:xfrm>
+      </p:grpSpPr>
+      <p:sp>
+        <p:nvSpPr>
           <p:cNvPr id="2" name="Slide Number Placeholder 1"/>
           <p:cNvSpPr>
             <a:spLocks noGrp="1"/>
@@ -21419,7 +22437,7 @@
             <a:fld id="{4B73C415-D670-4716-A5EC-CC4D52CA2BAC}" type="slidenum">
               <a:rPr lang="en-US" noProof="0" smtClean="0"/>
               <a:pPr/>
-              <a:t>8</a:t>
+              <a:t>7</a:t>
             </a:fld>
             <a:endParaRPr lang="en-US" noProof="0" dirty="0"/>
           </a:p>
@@ -21449,8 +22467,8 @@
         </p:blipFill>
         <p:spPr>
           <a:xfrm>
-            <a:off x="6426926" y="1817738"/>
-            <a:ext cx="5345074" cy="3733976"/>
+            <a:off x="5904411" y="1789611"/>
+            <a:ext cx="6074229" cy="3735978"/>
           </a:xfrm>
         </p:spPr>
       </p:pic>
@@ -21470,8 +22488,8 @@
         </p:nvSpPr>
         <p:spPr>
           <a:xfrm>
-            <a:off x="682561" y="2133046"/>
-            <a:ext cx="5419439" cy="3967307"/>
+            <a:off x="682562" y="2133047"/>
+            <a:ext cx="4934468" cy="2545256"/>
           </a:xfrm>
           <a:prstGeom prst="rect">
             <a:avLst/>
@@ -21666,88 +22684,75 @@
           <a:p>
             <a:r>
               <a:rPr lang="en-US" b="1" dirty="0"/>
-              <a:t>Values (V) </a:t>
+              <a:t>Product (P)</a:t>
             </a:r>
             <a:r>
               <a:rPr lang="en-US" dirty="0"/>
-              <a:t>represent the worth of commodities, services, assets, </a:t>
+              <a:t>, the result and content of the </a:t>
             </a:r>
             <a:r>
               <a:rPr lang="en-US" dirty="0" smtClean="0"/>
-              <a:t>or work</a:t>
+              <a:t>work. </a:t>
+            </a:r>
+          </a:p>
+          <a:p>
+            <a:r>
+              <a:rPr lang="en-US" b="1" dirty="0" smtClean="0"/>
+              <a:t>Organization </a:t>
+            </a:r>
+            <a:r>
+              <a:rPr lang="en-US" b="1" dirty="0"/>
+              <a:t>(O), </a:t>
             </a:r>
             <a:r>
               <a:rPr lang="en-US" dirty="0"/>
-              <a:t>, and the principles, standards, or quality that guides human </a:t>
+              <a:t>the personnel resources and skills required, </a:t>
             </a:r>
             <a:r>
               <a:rPr lang="en-US" dirty="0" smtClean="0"/>
-              <a:t>actions.</a:t>
+              <a:t>available </a:t>
+            </a:r>
+            <a:r>
+              <a:rPr lang="en-IN" dirty="0" smtClean="0"/>
+              <a:t>or applied.</a:t>
+            </a:r>
+            <a:endParaRPr lang="en-IN" dirty="0"/>
+          </a:p>
+          <a:p>
+            <a:r>
+              <a:rPr lang="en-US" b="1" dirty="0" smtClean="0"/>
+              <a:t>Process </a:t>
+            </a:r>
+            <a:r>
+              <a:rPr lang="en-US" b="1" dirty="0"/>
+              <a:t>(P)</a:t>
+            </a:r>
+            <a:r>
+              <a:rPr lang="en-US" dirty="0"/>
+              <a:t>, the structure of work </a:t>
+            </a:r>
+            <a:r>
+              <a:rPr lang="en-US" dirty="0" smtClean="0"/>
+              <a:t>tasks.</a:t>
             </a:r>
             <a:endParaRPr lang="en-US" dirty="0"/>
           </a:p>
           <a:p>
             <a:r>
               <a:rPr lang="en-US" b="1" dirty="0" smtClean="0"/>
-              <a:t>Resources </a:t>
+              <a:t>System </a:t>
             </a:r>
             <a:r>
               <a:rPr lang="en-US" b="1" dirty="0"/>
-              <a:t>(R) </a:t>
+              <a:t>(S)</a:t>
             </a:r>
             <a:r>
               <a:rPr lang="en-US" dirty="0"/>
-              <a:t>are the personnel and material applied to create </a:t>
+              <a:t>, the underlying support tools and equipment </a:t>
             </a:r>
             <a:r>
               <a:rPr lang="en-US" dirty="0" smtClean="0"/>
-              <a:t>value.</a:t>
-            </a:r>
-            <a:endParaRPr lang="en-US" dirty="0"/>
-          </a:p>
-          <a:p>
-            <a:r>
-              <a:rPr lang="en-US" b="1" dirty="0" smtClean="0"/>
-              <a:t>Initiatives </a:t>
-            </a:r>
-            <a:r>
-              <a:rPr lang="en-US" b="1" dirty="0"/>
-              <a:t>(I) </a:t>
-            </a:r>
-            <a:r>
-              <a:rPr lang="en-US" dirty="0"/>
-              <a:t>to apply resources and infrastructure to create new </a:t>
-            </a:r>
-            <a:r>
-              <a:rPr lang="en-US" dirty="0" smtClean="0"/>
-              <a:t>values.</a:t>
-            </a:r>
-            <a:endParaRPr lang="en-US" dirty="0"/>
-          </a:p>
-          <a:p>
-            <a:r>
-              <a:rPr lang="en-US" b="1" dirty="0" smtClean="0"/>
-              <a:t>Infrastructure </a:t>
-            </a:r>
-            <a:r>
-              <a:rPr lang="en-US" b="1" dirty="0"/>
-              <a:t>(I) </a:t>
-            </a:r>
-            <a:r>
-              <a:rPr lang="en-US" dirty="0"/>
-              <a:t>is the overall set of tools and mechanisms </a:t>
-            </a:r>
-            <a:r>
-              <a:rPr lang="en-US" dirty="0" smtClean="0"/>
-              <a:t>for communication</a:t>
-            </a:r>
-            <a:r>
-              <a:rPr lang="en-US" dirty="0"/>
-              <a:t>, logistics, and value creation in </a:t>
-            </a:r>
-            <a:r>
-              <a:rPr lang="en-US" dirty="0" smtClean="0"/>
-              <a:t>general.</a:t>
+              <a:t>used.</a:t>
             </a:r>
             <a:endParaRPr lang="en-IN" sz="2200" dirty="0"/>
           </a:p>
@@ -21802,8 +22807,12 @@
           </a:lstStyle>
           <a:p>
             <a:r>
+              <a:rPr lang="en-US" dirty="0"/>
+              <a:t>2</a:t>
+            </a:r>
+            <a:r>
               <a:rPr lang="en-US" dirty="0" smtClean="0"/>
-              <a:t>4. Community </a:t>
+              <a:t>. Innovation </a:t>
             </a:r>
             <a:r>
               <a:rPr lang="en-US" dirty="0"/>
@@ -21820,7 +22829,198 @@
     </p:spTree>
     <p:extLst>
       <p:ext uri="{BB962C8B-B14F-4D97-AF65-F5344CB8AC3E}">
-        <p14:creationId xmlns:p14="http://schemas.microsoft.com/office/powerpoint/2010/main" val="2108973637"/>
+        <p14:creationId xmlns:p14="http://schemas.microsoft.com/office/powerpoint/2010/main" val="3868250533"/>
+      </p:ext>
+    </p:extLst>
+  </p:cSld>
+  <p:clrMapOvr>
+    <a:masterClrMapping/>
+  </p:clrMapOvr>
+  <p:timing>
+    <p:tnLst>
+      <p:par>
+        <p:cTn id="1" dur="indefinite" restart="never" nodeType="tmRoot"/>
+      </p:par>
+    </p:tnLst>
+  </p:timing>
+</p:sld>
+</file>
+
+<file path=ppt/slides/slide8.xml><?xml version="1.0" encoding="utf-8"?>
+<p:sld xmlns:a="http://schemas.openxmlformats.org/drawingml/2006/main" xmlns:r="http://schemas.openxmlformats.org/officeDocument/2006/relationships" xmlns:p="http://schemas.openxmlformats.org/presentationml/2006/main">
+  <p:cSld>
+    <p:spTree>
+      <p:nvGrpSpPr>
+        <p:cNvPr id="1" name=""/>
+        <p:cNvGrpSpPr/>
+        <p:nvPr/>
+      </p:nvGrpSpPr>
+      <p:grpSpPr>
+        <a:xfrm>
+          <a:off x="0" y="0"/>
+          <a:ext cx="0" cy="0"/>
+          <a:chOff x="0" y="0"/>
+          <a:chExt cx="0" cy="0"/>
+        </a:xfrm>
+      </p:grpSpPr>
+      <p:sp>
+        <p:nvSpPr>
+          <p:cNvPr id="2" name="Slide Number Placeholder 1"/>
+          <p:cNvSpPr>
+            <a:spLocks noGrp="1"/>
+          </p:cNvSpPr>
+          <p:nvPr>
+            <p:ph type="sldNum" sz="quarter" idx="11"/>
+          </p:nvPr>
+        </p:nvSpPr>
+        <p:spPr/>
+        <p:txBody>
+          <a:bodyPr/>
+          <a:lstStyle/>
+          <a:p>
+            <a:fld id="{4B73C415-D670-4716-A5EC-CC4D52CA2BAC}" type="slidenum">
+              <a:rPr lang="en-US" noProof="0" smtClean="0"/>
+              <a:pPr/>
+              <a:t>8</a:t>
+            </a:fld>
+            <a:endParaRPr lang="en-US" noProof="0" dirty="0"/>
+          </a:p>
+        </p:txBody>
+      </p:sp>
+      <p:pic>
+        <p:nvPicPr>
+          <p:cNvPr id="4" name="Picture Placeholder 3"/>
+          <p:cNvPicPr>
+            <a:picLocks noGrp="1" noChangeAspect="1"/>
+          </p:cNvPicPr>
+          <p:nvPr>
+            <p:ph type="pic" sz="quarter" idx="12"/>
+          </p:nvPr>
+        </p:nvPicPr>
+        <p:blipFill>
+          <a:blip r:embed="rId2">
+            <a:extLst>
+              <a:ext uri="{28A0092B-C50C-407E-A947-70E740481C1C}">
+                <a14:useLocalDpi xmlns:a14="http://schemas.microsoft.com/office/drawing/2010/main" val="0"/>
+              </a:ext>
+            </a:extLst>
+          </a:blip>
+          <a:stretch>
+            <a:fillRect/>
+          </a:stretch>
+        </p:blipFill>
+        <p:spPr>
+          <a:xfrm>
+            <a:off x="432000" y="2301377"/>
+            <a:ext cx="5080526" cy="2843076"/>
+          </a:xfrm>
+        </p:spPr>
+      </p:pic>
+      <p:sp>
+        <p:nvSpPr>
+          <p:cNvPr id="6" name="Title 4">
+            <a:extLst>
+              <a:ext uri="{FF2B5EF4-FFF2-40B4-BE49-F238E27FC236}">
+                <a16:creationId xmlns:a16="http://schemas.microsoft.com/office/drawing/2014/main" id="{95385A3C-2778-4B23-9530-DFD5A61DA5B0}"/>
+              </a:ext>
+            </a:extLst>
+          </p:cNvPr>
+          <p:cNvSpPr txBox="1">
+            <a:spLocks/>
+          </p:cNvSpPr>
+          <p:nvPr/>
+        </p:nvSpPr>
+        <p:spPr>
+          <a:xfrm>
+            <a:off x="432000" y="432000"/>
+            <a:ext cx="11340000" cy="432000"/>
+          </a:xfrm>
+          <a:prstGeom prst="rect">
+            <a:avLst/>
+          </a:prstGeom>
+        </p:spPr>
+        <p:txBody>
+          <a:bodyPr/>
+          <a:lstStyle>
+            <a:lvl1pPr algn="l" defTabSz="914400" rtl="0" eaLnBrk="1" latinLnBrk="0" hangingPunct="1">
+              <a:lnSpc>
+                <a:spcPct val="90000"/>
+              </a:lnSpc>
+              <a:spcBef>
+                <a:spcPct val="0"/>
+              </a:spcBef>
+              <a:buNone/>
+              <a:defRPr sz="3200" kern="1200" spc="-150">
+                <a:solidFill>
+                  <a:schemeClr val="tx1">
+                    <a:lumMod val="75000"/>
+                    <a:lumOff val="25000"/>
+                  </a:schemeClr>
+                </a:solidFill>
+                <a:latin typeface="+mj-lt"/>
+                <a:ea typeface="+mj-ea"/>
+                <a:cs typeface="+mj-cs"/>
+              </a:defRPr>
+            </a:lvl1pPr>
+          </a:lstStyle>
+          <a:p>
+            <a:r>
+              <a:rPr lang="en-US" dirty="0"/>
+              <a:t>3</a:t>
+            </a:r>
+            <a:r>
+              <a:rPr lang="en-US" dirty="0" smtClean="0"/>
+              <a:t>. Business Networking Space</a:t>
+            </a:r>
+            <a:endParaRPr lang="en-US" dirty="0"/>
+          </a:p>
+        </p:txBody>
+      </p:sp>
+      <p:pic>
+        <p:nvPicPr>
+          <p:cNvPr id="7" name="Picture Placeholder 3"/>
+          <p:cNvPicPr>
+            <a:picLocks noChangeAspect="1"/>
+          </p:cNvPicPr>
+          <p:nvPr/>
+        </p:nvPicPr>
+        <p:blipFill>
+          <a:blip r:embed="rId3">
+            <a:extLst>
+              <a:ext uri="{28A0092B-C50C-407E-A947-70E740481C1C}">
+                <a14:useLocalDpi xmlns:a14="http://schemas.microsoft.com/office/drawing/2010/main" val="0"/>
+              </a:ext>
+            </a:extLst>
+          </a:blip>
+          <a:stretch>
+            <a:fillRect/>
+          </a:stretch>
+        </p:blipFill>
+        <p:spPr>
+          <a:xfrm>
+            <a:off x="6035040" y="1775526"/>
+            <a:ext cx="5736959" cy="3372262"/>
+          </a:xfrm>
+          <a:prstGeom prst="rect">
+            <a:avLst/>
+          </a:prstGeom>
+          <a:solidFill>
+            <a:schemeClr val="tx1">
+              <a:alpha val="70000"/>
+            </a:schemeClr>
+          </a:solidFill>
+          <a:ln w="12700" cap="flat" cmpd="sng" algn="ctr">
+            <a:noFill/>
+            <a:prstDash val="solid"/>
+            <a:miter lim="800000"/>
+          </a:ln>
+          <a:effectLst/>
+        </p:spPr>
+      </p:pic>
+    </p:spTree>
+    <p:extLst>
+      <p:ext uri="{BB962C8B-B14F-4D97-AF65-F5344CB8AC3E}">
+        <p14:creationId xmlns:p14="http://schemas.microsoft.com/office/powerpoint/2010/main" val="2319877000"/>
       </p:ext>
     </p:extLst>
   </p:cSld>
@@ -21882,15 +23082,7 @@
           <a:p>
             <a:r>
               <a:rPr lang="en-US" dirty="0" smtClean="0"/>
-              <a:t>Roles vs </a:t>
-            </a:r>
-            <a:r>
-              <a:rPr lang="en-US" dirty="0"/>
-              <a:t>k</a:t>
-            </a:r>
-            <a:r>
-              <a:rPr lang="en-US" dirty="0" smtClean="0"/>
-              <a:t>nowledge spaces</a:t>
+              <a:t>Results</a:t>
             </a:r>
             <a:endParaRPr lang="en-US" dirty="0"/>
           </a:p>
@@ -21911,14 +23103,14 @@
           <p:nvPr>
             <p:extLst>
               <p:ext uri="{D42A27DB-BD31-4B8C-83A1-F6EECF244321}">
-                <p14:modId xmlns:p14="http://schemas.microsoft.com/office/powerpoint/2010/main" val="2606040074"/>
+                <p14:modId xmlns:p14="http://schemas.microsoft.com/office/powerpoint/2010/main" val="1067693866"/>
               </p:ext>
             </p:extLst>
           </p:nvPr>
         </p:nvGraphicFramePr>
         <p:xfrm>
-          <a:off x="864157" y="1513526"/>
-          <a:ext cx="10475685" cy="4347784"/>
+          <a:off x="2523141" y="3278777"/>
+          <a:ext cx="6451041" cy="2331810"/>
         </p:xfrm>
         <a:graphic>
           <a:graphicData uri="http://schemas.openxmlformats.org/drawingml/2006/table">
@@ -21927,49 +23119,40 @@
                 <a:tableStyleId>{5C22544A-7EE6-4342-B048-85BDC9FD1C3A}</a:tableStyleId>
               </a:tblPr>
               <a:tblGrid>
-                <a:gridCol w="2095137">
+                <a:gridCol w="2150347">
                   <a:extLst>
                     <a:ext uri="{9D8B030D-6E8A-4147-A177-3AD203B41FA5}">
                       <a16:colId xmlns:a16="http://schemas.microsoft.com/office/drawing/2014/main" val="1173992025"/>
                     </a:ext>
                   </a:extLst>
                 </a:gridCol>
-                <a:gridCol w="2095137">
+                <a:gridCol w="2150347">
                   <a:extLst>
                     <a:ext uri="{9D8B030D-6E8A-4147-A177-3AD203B41FA5}">
                       <a16:colId xmlns:a16="http://schemas.microsoft.com/office/drawing/2014/main" val="115202853"/>
                     </a:ext>
                   </a:extLst>
                 </a:gridCol>
-                <a:gridCol w="2095137">
+                <a:gridCol w="2150347">
                   <a:extLst>
                     <a:ext uri="{9D8B030D-6E8A-4147-A177-3AD203B41FA5}">
-                      <a16:colId xmlns:a16="http://schemas.microsoft.com/office/drawing/2014/main" val="1010693434"/>
-                    </a:ext>
-                  </a:extLst>
-                </a:gridCol>
-                <a:gridCol w="2095137">
-                  <a:extLst>
-                    <a:ext uri="{9D8B030D-6E8A-4147-A177-3AD203B41FA5}">
-                      <a16:colId xmlns:a16="http://schemas.microsoft.com/office/drawing/2014/main" val="3778082769"/>
-                    </a:ext>
-                  </a:extLst>
-                </a:gridCol>
-                <a:gridCol w="2095137">
-                  <a:extLst>
-                    <a:ext uri="{9D8B030D-6E8A-4147-A177-3AD203B41FA5}">
-                      <a16:colId xmlns:a16="http://schemas.microsoft.com/office/drawing/2014/main" val="1136644251"/>
+                      <a16:colId xmlns:a16="http://schemas.microsoft.com/office/drawing/2014/main" val="882758837"/>
                     </a:ext>
                   </a:extLst>
                 </a:gridCol>
               </a:tblGrid>
-              <a:tr h="601864">
+              <a:tr h="319949">
                 <a:tc>
                   <a:txBody>
                     <a:bodyPr/>
                     <a:lstStyle/>
                     <a:p>
-                      <a:endParaRPr lang="en-ZA" dirty="0"/>
+                      <a:pPr algn="ctr"/>
+                      <a:r>
+                        <a:rPr lang="en-ZA" b="0" dirty="0" smtClean="0"/>
+                        <a:t>Networks</a:t>
+                      </a:r>
+                      <a:endParaRPr lang="en-ZA" b="0" dirty="0"/>
                     </a:p>
                   </a:txBody>
                   <a:tcPr>
@@ -22011,7 +23194,7 @@
                         <a:rPr lang="en-ZA" sz="1600" b="0" dirty="0" smtClean="0">
                           <a:latin typeface="+mn-lt"/>
                         </a:rPr>
-                        <a:t>What/Why</a:t>
+                        <a:t>Previous Nodes</a:t>
                       </a:r>
                       <a:endParaRPr lang="en-ZA" sz="1600" b="0" dirty="0">
                         <a:latin typeface="+mn-lt"/>
@@ -22062,118 +23245,10 @@
                     <a:p>
                       <a:pPr algn="ctr"/>
                       <a:r>
-                        <a:rPr lang="en-ZA" sz="1600" b="0" dirty="0" smtClean="0">
+                        <a:rPr lang="en-ZA" sz="1600" b="0" baseline="0" dirty="0" smtClean="0">
                           <a:latin typeface="+mn-lt"/>
                         </a:rPr>
-                        <a:t>Who</a:t>
-                      </a:r>
-                      <a:endParaRPr lang="en-ZA" sz="1600" b="0" dirty="0">
-                        <a:latin typeface="+mn-lt"/>
-                      </a:endParaRPr>
-                    </a:p>
-                  </a:txBody>
-                  <a:tcPr>
-                    <a:lnL w="12700" cmpd="sng">
-                      <a:noFill/>
-                    </a:lnL>
-                    <a:lnR w="12700" cmpd="sng">
-                      <a:noFill/>
-                    </a:lnR>
-                    <a:lnT w="12700" cmpd="sng">
-                      <a:noFill/>
-                    </a:lnT>
-                    <a:lnB w="3175" cap="flat" cmpd="sng" algn="ctr">
-                      <a:solidFill>
-                        <a:schemeClr val="bg1">
-                          <a:lumMod val="75000"/>
-                        </a:schemeClr>
-                      </a:solidFill>
-                      <a:prstDash val="solid"/>
-                      <a:round/>
-                      <a:headEnd type="none" w="med" len="med"/>
-                      <a:tailEnd type="none" w="med" len="med"/>
-                    </a:lnB>
-                    <a:lnTlToBr w="12700" cmpd="sng">
-                      <a:noFill/>
-                      <a:prstDash val="solid"/>
-                    </a:lnTlToBr>
-                    <a:lnBlToTr w="12700" cmpd="sng">
-                      <a:noFill/>
-                      <a:prstDash val="solid"/>
-                    </a:lnBlToTr>
-                    <a:solidFill>
-                      <a:schemeClr val="tx1">
-                        <a:lumMod val="75000"/>
-                        <a:lumOff val="25000"/>
-                      </a:schemeClr>
-                    </a:solidFill>
-                  </a:tcPr>
-                </a:tc>
-                <a:tc>
-                  <a:txBody>
-                    <a:bodyPr/>
-                    <a:lstStyle/>
-                    <a:p>
-                      <a:pPr algn="ctr"/>
-                      <a:r>
-                        <a:rPr lang="en-ZA" sz="1600" b="0" dirty="0" smtClean="0">
-                          <a:latin typeface="+mn-lt"/>
-                        </a:rPr>
-                        <a:t>How</a:t>
-                      </a:r>
-                      <a:endParaRPr lang="en-ZA" sz="1600" b="0" dirty="0">
-                        <a:latin typeface="+mn-lt"/>
-                      </a:endParaRPr>
-                    </a:p>
-                  </a:txBody>
-                  <a:tcPr>
-                    <a:lnL w="12700" cmpd="sng">
-                      <a:noFill/>
-                    </a:lnL>
-                    <a:lnR w="12700" cmpd="sng">
-                      <a:noFill/>
-                    </a:lnR>
-                    <a:lnT w="12700" cmpd="sng">
-                      <a:noFill/>
-                    </a:lnT>
-                    <a:lnB w="3175" cap="flat" cmpd="sng" algn="ctr">
-                      <a:solidFill>
-                        <a:schemeClr val="bg1">
-                          <a:lumMod val="75000"/>
-                        </a:schemeClr>
-                      </a:solidFill>
-                      <a:prstDash val="solid"/>
-                      <a:round/>
-                      <a:headEnd type="none" w="med" len="med"/>
-                      <a:tailEnd type="none" w="med" len="med"/>
-                    </a:lnB>
-                    <a:lnTlToBr w="12700" cmpd="sng">
-                      <a:noFill/>
-                      <a:prstDash val="solid"/>
-                    </a:lnTlToBr>
-                    <a:lnBlToTr w="12700" cmpd="sng">
-                      <a:noFill/>
-                      <a:prstDash val="solid"/>
-                    </a:lnBlToTr>
-                    <a:solidFill>
-                      <a:schemeClr val="tx1">
-                        <a:lumMod val="75000"/>
-                        <a:lumOff val="25000"/>
-                      </a:schemeClr>
-                    </a:solidFill>
-                  </a:tcPr>
-                </a:tc>
-                <a:tc>
-                  <a:txBody>
-                    <a:bodyPr/>
-                    <a:lstStyle/>
-                    <a:p>
-                      <a:pPr algn="ctr"/>
-                      <a:r>
-                        <a:rPr lang="en-ZA" sz="1600" b="0" dirty="0" smtClean="0">
-                          <a:latin typeface="+mn-lt"/>
-                        </a:rPr>
-                        <a:t>Enabler</a:t>
+                        <a:t>New Nodes</a:t>
                       </a:r>
                       <a:endParaRPr lang="en-ZA" sz="1600" b="0" dirty="0">
                         <a:latin typeface="+mn-lt"/>
@@ -22223,7 +23298,7 @@
                   </a:ext>
                 </a:extLst>
               </a:tr>
-              <a:tr h="749184">
+              <a:tr h="655350">
                 <a:tc>
                   <a:txBody>
                     <a:bodyPr/>
@@ -22232,11 +23307,7 @@
                       <a:pPr algn="ctr"/>
                       <a:r>
                         <a:rPr lang="en-ZA" sz="1600" b="1" dirty="0" smtClean="0"/>
-                        <a:t>Community</a:t>
-                      </a:r>
-                      <a:r>
-                        <a:rPr lang="en-ZA" sz="1600" b="1" baseline="0" dirty="0" smtClean="0"/>
-                        <a:t> and network</a:t>
+                        <a:t>Network 1</a:t>
                       </a:r>
                       <a:endParaRPr lang="en-ZA" sz="1600" b="1" dirty="0"/>
                     </a:p>
@@ -22292,7 +23363,7 @@
                             </a:schemeClr>
                           </a:solidFill>
                         </a:rPr>
-                        <a:t>Value</a:t>
+                        <a:t>3581</a:t>
                       </a:r>
                       <a:endParaRPr lang="en-ZA" sz="1600" dirty="0">
                         <a:solidFill>
@@ -22379,7 +23450,150 @@
                             </a:schemeClr>
                           </a:solidFill>
                         </a:rPr>
-                        <a:t>Resource</a:t>
+                        <a:t>2147</a:t>
+                      </a:r>
+                      <a:endParaRPr lang="en-ZA" sz="1600" dirty="0">
+                        <a:solidFill>
+                          <a:schemeClr val="tx1">
+                            <a:lumMod val="75000"/>
+                            <a:lumOff val="25000"/>
+                          </a:schemeClr>
+                        </a:solidFill>
+                      </a:endParaRPr>
+                    </a:p>
+                  </a:txBody>
+                  <a:tcPr anchor="ctr">
+                    <a:lnL w="3175" cap="flat" cmpd="sng" algn="ctr">
+                      <a:solidFill>
+                        <a:schemeClr val="bg1">
+                          <a:lumMod val="75000"/>
+                        </a:schemeClr>
+                      </a:solidFill>
+                      <a:prstDash val="solid"/>
+                      <a:round/>
+                      <a:headEnd type="none" w="med" len="med"/>
+                      <a:tailEnd type="none" w="med" len="med"/>
+                    </a:lnL>
+                    <a:lnR w="3175" cap="flat" cmpd="sng" algn="ctr">
+                      <a:solidFill>
+                        <a:schemeClr val="bg1">
+                          <a:lumMod val="75000"/>
+                        </a:schemeClr>
+                      </a:solidFill>
+                      <a:prstDash val="solid"/>
+                      <a:round/>
+                      <a:headEnd type="none" w="med" len="med"/>
+                      <a:tailEnd type="none" w="med" len="med"/>
+                    </a:lnR>
+                    <a:lnT w="3175" cap="flat" cmpd="sng" algn="ctr">
+                      <a:solidFill>
+                        <a:schemeClr val="bg1">
+                          <a:lumMod val="75000"/>
+                        </a:schemeClr>
+                      </a:solidFill>
+                      <a:prstDash val="solid"/>
+                      <a:round/>
+                      <a:headEnd type="none" w="med" len="med"/>
+                      <a:tailEnd type="none" w="med" len="med"/>
+                    </a:lnT>
+                    <a:lnB w="3175" cap="flat" cmpd="sng" algn="ctr">
+                      <a:solidFill>
+                        <a:schemeClr val="bg1">
+                          <a:lumMod val="75000"/>
+                        </a:schemeClr>
+                      </a:solidFill>
+                      <a:prstDash val="solid"/>
+                      <a:round/>
+                      <a:headEnd type="none" w="med" len="med"/>
+                      <a:tailEnd type="none" w="med" len="med"/>
+                    </a:lnB>
+                    <a:lnTlToBr w="12700" cmpd="sng">
+                      <a:noFill/>
+                      <a:prstDash val="solid"/>
+                    </a:lnTlToBr>
+                    <a:lnBlToTr w="12700" cmpd="sng">
+                      <a:noFill/>
+                      <a:prstDash val="solid"/>
+                    </a:lnBlToTr>
+                    <a:solidFill>
+                      <a:schemeClr val="bg1">
+                        <a:lumMod val="95000"/>
+                      </a:schemeClr>
+                    </a:solidFill>
+                  </a:tcPr>
+                </a:tc>
+                <a:extLst>
+                  <a:ext uri="{0D108BD9-81ED-4DB2-BD59-A6C34878D82A}">
+                    <a16:rowId xmlns:a16="http://schemas.microsoft.com/office/drawing/2014/main" val="3583495943"/>
+                  </a:ext>
+                </a:extLst>
+              </a:tr>
+              <a:tr h="655350">
+                <a:tc>
+                  <a:txBody>
+                    <a:bodyPr/>
+                    <a:lstStyle/>
+                    <a:p>
+                      <a:pPr algn="ctr"/>
+                      <a:r>
+                        <a:rPr lang="en-ZA" sz="1600" b="1" dirty="0" smtClean="0"/>
+                        <a:t>Network 2</a:t>
+                      </a:r>
+                      <a:endParaRPr lang="en-ZA" sz="1600" b="1" dirty="0"/>
+                    </a:p>
+                  </a:txBody>
+                  <a:tcPr anchor="ctr">
+                    <a:lnL w="12700" cmpd="sng">
+                      <a:noFill/>
+                    </a:lnL>
+                    <a:lnR w="3175" cap="flat" cmpd="sng" algn="ctr">
+                      <a:solidFill>
+                        <a:schemeClr val="bg1">
+                          <a:lumMod val="75000"/>
+                        </a:schemeClr>
+                      </a:solidFill>
+                      <a:prstDash val="solid"/>
+                      <a:round/>
+                      <a:headEnd type="none" w="med" len="med"/>
+                      <a:tailEnd type="none" w="med" len="med"/>
+                    </a:lnR>
+                    <a:lnT w="12700" cmpd="sng">
+                      <a:noFill/>
+                    </a:lnT>
+                    <a:lnB w="12700" cmpd="sng">
+                      <a:noFill/>
+                    </a:lnB>
+                    <a:lnTlToBr w="12700" cmpd="sng">
+                      <a:noFill/>
+                      <a:prstDash val="solid"/>
+                    </a:lnTlToBr>
+                    <a:lnBlToTr w="12700" cmpd="sng">
+                      <a:noFill/>
+                      <a:prstDash val="solid"/>
+                    </a:lnBlToTr>
+                    <a:solidFill>
+                      <a:schemeClr val="accent1">
+                        <a:lumMod val="50000"/>
+                      </a:schemeClr>
+                    </a:solidFill>
+                  </a:tcPr>
+                </a:tc>
+                <a:tc>
+                  <a:txBody>
+                    <a:bodyPr/>
+                    <a:lstStyle/>
+                    <a:p>
+                      <a:pPr algn="ctr"/>
+                      <a:r>
+                        <a:rPr lang="en-ZA" sz="1600" dirty="0" smtClean="0">
+                          <a:solidFill>
+                            <a:schemeClr val="tx1">
+                              <a:lumMod val="75000"/>
+                              <a:lumOff val="25000"/>
+                            </a:schemeClr>
+                          </a:solidFill>
+                        </a:rPr>
+                        <a:t>4093</a:t>
                       </a:r>
                       <a:endParaRPr lang="en-ZA" sz="1600" dirty="0">
                         <a:solidFill>
@@ -22466,94 +23680,7 @@
                             </a:schemeClr>
                           </a:solidFill>
                         </a:rPr>
-                        <a:t>Initiative</a:t>
-                      </a:r>
-                      <a:endParaRPr lang="en-ZA" sz="1600" dirty="0">
-                        <a:solidFill>
-                          <a:schemeClr val="tx1">
-                            <a:lumMod val="75000"/>
-                            <a:lumOff val="25000"/>
-                          </a:schemeClr>
-                        </a:solidFill>
-                      </a:endParaRPr>
-                    </a:p>
-                  </a:txBody>
-                  <a:tcPr anchor="ctr">
-                    <a:lnL w="3175" cap="flat" cmpd="sng" algn="ctr">
-                      <a:solidFill>
-                        <a:schemeClr val="bg1">
-                          <a:lumMod val="75000"/>
-                        </a:schemeClr>
-                      </a:solidFill>
-                      <a:prstDash val="solid"/>
-                      <a:round/>
-                      <a:headEnd type="none" w="med" len="med"/>
-                      <a:tailEnd type="none" w="med" len="med"/>
-                    </a:lnL>
-                    <a:lnR w="3175" cap="flat" cmpd="sng" algn="ctr">
-                      <a:solidFill>
-                        <a:schemeClr val="bg1">
-                          <a:lumMod val="75000"/>
-                        </a:schemeClr>
-                      </a:solidFill>
-                      <a:prstDash val="solid"/>
-                      <a:round/>
-                      <a:headEnd type="none" w="med" len="med"/>
-                      <a:tailEnd type="none" w="med" len="med"/>
-                    </a:lnR>
-                    <a:lnT w="3175" cap="flat" cmpd="sng" algn="ctr">
-                      <a:solidFill>
-                        <a:schemeClr val="bg1">
-                          <a:lumMod val="75000"/>
-                        </a:schemeClr>
-                      </a:solidFill>
-                      <a:prstDash val="solid"/>
-                      <a:round/>
-                      <a:headEnd type="none" w="med" len="med"/>
-                      <a:tailEnd type="none" w="med" len="med"/>
-                    </a:lnT>
-                    <a:lnB w="3175" cap="flat" cmpd="sng" algn="ctr">
-                      <a:solidFill>
-                        <a:schemeClr val="bg1">
-                          <a:lumMod val="75000"/>
-                        </a:schemeClr>
-                      </a:solidFill>
-                      <a:prstDash val="solid"/>
-                      <a:round/>
-                      <a:headEnd type="none" w="med" len="med"/>
-                      <a:tailEnd type="none" w="med" len="med"/>
-                    </a:lnB>
-                    <a:lnTlToBr w="12700" cmpd="sng">
-                      <a:noFill/>
-                      <a:prstDash val="solid"/>
-                    </a:lnTlToBr>
-                    <a:lnBlToTr w="12700" cmpd="sng">
-                      <a:noFill/>
-                      <a:prstDash val="solid"/>
-                    </a:lnBlToTr>
-                    <a:solidFill>
-                      <a:schemeClr val="bg1">
-                        <a:lumMod val="85000"/>
-                      </a:schemeClr>
-                    </a:solidFill>
-                  </a:tcPr>
-                </a:tc>
-                <a:tc>
-                  <a:txBody>
-                    <a:bodyPr/>
-                    <a:lstStyle/>
-                    <a:p>
-                      <a:pPr algn="ctr"/>
-                      <a:r>
-                        <a:rPr lang="en-ZA" sz="1600" dirty="0" smtClean="0">
-                          <a:solidFill>
-                            <a:schemeClr val="tx1">
-                              <a:lumMod val="75000"/>
-                              <a:lumOff val="25000"/>
-                            </a:schemeClr>
-                          </a:solidFill>
-                        </a:rPr>
-                        <a:t>Infrastructure</a:t>
+                        <a:t>2276</a:t>
                       </a:r>
                       <a:endParaRPr lang="en-ZA" sz="1600" dirty="0">
                         <a:solidFill>
@@ -22627,11 +23754,11 @@
                 </a:tc>
                 <a:extLst>
                   <a:ext uri="{0D108BD9-81ED-4DB2-BD59-A6C34878D82A}">
-                    <a16:rowId xmlns:a16="http://schemas.microsoft.com/office/drawing/2014/main" val="3583495943"/>
+                    <a16:rowId xmlns:a16="http://schemas.microsoft.com/office/drawing/2014/main" val="2912132828"/>
                   </a:ext>
                 </a:extLst>
               </a:tr>
-              <a:tr h="749184">
+              <a:tr h="655350">
                 <a:tc>
                   <a:txBody>
                     <a:bodyPr/>
@@ -22640,7 +23767,7 @@
                       <a:pPr algn="ctr"/>
                       <a:r>
                         <a:rPr lang="en-ZA" sz="1600" b="1" dirty="0" smtClean="0"/>
-                        <a:t>Business</a:t>
+                        <a:t>Reshuffled Network</a:t>
                       </a:r>
                       <a:endParaRPr lang="en-ZA" sz="1600" b="1" dirty="0"/>
                     </a:p>
@@ -22696,7 +23823,7 @@
                             </a:schemeClr>
                           </a:solidFill>
                         </a:rPr>
-                        <a:t>Service</a:t>
+                        <a:t>4041</a:t>
                       </a:r>
                       <a:endParaRPr lang="en-ZA" sz="1600" dirty="0">
                         <a:solidFill>
@@ -22783,585 +23910,7 @@
                             </a:schemeClr>
                           </a:solidFill>
                         </a:rPr>
-                        <a:t>Network</a:t>
-                      </a:r>
-                      <a:endParaRPr lang="en-ZA" sz="1600" dirty="0">
-                        <a:solidFill>
-                          <a:schemeClr val="tx1">
-                            <a:lumMod val="75000"/>
-                            <a:lumOff val="25000"/>
-                          </a:schemeClr>
-                        </a:solidFill>
-                      </a:endParaRPr>
-                    </a:p>
-                  </a:txBody>
-                  <a:tcPr anchor="ctr">
-                    <a:lnL w="3175" cap="flat" cmpd="sng" algn="ctr">
-                      <a:solidFill>
-                        <a:schemeClr val="bg1">
-                          <a:lumMod val="75000"/>
-                        </a:schemeClr>
-                      </a:solidFill>
-                      <a:prstDash val="solid"/>
-                      <a:round/>
-                      <a:headEnd type="none" w="med" len="med"/>
-                      <a:tailEnd type="none" w="med" len="med"/>
-                    </a:lnL>
-                    <a:lnR w="3175" cap="flat" cmpd="sng" algn="ctr">
-                      <a:solidFill>
-                        <a:schemeClr val="bg1">
-                          <a:lumMod val="75000"/>
-                        </a:schemeClr>
-                      </a:solidFill>
-                      <a:prstDash val="solid"/>
-                      <a:round/>
-                      <a:headEnd type="none" w="med" len="med"/>
-                      <a:tailEnd type="none" w="med" len="med"/>
-                    </a:lnR>
-                    <a:lnT w="3175" cap="flat" cmpd="sng" algn="ctr">
-                      <a:solidFill>
-                        <a:schemeClr val="bg1">
-                          <a:lumMod val="75000"/>
-                        </a:schemeClr>
-                      </a:solidFill>
-                      <a:prstDash val="solid"/>
-                      <a:round/>
-                      <a:headEnd type="none" w="med" len="med"/>
-                      <a:tailEnd type="none" w="med" len="med"/>
-                    </a:lnT>
-                    <a:lnB w="3175" cap="flat" cmpd="sng" algn="ctr">
-                      <a:solidFill>
-                        <a:schemeClr val="bg1">
-                          <a:lumMod val="75000"/>
-                        </a:schemeClr>
-                      </a:solidFill>
-                      <a:prstDash val="solid"/>
-                      <a:round/>
-                      <a:headEnd type="none" w="med" len="med"/>
-                      <a:tailEnd type="none" w="med" len="med"/>
-                    </a:lnB>
-                    <a:lnTlToBr w="12700" cmpd="sng">
-                      <a:noFill/>
-                      <a:prstDash val="solid"/>
-                    </a:lnTlToBr>
-                    <a:lnBlToTr w="12700" cmpd="sng">
-                      <a:noFill/>
-                      <a:prstDash val="solid"/>
-                    </a:lnBlToTr>
-                    <a:solidFill>
-                      <a:schemeClr val="bg1">
-                        <a:lumMod val="95000"/>
-                      </a:schemeClr>
-                    </a:solidFill>
-                  </a:tcPr>
-                </a:tc>
-                <a:tc>
-                  <a:txBody>
-                    <a:bodyPr/>
-                    <a:lstStyle/>
-                    <a:p>
-                      <a:pPr algn="ctr"/>
-                      <a:r>
-                        <a:rPr lang="en-ZA" sz="1600" dirty="0" smtClean="0">
-                          <a:solidFill>
-                            <a:schemeClr val="tx1">
-                              <a:lumMod val="75000"/>
-                              <a:lumOff val="25000"/>
-                            </a:schemeClr>
-                          </a:solidFill>
-                        </a:rPr>
-                        <a:t>Project</a:t>
-                      </a:r>
-                      <a:endParaRPr lang="en-ZA" sz="1600" dirty="0">
-                        <a:solidFill>
-                          <a:schemeClr val="tx1">
-                            <a:lumMod val="75000"/>
-                            <a:lumOff val="25000"/>
-                          </a:schemeClr>
-                        </a:solidFill>
-                      </a:endParaRPr>
-                    </a:p>
-                  </a:txBody>
-                  <a:tcPr anchor="ctr">
-                    <a:lnL w="3175" cap="flat" cmpd="sng" algn="ctr">
-                      <a:solidFill>
-                        <a:schemeClr val="bg1">
-                          <a:lumMod val="75000"/>
-                        </a:schemeClr>
-                      </a:solidFill>
-                      <a:prstDash val="solid"/>
-                      <a:round/>
-                      <a:headEnd type="none" w="med" len="med"/>
-                      <a:tailEnd type="none" w="med" len="med"/>
-                    </a:lnL>
-                    <a:lnR w="3175" cap="flat" cmpd="sng" algn="ctr">
-                      <a:solidFill>
-                        <a:schemeClr val="bg1">
-                          <a:lumMod val="75000"/>
-                        </a:schemeClr>
-                      </a:solidFill>
-                      <a:prstDash val="solid"/>
-                      <a:round/>
-                      <a:headEnd type="none" w="med" len="med"/>
-                      <a:tailEnd type="none" w="med" len="med"/>
-                    </a:lnR>
-                    <a:lnT w="3175" cap="flat" cmpd="sng" algn="ctr">
-                      <a:solidFill>
-                        <a:schemeClr val="bg1">
-                          <a:lumMod val="75000"/>
-                        </a:schemeClr>
-                      </a:solidFill>
-                      <a:prstDash val="solid"/>
-                      <a:round/>
-                      <a:headEnd type="none" w="med" len="med"/>
-                      <a:tailEnd type="none" w="med" len="med"/>
-                    </a:lnT>
-                    <a:lnB w="3175" cap="flat" cmpd="sng" algn="ctr">
-                      <a:solidFill>
-                        <a:schemeClr val="bg1">
-                          <a:lumMod val="75000"/>
-                        </a:schemeClr>
-                      </a:solidFill>
-                      <a:prstDash val="solid"/>
-                      <a:round/>
-                      <a:headEnd type="none" w="med" len="med"/>
-                      <a:tailEnd type="none" w="med" len="med"/>
-                    </a:lnB>
-                    <a:lnTlToBr w="12700" cmpd="sng">
-                      <a:noFill/>
-                      <a:prstDash val="solid"/>
-                    </a:lnTlToBr>
-                    <a:lnBlToTr w="12700" cmpd="sng">
-                      <a:noFill/>
-                      <a:prstDash val="solid"/>
-                    </a:lnBlToTr>
-                    <a:solidFill>
-                      <a:schemeClr val="bg1">
-                        <a:lumMod val="85000"/>
-                      </a:schemeClr>
-                    </a:solidFill>
-                  </a:tcPr>
-                </a:tc>
-                <a:tc>
-                  <a:txBody>
-                    <a:bodyPr/>
-                    <a:lstStyle/>
-                    <a:p>
-                      <a:pPr algn="ctr"/>
-                      <a:r>
-                        <a:rPr lang="en-ZA" sz="1600" dirty="0" smtClean="0">
-                          <a:solidFill>
-                            <a:schemeClr val="tx1">
-                              <a:lumMod val="75000"/>
-                              <a:lumOff val="25000"/>
-                            </a:schemeClr>
-                          </a:solidFill>
-                        </a:rPr>
-                        <a:t>Platform</a:t>
-                      </a:r>
-                      <a:endParaRPr lang="en-ZA" sz="1600" dirty="0">
-                        <a:solidFill>
-                          <a:schemeClr val="tx1">
-                            <a:lumMod val="75000"/>
-                            <a:lumOff val="25000"/>
-                          </a:schemeClr>
-                        </a:solidFill>
-                      </a:endParaRPr>
-                    </a:p>
-                  </a:txBody>
-                  <a:tcPr anchor="ctr">
-                    <a:lnL w="3175" cap="flat" cmpd="sng" algn="ctr">
-                      <a:solidFill>
-                        <a:schemeClr val="bg1">
-                          <a:lumMod val="75000"/>
-                        </a:schemeClr>
-                      </a:solidFill>
-                      <a:prstDash val="solid"/>
-                      <a:round/>
-                      <a:headEnd type="none" w="med" len="med"/>
-                      <a:tailEnd type="none" w="med" len="med"/>
-                    </a:lnL>
-                    <a:lnR w="3175" cap="flat" cmpd="sng" algn="ctr">
-                      <a:solidFill>
-                        <a:schemeClr val="bg1">
-                          <a:lumMod val="75000"/>
-                        </a:schemeClr>
-                      </a:solidFill>
-                      <a:prstDash val="solid"/>
-                      <a:round/>
-                      <a:headEnd type="none" w="med" len="med"/>
-                      <a:tailEnd type="none" w="med" len="med"/>
-                    </a:lnR>
-                    <a:lnT w="3175" cap="flat" cmpd="sng" algn="ctr">
-                      <a:solidFill>
-                        <a:schemeClr val="bg1">
-                          <a:lumMod val="75000"/>
-                        </a:schemeClr>
-                      </a:solidFill>
-                      <a:prstDash val="solid"/>
-                      <a:round/>
-                      <a:headEnd type="none" w="med" len="med"/>
-                      <a:tailEnd type="none" w="med" len="med"/>
-                    </a:lnT>
-                    <a:lnB w="3175" cap="flat" cmpd="sng" algn="ctr">
-                      <a:solidFill>
-                        <a:schemeClr val="bg1">
-                          <a:lumMod val="75000"/>
-                        </a:schemeClr>
-                      </a:solidFill>
-                      <a:prstDash val="solid"/>
-                      <a:round/>
-                      <a:headEnd type="none" w="med" len="med"/>
-                      <a:tailEnd type="none" w="med" len="med"/>
-                    </a:lnB>
-                    <a:lnTlToBr w="12700" cmpd="sng">
-                      <a:noFill/>
-                      <a:prstDash val="solid"/>
-                    </a:lnTlToBr>
-                    <a:lnBlToTr w="12700" cmpd="sng">
-                      <a:noFill/>
-                      <a:prstDash val="solid"/>
-                    </a:lnBlToTr>
-                    <a:solidFill>
-                      <a:schemeClr val="bg1">
-                        <a:lumMod val="95000"/>
-                      </a:schemeClr>
-                    </a:solidFill>
-                  </a:tcPr>
-                </a:tc>
-                <a:extLst>
-                  <a:ext uri="{0D108BD9-81ED-4DB2-BD59-A6C34878D82A}">
-                    <a16:rowId xmlns:a16="http://schemas.microsoft.com/office/drawing/2014/main" val="2912132828"/>
-                  </a:ext>
-                </a:extLst>
-              </a:tr>
-              <a:tr h="749184">
-                <a:tc>
-                  <a:txBody>
-                    <a:bodyPr/>
-                    <a:lstStyle/>
-                    <a:p>
-                      <a:pPr algn="ctr"/>
-                      <a:r>
-                        <a:rPr lang="en-ZA" sz="1600" b="1" dirty="0" smtClean="0"/>
-                        <a:t>Team Innovation</a:t>
-                      </a:r>
-                      <a:endParaRPr lang="en-ZA" sz="1600" b="1" dirty="0"/>
-                    </a:p>
-                  </a:txBody>
-                  <a:tcPr anchor="ctr">
-                    <a:lnL w="12700" cmpd="sng">
-                      <a:noFill/>
-                    </a:lnL>
-                    <a:lnR w="3175" cap="flat" cmpd="sng" algn="ctr">
-                      <a:solidFill>
-                        <a:schemeClr val="bg1">
-                          <a:lumMod val="75000"/>
-                        </a:schemeClr>
-                      </a:solidFill>
-                      <a:prstDash val="solid"/>
-                      <a:round/>
-                      <a:headEnd type="none" w="med" len="med"/>
-                      <a:tailEnd type="none" w="med" len="med"/>
-                    </a:lnR>
-                    <a:lnT w="12700" cmpd="sng">
-                      <a:noFill/>
-                    </a:lnT>
-                    <a:lnB w="12700" cmpd="sng">
-                      <a:noFill/>
-                    </a:lnB>
-                    <a:lnTlToBr w="12700" cmpd="sng">
-                      <a:noFill/>
-                      <a:prstDash val="solid"/>
-                    </a:lnTlToBr>
-                    <a:lnBlToTr w="12700" cmpd="sng">
-                      <a:noFill/>
-                      <a:prstDash val="solid"/>
-                    </a:lnBlToTr>
-                    <a:solidFill>
-                      <a:schemeClr val="accent1">
-                        <a:lumMod val="50000"/>
-                      </a:schemeClr>
-                    </a:solidFill>
-                  </a:tcPr>
-                </a:tc>
-                <a:tc>
-                  <a:txBody>
-                    <a:bodyPr/>
-                    <a:lstStyle/>
-                    <a:p>
-                      <a:pPr algn="ctr"/>
-                      <a:r>
-                        <a:rPr lang="en-ZA" sz="1600" dirty="0" smtClean="0">
-                          <a:solidFill>
-                            <a:schemeClr val="tx1">
-                              <a:lumMod val="75000"/>
-                              <a:lumOff val="25000"/>
-                            </a:schemeClr>
-                          </a:solidFill>
-                        </a:rPr>
-                        <a:t>Product</a:t>
-                      </a:r>
-                      <a:endParaRPr lang="en-ZA" sz="1600" dirty="0">
-                        <a:solidFill>
-                          <a:schemeClr val="tx1">
-                            <a:lumMod val="75000"/>
-                            <a:lumOff val="25000"/>
-                          </a:schemeClr>
-                        </a:solidFill>
-                      </a:endParaRPr>
-                    </a:p>
-                  </a:txBody>
-                  <a:tcPr anchor="ctr">
-                    <a:lnL w="3175" cap="flat" cmpd="sng" algn="ctr">
-                      <a:solidFill>
-                        <a:schemeClr val="bg1">
-                          <a:lumMod val="75000"/>
-                        </a:schemeClr>
-                      </a:solidFill>
-                      <a:prstDash val="solid"/>
-                      <a:round/>
-                      <a:headEnd type="none" w="med" len="med"/>
-                      <a:tailEnd type="none" w="med" len="med"/>
-                    </a:lnL>
-                    <a:lnR w="3175" cap="flat" cmpd="sng" algn="ctr">
-                      <a:solidFill>
-                        <a:schemeClr val="bg1">
-                          <a:lumMod val="75000"/>
-                        </a:schemeClr>
-                      </a:solidFill>
-                      <a:prstDash val="solid"/>
-                      <a:round/>
-                      <a:headEnd type="none" w="med" len="med"/>
-                      <a:tailEnd type="none" w="med" len="med"/>
-                    </a:lnR>
-                    <a:lnT w="3175" cap="flat" cmpd="sng" algn="ctr">
-                      <a:solidFill>
-                        <a:schemeClr val="bg1">
-                          <a:lumMod val="75000"/>
-                        </a:schemeClr>
-                      </a:solidFill>
-                      <a:prstDash val="solid"/>
-                      <a:round/>
-                      <a:headEnd type="none" w="med" len="med"/>
-                      <a:tailEnd type="none" w="med" len="med"/>
-                    </a:lnT>
-                    <a:lnB w="3175" cap="flat" cmpd="sng" algn="ctr">
-                      <a:solidFill>
-                        <a:schemeClr val="bg1">
-                          <a:lumMod val="75000"/>
-                        </a:schemeClr>
-                      </a:solidFill>
-                      <a:prstDash val="solid"/>
-                      <a:round/>
-                      <a:headEnd type="none" w="med" len="med"/>
-                      <a:tailEnd type="none" w="med" len="med"/>
-                    </a:lnB>
-                    <a:lnTlToBr w="12700" cmpd="sng">
-                      <a:noFill/>
-                      <a:prstDash val="solid"/>
-                    </a:lnTlToBr>
-                    <a:lnBlToTr w="12700" cmpd="sng">
-                      <a:noFill/>
-                      <a:prstDash val="solid"/>
-                    </a:lnBlToTr>
-                    <a:solidFill>
-                      <a:schemeClr val="bg1">
-                        <a:lumMod val="95000"/>
-                      </a:schemeClr>
-                    </a:solidFill>
-                  </a:tcPr>
-                </a:tc>
-                <a:tc>
-                  <a:txBody>
-                    <a:bodyPr/>
-                    <a:lstStyle/>
-                    <a:p>
-                      <a:pPr algn="ctr"/>
-                      <a:r>
-                        <a:rPr lang="en-ZA" sz="1600" dirty="0" smtClean="0">
-                          <a:solidFill>
-                            <a:schemeClr val="tx1">
-                              <a:lumMod val="75000"/>
-                              <a:lumOff val="25000"/>
-                            </a:schemeClr>
-                          </a:solidFill>
-                        </a:rPr>
-                        <a:t>Organization</a:t>
-                      </a:r>
-                      <a:endParaRPr lang="en-ZA" sz="1600" dirty="0">
-                        <a:solidFill>
-                          <a:schemeClr val="tx1">
-                            <a:lumMod val="75000"/>
-                            <a:lumOff val="25000"/>
-                          </a:schemeClr>
-                        </a:solidFill>
-                      </a:endParaRPr>
-                    </a:p>
-                  </a:txBody>
-                  <a:tcPr anchor="ctr">
-                    <a:lnL w="3175" cap="flat" cmpd="sng" algn="ctr">
-                      <a:solidFill>
-                        <a:schemeClr val="bg1">
-                          <a:lumMod val="75000"/>
-                        </a:schemeClr>
-                      </a:solidFill>
-                      <a:prstDash val="solid"/>
-                      <a:round/>
-                      <a:headEnd type="none" w="med" len="med"/>
-                      <a:tailEnd type="none" w="med" len="med"/>
-                    </a:lnL>
-                    <a:lnR w="3175" cap="flat" cmpd="sng" algn="ctr">
-                      <a:solidFill>
-                        <a:schemeClr val="bg1">
-                          <a:lumMod val="75000"/>
-                        </a:schemeClr>
-                      </a:solidFill>
-                      <a:prstDash val="solid"/>
-                      <a:round/>
-                      <a:headEnd type="none" w="med" len="med"/>
-                      <a:tailEnd type="none" w="med" len="med"/>
-                    </a:lnR>
-                    <a:lnT w="3175" cap="flat" cmpd="sng" algn="ctr">
-                      <a:solidFill>
-                        <a:schemeClr val="bg1">
-                          <a:lumMod val="75000"/>
-                        </a:schemeClr>
-                      </a:solidFill>
-                      <a:prstDash val="solid"/>
-                      <a:round/>
-                      <a:headEnd type="none" w="med" len="med"/>
-                      <a:tailEnd type="none" w="med" len="med"/>
-                    </a:lnT>
-                    <a:lnB w="3175" cap="flat" cmpd="sng" algn="ctr">
-                      <a:solidFill>
-                        <a:schemeClr val="bg1">
-                          <a:lumMod val="75000"/>
-                        </a:schemeClr>
-                      </a:solidFill>
-                      <a:prstDash val="solid"/>
-                      <a:round/>
-                      <a:headEnd type="none" w="med" len="med"/>
-                      <a:tailEnd type="none" w="med" len="med"/>
-                    </a:lnB>
-                    <a:lnTlToBr w="12700" cmpd="sng">
-                      <a:noFill/>
-                      <a:prstDash val="solid"/>
-                    </a:lnTlToBr>
-                    <a:lnBlToTr w="12700" cmpd="sng">
-                      <a:noFill/>
-                      <a:prstDash val="solid"/>
-                    </a:lnBlToTr>
-                    <a:solidFill>
-                      <a:schemeClr val="bg1">
-                        <a:lumMod val="95000"/>
-                      </a:schemeClr>
-                    </a:solidFill>
-                  </a:tcPr>
-                </a:tc>
-                <a:tc>
-                  <a:txBody>
-                    <a:bodyPr/>
-                    <a:lstStyle/>
-                    <a:p>
-                      <a:pPr algn="ctr"/>
-                      <a:r>
-                        <a:rPr lang="en-ZA" sz="1600" dirty="0" smtClean="0">
-                          <a:solidFill>
-                            <a:schemeClr val="tx1">
-                              <a:lumMod val="75000"/>
-                              <a:lumOff val="25000"/>
-                            </a:schemeClr>
-                          </a:solidFill>
-                        </a:rPr>
-                        <a:t>Process</a:t>
-                      </a:r>
-                      <a:endParaRPr lang="en-ZA" sz="1600" dirty="0">
-                        <a:solidFill>
-                          <a:schemeClr val="tx1">
-                            <a:lumMod val="75000"/>
-                            <a:lumOff val="25000"/>
-                          </a:schemeClr>
-                        </a:solidFill>
-                      </a:endParaRPr>
-                    </a:p>
-                  </a:txBody>
-                  <a:tcPr anchor="ctr">
-                    <a:lnL w="3175" cap="flat" cmpd="sng" algn="ctr">
-                      <a:solidFill>
-                        <a:schemeClr val="bg1">
-                          <a:lumMod val="75000"/>
-                        </a:schemeClr>
-                      </a:solidFill>
-                      <a:prstDash val="solid"/>
-                      <a:round/>
-                      <a:headEnd type="none" w="med" len="med"/>
-                      <a:tailEnd type="none" w="med" len="med"/>
-                    </a:lnL>
-                    <a:lnR w="3175" cap="flat" cmpd="sng" algn="ctr">
-                      <a:solidFill>
-                        <a:schemeClr val="bg1">
-                          <a:lumMod val="75000"/>
-                        </a:schemeClr>
-                      </a:solidFill>
-                      <a:prstDash val="solid"/>
-                      <a:round/>
-                      <a:headEnd type="none" w="med" len="med"/>
-                      <a:tailEnd type="none" w="med" len="med"/>
-                    </a:lnR>
-                    <a:lnT w="3175" cap="flat" cmpd="sng" algn="ctr">
-                      <a:solidFill>
-                        <a:schemeClr val="bg1">
-                          <a:lumMod val="75000"/>
-                        </a:schemeClr>
-                      </a:solidFill>
-                      <a:prstDash val="solid"/>
-                      <a:round/>
-                      <a:headEnd type="none" w="med" len="med"/>
-                      <a:tailEnd type="none" w="med" len="med"/>
-                    </a:lnT>
-                    <a:lnB w="3175" cap="flat" cmpd="sng" algn="ctr">
-                      <a:solidFill>
-                        <a:schemeClr val="bg1">
-                          <a:lumMod val="75000"/>
-                        </a:schemeClr>
-                      </a:solidFill>
-                      <a:prstDash val="solid"/>
-                      <a:round/>
-                      <a:headEnd type="none" w="med" len="med"/>
-                      <a:tailEnd type="none" w="med" len="med"/>
-                    </a:lnB>
-                    <a:lnTlToBr w="12700" cmpd="sng">
-                      <a:noFill/>
-                      <a:prstDash val="solid"/>
-                    </a:lnTlToBr>
-                    <a:lnBlToTr w="12700" cmpd="sng">
-                      <a:noFill/>
-                      <a:prstDash val="solid"/>
-                    </a:lnBlToTr>
-                    <a:solidFill>
-                      <a:schemeClr val="bg1">
-                        <a:lumMod val="85000"/>
-                      </a:schemeClr>
-                    </a:solidFill>
-                  </a:tcPr>
-                </a:tc>
-                <a:tc>
-                  <a:txBody>
-                    <a:bodyPr/>
-                    <a:lstStyle/>
-                    <a:p>
-                      <a:pPr algn="ctr"/>
-                      <a:r>
-                        <a:rPr lang="en-ZA" sz="1600" dirty="0" smtClean="0">
-                          <a:solidFill>
-                            <a:schemeClr val="tx1">
-                              <a:lumMod val="75000"/>
-                              <a:lumOff val="25000"/>
-                            </a:schemeClr>
-                          </a:solidFill>
-                        </a:rPr>
-                        <a:t>System</a:t>
+                        <a:t>2291</a:t>
                       </a:r>
                       <a:endParaRPr lang="en-ZA" sz="1600" dirty="0">
                         <a:solidFill>
@@ -23436,814 +23985,6 @@
                 <a:extLst>
                   <a:ext uri="{0D108BD9-81ED-4DB2-BD59-A6C34878D82A}">
                     <a16:rowId xmlns:a16="http://schemas.microsoft.com/office/drawing/2014/main" val="1094300830"/>
-                  </a:ext>
-                </a:extLst>
-              </a:tr>
-              <a:tr h="749184">
-                <a:tc>
-                  <a:txBody>
-                    <a:bodyPr/>
-                    <a:lstStyle/>
-                    <a:p>
-                      <a:pPr algn="ctr"/>
-                      <a:r>
-                        <a:rPr lang="en-ZA" sz="1600" b="1" dirty="0" smtClean="0"/>
-                        <a:t>Individual</a:t>
-                      </a:r>
-                      <a:endParaRPr lang="en-ZA" sz="1600" b="1" dirty="0"/>
-                    </a:p>
-                  </a:txBody>
-                  <a:tcPr anchor="ctr">
-                    <a:lnL w="12700" cmpd="sng">
-                      <a:noFill/>
-                    </a:lnL>
-                    <a:lnR w="3175" cap="flat" cmpd="sng" algn="ctr">
-                      <a:solidFill>
-                        <a:schemeClr val="bg1">
-                          <a:lumMod val="75000"/>
-                        </a:schemeClr>
-                      </a:solidFill>
-                      <a:prstDash val="solid"/>
-                      <a:round/>
-                      <a:headEnd type="none" w="med" len="med"/>
-                      <a:tailEnd type="none" w="med" len="med"/>
-                    </a:lnR>
-                    <a:lnT w="12700" cmpd="sng">
-                      <a:noFill/>
-                    </a:lnT>
-                    <a:lnB w="12700" cmpd="sng">
-                      <a:noFill/>
-                    </a:lnB>
-                    <a:lnTlToBr w="12700" cmpd="sng">
-                      <a:noFill/>
-                      <a:prstDash val="solid"/>
-                    </a:lnTlToBr>
-                    <a:lnBlToTr w="12700" cmpd="sng">
-                      <a:noFill/>
-                      <a:prstDash val="solid"/>
-                    </a:lnBlToTr>
-                    <a:solidFill>
-                      <a:schemeClr val="accent1">
-                        <a:lumMod val="50000"/>
-                      </a:schemeClr>
-                    </a:solidFill>
-                  </a:tcPr>
-                </a:tc>
-                <a:tc>
-                  <a:txBody>
-                    <a:bodyPr/>
-                    <a:lstStyle/>
-                    <a:p>
-                      <a:pPr algn="ctr"/>
-                      <a:r>
-                        <a:rPr lang="en-ZA" sz="1600" dirty="0" smtClean="0">
-                          <a:solidFill>
-                            <a:schemeClr val="tx1">
-                              <a:lumMod val="75000"/>
-                              <a:lumOff val="25000"/>
-                            </a:schemeClr>
-                          </a:solidFill>
-                        </a:rPr>
-                        <a:t>Information</a:t>
-                      </a:r>
-                      <a:endParaRPr lang="en-ZA" sz="1600" dirty="0">
-                        <a:solidFill>
-                          <a:schemeClr val="tx1">
-                            <a:lumMod val="75000"/>
-                            <a:lumOff val="25000"/>
-                          </a:schemeClr>
-                        </a:solidFill>
-                      </a:endParaRPr>
-                    </a:p>
-                  </a:txBody>
-                  <a:tcPr anchor="ctr">
-                    <a:lnL w="3175" cap="flat" cmpd="sng" algn="ctr">
-                      <a:solidFill>
-                        <a:schemeClr val="bg1">
-                          <a:lumMod val="75000"/>
-                        </a:schemeClr>
-                      </a:solidFill>
-                      <a:prstDash val="solid"/>
-                      <a:round/>
-                      <a:headEnd type="none" w="med" len="med"/>
-                      <a:tailEnd type="none" w="med" len="med"/>
-                    </a:lnL>
-                    <a:lnR w="3175" cap="flat" cmpd="sng" algn="ctr">
-                      <a:solidFill>
-                        <a:schemeClr val="bg1">
-                          <a:lumMod val="75000"/>
-                        </a:schemeClr>
-                      </a:solidFill>
-                      <a:prstDash val="solid"/>
-                      <a:round/>
-                      <a:headEnd type="none" w="med" len="med"/>
-                      <a:tailEnd type="none" w="med" len="med"/>
-                    </a:lnR>
-                    <a:lnT w="3175" cap="flat" cmpd="sng" algn="ctr">
-                      <a:solidFill>
-                        <a:schemeClr val="bg1">
-                          <a:lumMod val="75000"/>
-                        </a:schemeClr>
-                      </a:solidFill>
-                      <a:prstDash val="solid"/>
-                      <a:round/>
-                      <a:headEnd type="none" w="med" len="med"/>
-                      <a:tailEnd type="none" w="med" len="med"/>
-                    </a:lnT>
-                    <a:lnB w="3175" cap="flat" cmpd="sng" algn="ctr">
-                      <a:solidFill>
-                        <a:schemeClr val="bg1">
-                          <a:lumMod val="75000"/>
-                        </a:schemeClr>
-                      </a:solidFill>
-                      <a:prstDash val="solid"/>
-                      <a:round/>
-                      <a:headEnd type="none" w="med" len="med"/>
-                      <a:tailEnd type="none" w="med" len="med"/>
-                    </a:lnB>
-                    <a:lnTlToBr w="12700" cmpd="sng">
-                      <a:noFill/>
-                      <a:prstDash val="solid"/>
-                    </a:lnTlToBr>
-                    <a:lnBlToTr w="12700" cmpd="sng">
-                      <a:noFill/>
-                      <a:prstDash val="solid"/>
-                    </a:lnBlToTr>
-                    <a:solidFill>
-                      <a:schemeClr val="bg1">
-                        <a:lumMod val="95000"/>
-                      </a:schemeClr>
-                    </a:solidFill>
-                  </a:tcPr>
-                </a:tc>
-                <a:tc>
-                  <a:txBody>
-                    <a:bodyPr/>
-                    <a:lstStyle/>
-                    <a:p>
-                      <a:pPr algn="ctr"/>
-                      <a:r>
-                        <a:rPr lang="en-ZA" sz="1600" dirty="0" smtClean="0">
-                          <a:solidFill>
-                            <a:schemeClr val="tx1">
-                              <a:lumMod val="75000"/>
-                              <a:lumOff val="25000"/>
-                            </a:schemeClr>
-                          </a:solidFill>
-                        </a:rPr>
-                        <a:t>Role</a:t>
-                      </a:r>
-                      <a:endParaRPr lang="en-ZA" sz="1600" dirty="0">
-                        <a:solidFill>
-                          <a:schemeClr val="tx1">
-                            <a:lumMod val="75000"/>
-                            <a:lumOff val="25000"/>
-                          </a:schemeClr>
-                        </a:solidFill>
-                      </a:endParaRPr>
-                    </a:p>
-                  </a:txBody>
-                  <a:tcPr anchor="ctr">
-                    <a:lnL w="3175" cap="flat" cmpd="sng" algn="ctr">
-                      <a:solidFill>
-                        <a:schemeClr val="bg1">
-                          <a:lumMod val="75000"/>
-                        </a:schemeClr>
-                      </a:solidFill>
-                      <a:prstDash val="solid"/>
-                      <a:round/>
-                      <a:headEnd type="none" w="med" len="med"/>
-                      <a:tailEnd type="none" w="med" len="med"/>
-                    </a:lnL>
-                    <a:lnR w="3175" cap="flat" cmpd="sng" algn="ctr">
-                      <a:solidFill>
-                        <a:schemeClr val="bg1">
-                          <a:lumMod val="75000"/>
-                        </a:schemeClr>
-                      </a:solidFill>
-                      <a:prstDash val="solid"/>
-                      <a:round/>
-                      <a:headEnd type="none" w="med" len="med"/>
-                      <a:tailEnd type="none" w="med" len="med"/>
-                    </a:lnR>
-                    <a:lnT w="3175" cap="flat" cmpd="sng" algn="ctr">
-                      <a:solidFill>
-                        <a:schemeClr val="bg1">
-                          <a:lumMod val="75000"/>
-                        </a:schemeClr>
-                      </a:solidFill>
-                      <a:prstDash val="solid"/>
-                      <a:round/>
-                      <a:headEnd type="none" w="med" len="med"/>
-                      <a:tailEnd type="none" w="med" len="med"/>
-                    </a:lnT>
-                    <a:lnB w="3175" cap="flat" cmpd="sng" algn="ctr">
-                      <a:solidFill>
-                        <a:schemeClr val="bg1">
-                          <a:lumMod val="75000"/>
-                        </a:schemeClr>
-                      </a:solidFill>
-                      <a:prstDash val="solid"/>
-                      <a:round/>
-                      <a:headEnd type="none" w="med" len="med"/>
-                      <a:tailEnd type="none" w="med" len="med"/>
-                    </a:lnB>
-                    <a:lnTlToBr w="12700" cmpd="sng">
-                      <a:noFill/>
-                      <a:prstDash val="solid"/>
-                    </a:lnTlToBr>
-                    <a:lnBlToTr w="12700" cmpd="sng">
-                      <a:noFill/>
-                      <a:prstDash val="solid"/>
-                    </a:lnBlToTr>
-                    <a:solidFill>
-                      <a:schemeClr val="bg1">
-                        <a:lumMod val="95000"/>
-                      </a:schemeClr>
-                    </a:solidFill>
-                  </a:tcPr>
-                </a:tc>
-                <a:tc>
-                  <a:txBody>
-                    <a:bodyPr/>
-                    <a:lstStyle/>
-                    <a:p>
-                      <a:pPr algn="ctr"/>
-                      <a:r>
-                        <a:rPr lang="en-ZA" sz="1600" dirty="0" smtClean="0">
-                          <a:solidFill>
-                            <a:schemeClr val="tx1">
-                              <a:lumMod val="75000"/>
-                              <a:lumOff val="25000"/>
-                            </a:schemeClr>
-                          </a:solidFill>
-                        </a:rPr>
-                        <a:t>Task</a:t>
-                      </a:r>
-                      <a:endParaRPr lang="en-ZA" sz="1600" dirty="0">
-                        <a:solidFill>
-                          <a:schemeClr val="tx1">
-                            <a:lumMod val="75000"/>
-                            <a:lumOff val="25000"/>
-                          </a:schemeClr>
-                        </a:solidFill>
-                      </a:endParaRPr>
-                    </a:p>
-                  </a:txBody>
-                  <a:tcPr anchor="ctr">
-                    <a:lnL w="3175" cap="flat" cmpd="sng" algn="ctr">
-                      <a:solidFill>
-                        <a:schemeClr val="bg1">
-                          <a:lumMod val="75000"/>
-                        </a:schemeClr>
-                      </a:solidFill>
-                      <a:prstDash val="solid"/>
-                      <a:round/>
-                      <a:headEnd type="none" w="med" len="med"/>
-                      <a:tailEnd type="none" w="med" len="med"/>
-                    </a:lnL>
-                    <a:lnR w="3175" cap="flat" cmpd="sng" algn="ctr">
-                      <a:solidFill>
-                        <a:schemeClr val="bg1">
-                          <a:lumMod val="75000"/>
-                        </a:schemeClr>
-                      </a:solidFill>
-                      <a:prstDash val="solid"/>
-                      <a:round/>
-                      <a:headEnd type="none" w="med" len="med"/>
-                      <a:tailEnd type="none" w="med" len="med"/>
-                    </a:lnR>
-                    <a:lnT w="3175" cap="flat" cmpd="sng" algn="ctr">
-                      <a:solidFill>
-                        <a:schemeClr val="bg1">
-                          <a:lumMod val="75000"/>
-                        </a:schemeClr>
-                      </a:solidFill>
-                      <a:prstDash val="solid"/>
-                      <a:round/>
-                      <a:headEnd type="none" w="med" len="med"/>
-                      <a:tailEnd type="none" w="med" len="med"/>
-                    </a:lnT>
-                    <a:lnB w="3175" cap="flat" cmpd="sng" algn="ctr">
-                      <a:solidFill>
-                        <a:schemeClr val="bg1">
-                          <a:lumMod val="75000"/>
-                        </a:schemeClr>
-                      </a:solidFill>
-                      <a:prstDash val="solid"/>
-                      <a:round/>
-                      <a:headEnd type="none" w="med" len="med"/>
-                      <a:tailEnd type="none" w="med" len="med"/>
-                    </a:lnB>
-                    <a:lnTlToBr w="12700" cmpd="sng">
-                      <a:noFill/>
-                      <a:prstDash val="solid"/>
-                    </a:lnTlToBr>
-                    <a:lnBlToTr w="12700" cmpd="sng">
-                      <a:noFill/>
-                      <a:prstDash val="solid"/>
-                    </a:lnBlToTr>
-                    <a:solidFill>
-                      <a:schemeClr val="bg1">
-                        <a:lumMod val="85000"/>
-                      </a:schemeClr>
-                    </a:solidFill>
-                  </a:tcPr>
-                </a:tc>
-                <a:tc>
-                  <a:txBody>
-                    <a:bodyPr/>
-                    <a:lstStyle/>
-                    <a:p>
-                      <a:pPr algn="ctr"/>
-                      <a:r>
-                        <a:rPr lang="en-ZA" sz="1600" dirty="0" smtClean="0">
-                          <a:solidFill>
-                            <a:schemeClr val="tx1">
-                              <a:lumMod val="75000"/>
-                              <a:lumOff val="25000"/>
-                            </a:schemeClr>
-                          </a:solidFill>
-                        </a:rPr>
-                        <a:t>View</a:t>
-                      </a:r>
-                      <a:endParaRPr lang="en-ZA" sz="1600" dirty="0">
-                        <a:solidFill>
-                          <a:schemeClr val="tx1">
-                            <a:lumMod val="75000"/>
-                            <a:lumOff val="25000"/>
-                          </a:schemeClr>
-                        </a:solidFill>
-                      </a:endParaRPr>
-                    </a:p>
-                  </a:txBody>
-                  <a:tcPr anchor="ctr">
-                    <a:lnL w="3175" cap="flat" cmpd="sng" algn="ctr">
-                      <a:solidFill>
-                        <a:schemeClr val="bg1">
-                          <a:lumMod val="75000"/>
-                        </a:schemeClr>
-                      </a:solidFill>
-                      <a:prstDash val="solid"/>
-                      <a:round/>
-                      <a:headEnd type="none" w="med" len="med"/>
-                      <a:tailEnd type="none" w="med" len="med"/>
-                    </a:lnL>
-                    <a:lnR w="3175" cap="flat" cmpd="sng" algn="ctr">
-                      <a:solidFill>
-                        <a:schemeClr val="bg1">
-                          <a:lumMod val="75000"/>
-                        </a:schemeClr>
-                      </a:solidFill>
-                      <a:prstDash val="solid"/>
-                      <a:round/>
-                      <a:headEnd type="none" w="med" len="med"/>
-                      <a:tailEnd type="none" w="med" len="med"/>
-                    </a:lnR>
-                    <a:lnT w="3175" cap="flat" cmpd="sng" algn="ctr">
-                      <a:solidFill>
-                        <a:schemeClr val="bg1">
-                          <a:lumMod val="75000"/>
-                        </a:schemeClr>
-                      </a:solidFill>
-                      <a:prstDash val="solid"/>
-                      <a:round/>
-                      <a:headEnd type="none" w="med" len="med"/>
-                      <a:tailEnd type="none" w="med" len="med"/>
-                    </a:lnT>
-                    <a:lnB w="3175" cap="flat" cmpd="sng" algn="ctr">
-                      <a:solidFill>
-                        <a:schemeClr val="bg1">
-                          <a:lumMod val="75000"/>
-                        </a:schemeClr>
-                      </a:solidFill>
-                      <a:prstDash val="solid"/>
-                      <a:round/>
-                      <a:headEnd type="none" w="med" len="med"/>
-                      <a:tailEnd type="none" w="med" len="med"/>
-                    </a:lnB>
-                    <a:lnTlToBr w="12700" cmpd="sng">
-                      <a:noFill/>
-                      <a:prstDash val="solid"/>
-                    </a:lnTlToBr>
-                    <a:lnBlToTr w="12700" cmpd="sng">
-                      <a:noFill/>
-                      <a:prstDash val="solid"/>
-                    </a:lnBlToTr>
-                    <a:solidFill>
-                      <a:schemeClr val="bg1">
-                        <a:lumMod val="95000"/>
-                      </a:schemeClr>
-                    </a:solidFill>
-                  </a:tcPr>
-                </a:tc>
-                <a:extLst>
-                  <a:ext uri="{0D108BD9-81ED-4DB2-BD59-A6C34878D82A}">
-                    <a16:rowId xmlns:a16="http://schemas.microsoft.com/office/drawing/2014/main" val="1687728417"/>
-                  </a:ext>
-                </a:extLst>
-              </a:tr>
-              <a:tr h="749184">
-                <a:tc>
-                  <a:txBody>
-                    <a:bodyPr/>
-                    <a:lstStyle/>
-                    <a:p>
-                      <a:pPr algn="ctr"/>
-                      <a:r>
-                        <a:rPr lang="en-ZA" sz="1600" b="1" dirty="0" smtClean="0"/>
-                        <a:t>Software</a:t>
-                      </a:r>
-                      <a:endParaRPr lang="en-ZA" sz="1600" b="1" dirty="0"/>
-                    </a:p>
-                  </a:txBody>
-                  <a:tcPr anchor="ctr">
-                    <a:lnL w="12700" cmpd="sng">
-                      <a:noFill/>
-                    </a:lnL>
-                    <a:lnR w="3175" cap="flat" cmpd="sng" algn="ctr">
-                      <a:solidFill>
-                        <a:schemeClr val="bg1">
-                          <a:lumMod val="75000"/>
-                        </a:schemeClr>
-                      </a:solidFill>
-                      <a:prstDash val="solid"/>
-                      <a:round/>
-                      <a:headEnd type="none" w="med" len="med"/>
-                      <a:tailEnd type="none" w="med" len="med"/>
-                    </a:lnR>
-                    <a:lnT w="12700" cmpd="sng">
-                      <a:noFill/>
-                    </a:lnT>
-                    <a:lnB w="12700" cmpd="sng">
-                      <a:noFill/>
-                    </a:lnB>
-                    <a:lnTlToBr w="12700" cmpd="sng">
-                      <a:noFill/>
-                      <a:prstDash val="solid"/>
-                    </a:lnTlToBr>
-                    <a:lnBlToTr w="12700" cmpd="sng">
-                      <a:noFill/>
-                      <a:prstDash val="solid"/>
-                    </a:lnBlToTr>
-                    <a:solidFill>
-                      <a:schemeClr val="accent1">
-                        <a:lumMod val="50000"/>
-                      </a:schemeClr>
-                    </a:solidFill>
-                  </a:tcPr>
-                </a:tc>
-                <a:tc>
-                  <a:txBody>
-                    <a:bodyPr/>
-                    <a:lstStyle/>
-                    <a:p>
-                      <a:pPr algn="ctr"/>
-                      <a:r>
-                        <a:rPr lang="en-ZA" sz="1600" dirty="0" smtClean="0">
-                          <a:solidFill>
-                            <a:schemeClr val="tx1">
-                              <a:lumMod val="75000"/>
-                              <a:lumOff val="25000"/>
-                            </a:schemeClr>
-                          </a:solidFill>
-                        </a:rPr>
-                        <a:t>Data</a:t>
-                      </a:r>
-                      <a:endParaRPr lang="en-ZA" sz="1600" dirty="0">
-                        <a:solidFill>
-                          <a:schemeClr val="tx1">
-                            <a:lumMod val="75000"/>
-                            <a:lumOff val="25000"/>
-                          </a:schemeClr>
-                        </a:solidFill>
-                      </a:endParaRPr>
-                    </a:p>
-                  </a:txBody>
-                  <a:tcPr anchor="ctr">
-                    <a:lnL w="3175" cap="flat" cmpd="sng" algn="ctr">
-                      <a:solidFill>
-                        <a:schemeClr val="bg1">
-                          <a:lumMod val="75000"/>
-                        </a:schemeClr>
-                      </a:solidFill>
-                      <a:prstDash val="solid"/>
-                      <a:round/>
-                      <a:headEnd type="none" w="med" len="med"/>
-                      <a:tailEnd type="none" w="med" len="med"/>
-                    </a:lnL>
-                    <a:lnR w="3175" cap="flat" cmpd="sng" algn="ctr">
-                      <a:solidFill>
-                        <a:schemeClr val="bg1">
-                          <a:lumMod val="75000"/>
-                        </a:schemeClr>
-                      </a:solidFill>
-                      <a:prstDash val="solid"/>
-                      <a:round/>
-                      <a:headEnd type="none" w="med" len="med"/>
-                      <a:tailEnd type="none" w="med" len="med"/>
-                    </a:lnR>
-                    <a:lnT w="3175" cap="flat" cmpd="sng" algn="ctr">
-                      <a:solidFill>
-                        <a:schemeClr val="bg1">
-                          <a:lumMod val="75000"/>
-                        </a:schemeClr>
-                      </a:solidFill>
-                      <a:prstDash val="solid"/>
-                      <a:round/>
-                      <a:headEnd type="none" w="med" len="med"/>
-                      <a:tailEnd type="none" w="med" len="med"/>
-                    </a:lnT>
-                    <a:lnB w="3175" cap="flat" cmpd="sng" algn="ctr">
-                      <a:solidFill>
-                        <a:schemeClr val="bg1">
-                          <a:lumMod val="75000"/>
-                        </a:schemeClr>
-                      </a:solidFill>
-                      <a:prstDash val="solid"/>
-                      <a:round/>
-                      <a:headEnd type="none" w="med" len="med"/>
-                      <a:tailEnd type="none" w="med" len="med"/>
-                    </a:lnB>
-                    <a:lnTlToBr w="12700" cmpd="sng">
-                      <a:noFill/>
-                      <a:prstDash val="solid"/>
-                    </a:lnTlToBr>
-                    <a:lnBlToTr w="12700" cmpd="sng">
-                      <a:noFill/>
-                      <a:prstDash val="solid"/>
-                    </a:lnBlToTr>
-                    <a:solidFill>
-                      <a:schemeClr val="bg1">
-                        <a:lumMod val="95000"/>
-                      </a:schemeClr>
-                    </a:solidFill>
-                  </a:tcPr>
-                </a:tc>
-                <a:tc>
-                  <a:txBody>
-                    <a:bodyPr/>
-                    <a:lstStyle/>
-                    <a:p>
-                      <a:pPr algn="ctr"/>
-                      <a:r>
-                        <a:rPr lang="en-ZA" sz="1600" dirty="0" smtClean="0">
-                          <a:solidFill>
-                            <a:schemeClr val="tx1">
-                              <a:lumMod val="75000"/>
-                              <a:lumOff val="25000"/>
-                            </a:schemeClr>
-                          </a:solidFill>
-                        </a:rPr>
-                        <a:t>User</a:t>
-                      </a:r>
-                      <a:endParaRPr lang="en-ZA" sz="1600" dirty="0">
-                        <a:solidFill>
-                          <a:schemeClr val="tx1">
-                            <a:lumMod val="75000"/>
-                            <a:lumOff val="25000"/>
-                          </a:schemeClr>
-                        </a:solidFill>
-                      </a:endParaRPr>
-                    </a:p>
-                  </a:txBody>
-                  <a:tcPr anchor="ctr">
-                    <a:lnL w="3175" cap="flat" cmpd="sng" algn="ctr">
-                      <a:solidFill>
-                        <a:schemeClr val="bg1">
-                          <a:lumMod val="75000"/>
-                        </a:schemeClr>
-                      </a:solidFill>
-                      <a:prstDash val="solid"/>
-                      <a:round/>
-                      <a:headEnd type="none" w="med" len="med"/>
-                      <a:tailEnd type="none" w="med" len="med"/>
-                    </a:lnL>
-                    <a:lnR w="3175" cap="flat" cmpd="sng" algn="ctr">
-                      <a:solidFill>
-                        <a:schemeClr val="bg1">
-                          <a:lumMod val="75000"/>
-                        </a:schemeClr>
-                      </a:solidFill>
-                      <a:prstDash val="solid"/>
-                      <a:round/>
-                      <a:headEnd type="none" w="med" len="med"/>
-                      <a:tailEnd type="none" w="med" len="med"/>
-                    </a:lnR>
-                    <a:lnT w="3175" cap="flat" cmpd="sng" algn="ctr">
-                      <a:solidFill>
-                        <a:schemeClr val="bg1">
-                          <a:lumMod val="75000"/>
-                        </a:schemeClr>
-                      </a:solidFill>
-                      <a:prstDash val="solid"/>
-                      <a:round/>
-                      <a:headEnd type="none" w="med" len="med"/>
-                      <a:tailEnd type="none" w="med" len="med"/>
-                    </a:lnT>
-                    <a:lnB w="3175" cap="flat" cmpd="sng" algn="ctr">
-                      <a:solidFill>
-                        <a:schemeClr val="bg1">
-                          <a:lumMod val="75000"/>
-                        </a:schemeClr>
-                      </a:solidFill>
-                      <a:prstDash val="solid"/>
-                      <a:round/>
-                      <a:headEnd type="none" w="med" len="med"/>
-                      <a:tailEnd type="none" w="med" len="med"/>
-                    </a:lnB>
-                    <a:lnTlToBr w="12700" cmpd="sng">
-                      <a:noFill/>
-                      <a:prstDash val="solid"/>
-                    </a:lnTlToBr>
-                    <a:lnBlToTr w="12700" cmpd="sng">
-                      <a:noFill/>
-                      <a:prstDash val="solid"/>
-                    </a:lnBlToTr>
-                    <a:solidFill>
-                      <a:schemeClr val="bg1">
-                        <a:lumMod val="95000"/>
-                      </a:schemeClr>
-                    </a:solidFill>
-                  </a:tcPr>
-                </a:tc>
-                <a:tc>
-                  <a:txBody>
-                    <a:bodyPr/>
-                    <a:lstStyle/>
-                    <a:p>
-                      <a:pPr algn="ctr"/>
-                      <a:r>
-                        <a:rPr lang="en-ZA" sz="1600" dirty="0" smtClean="0">
-                          <a:solidFill>
-                            <a:schemeClr val="tx1">
-                              <a:lumMod val="75000"/>
-                              <a:lumOff val="25000"/>
-                            </a:schemeClr>
-                          </a:solidFill>
-                        </a:rPr>
-                        <a:t>Code</a:t>
-                      </a:r>
-                      <a:endParaRPr lang="en-ZA" sz="1600" dirty="0">
-                        <a:solidFill>
-                          <a:schemeClr val="tx1">
-                            <a:lumMod val="75000"/>
-                            <a:lumOff val="25000"/>
-                          </a:schemeClr>
-                        </a:solidFill>
-                      </a:endParaRPr>
-                    </a:p>
-                  </a:txBody>
-                  <a:tcPr anchor="ctr">
-                    <a:lnL w="3175" cap="flat" cmpd="sng" algn="ctr">
-                      <a:solidFill>
-                        <a:schemeClr val="bg1">
-                          <a:lumMod val="75000"/>
-                        </a:schemeClr>
-                      </a:solidFill>
-                      <a:prstDash val="solid"/>
-                      <a:round/>
-                      <a:headEnd type="none" w="med" len="med"/>
-                      <a:tailEnd type="none" w="med" len="med"/>
-                    </a:lnL>
-                    <a:lnR w="3175" cap="flat" cmpd="sng" algn="ctr">
-                      <a:solidFill>
-                        <a:schemeClr val="bg1">
-                          <a:lumMod val="75000"/>
-                        </a:schemeClr>
-                      </a:solidFill>
-                      <a:prstDash val="solid"/>
-                      <a:round/>
-                      <a:headEnd type="none" w="med" len="med"/>
-                      <a:tailEnd type="none" w="med" len="med"/>
-                    </a:lnR>
-                    <a:lnT w="3175" cap="flat" cmpd="sng" algn="ctr">
-                      <a:solidFill>
-                        <a:schemeClr val="bg1">
-                          <a:lumMod val="75000"/>
-                        </a:schemeClr>
-                      </a:solidFill>
-                      <a:prstDash val="solid"/>
-                      <a:round/>
-                      <a:headEnd type="none" w="med" len="med"/>
-                      <a:tailEnd type="none" w="med" len="med"/>
-                    </a:lnT>
-                    <a:lnB w="3175" cap="flat" cmpd="sng" algn="ctr">
-                      <a:solidFill>
-                        <a:schemeClr val="bg1">
-                          <a:lumMod val="75000"/>
-                        </a:schemeClr>
-                      </a:solidFill>
-                      <a:prstDash val="solid"/>
-                      <a:round/>
-                      <a:headEnd type="none" w="med" len="med"/>
-                      <a:tailEnd type="none" w="med" len="med"/>
-                    </a:lnB>
-                    <a:lnTlToBr w="12700" cmpd="sng">
-                      <a:noFill/>
-                      <a:prstDash val="solid"/>
-                    </a:lnTlToBr>
-                    <a:lnBlToTr w="12700" cmpd="sng">
-                      <a:noFill/>
-                      <a:prstDash val="solid"/>
-                    </a:lnBlToTr>
-                    <a:solidFill>
-                      <a:schemeClr val="bg1">
-                        <a:lumMod val="85000"/>
-                      </a:schemeClr>
-                    </a:solidFill>
-                  </a:tcPr>
-                </a:tc>
-                <a:tc>
-                  <a:txBody>
-                    <a:bodyPr/>
-                    <a:lstStyle/>
-                    <a:p>
-                      <a:pPr algn="ctr"/>
-                      <a:r>
-                        <a:rPr lang="en-ZA" sz="1600" dirty="0" smtClean="0">
-                          <a:solidFill>
-                            <a:schemeClr val="tx1">
-                              <a:lumMod val="75000"/>
-                              <a:lumOff val="25000"/>
-                            </a:schemeClr>
-                          </a:solidFill>
-                        </a:rPr>
-                        <a:t>Programming</a:t>
-                      </a:r>
-                      <a:endParaRPr lang="en-ZA" sz="1600" dirty="0">
-                        <a:solidFill>
-                          <a:schemeClr val="tx1">
-                            <a:lumMod val="75000"/>
-                            <a:lumOff val="25000"/>
-                          </a:schemeClr>
-                        </a:solidFill>
-                      </a:endParaRPr>
-                    </a:p>
-                  </a:txBody>
-                  <a:tcPr anchor="ctr">
-                    <a:lnL w="3175" cap="flat" cmpd="sng" algn="ctr">
-                      <a:solidFill>
-                        <a:schemeClr val="bg1">
-                          <a:lumMod val="75000"/>
-                        </a:schemeClr>
-                      </a:solidFill>
-                      <a:prstDash val="solid"/>
-                      <a:round/>
-                      <a:headEnd type="none" w="med" len="med"/>
-                      <a:tailEnd type="none" w="med" len="med"/>
-                    </a:lnL>
-                    <a:lnR w="3175" cap="flat" cmpd="sng" algn="ctr">
-                      <a:solidFill>
-                        <a:schemeClr val="bg1">
-                          <a:lumMod val="75000"/>
-                        </a:schemeClr>
-                      </a:solidFill>
-                      <a:prstDash val="solid"/>
-                      <a:round/>
-                      <a:headEnd type="none" w="med" len="med"/>
-                      <a:tailEnd type="none" w="med" len="med"/>
-                    </a:lnR>
-                    <a:lnT w="3175" cap="flat" cmpd="sng" algn="ctr">
-                      <a:solidFill>
-                        <a:schemeClr val="bg1">
-                          <a:lumMod val="75000"/>
-                        </a:schemeClr>
-                      </a:solidFill>
-                      <a:prstDash val="solid"/>
-                      <a:round/>
-                      <a:headEnd type="none" w="med" len="med"/>
-                      <a:tailEnd type="none" w="med" len="med"/>
-                    </a:lnT>
-                    <a:lnB w="3175" cap="flat" cmpd="sng" algn="ctr">
-                      <a:solidFill>
-                        <a:schemeClr val="bg1">
-                          <a:lumMod val="75000"/>
-                        </a:schemeClr>
-                      </a:solidFill>
-                      <a:prstDash val="solid"/>
-                      <a:round/>
-                      <a:headEnd type="none" w="med" len="med"/>
-                      <a:tailEnd type="none" w="med" len="med"/>
-                    </a:lnB>
-                    <a:lnTlToBr w="12700" cmpd="sng">
-                      <a:noFill/>
-                      <a:prstDash val="solid"/>
-                    </a:lnTlToBr>
-                    <a:lnBlToTr w="12700" cmpd="sng">
-                      <a:noFill/>
-                      <a:prstDash val="solid"/>
-                    </a:lnBlToTr>
-                    <a:solidFill>
-                      <a:schemeClr val="bg1">
-                        <a:lumMod val="95000"/>
-                      </a:schemeClr>
-                    </a:solidFill>
-                  </a:tcPr>
-                </a:tc>
-                <a:extLst>
-                  <a:ext uri="{0D108BD9-81ED-4DB2-BD59-A6C34878D82A}">
-                    <a16:rowId xmlns:a16="http://schemas.microsoft.com/office/drawing/2014/main" val="3857078208"/>
                   </a:ext>
                 </a:extLst>
               </a:tr>

--- a/15_I3B326_Vatsa_Kush.pptx
+++ b/15_I3B326_Vatsa_Kush.pptx
@@ -237,7 +237,7 @@
           <a:p>
             <a:fld id="{0DD51EFA-6533-45C3-8394-23FFC04F750D}" type="datetimeFigureOut">
               <a:rPr lang="en-US" smtClean="0"/>
-              <a:t>12/6/2021</a:t>
+              <a:t>12/10/2021</a:t>
             </a:fld>
             <a:endParaRPr lang="en-US" dirty="0"/>
           </a:p>
@@ -414,7 +414,7 @@
           <a:p>
             <a:fld id="{B7B4C180-10CF-422C-B717-65F1B78C7EB7}" type="datetimeFigureOut">
               <a:rPr lang="en-US" noProof="0" smtClean="0"/>
-              <a:t>12/6/2021</a:t>
+              <a:t>12/10/2021</a:t>
             </a:fld>
             <a:endParaRPr lang="en-US" noProof="0" dirty="0"/>
           </a:p>
@@ -16708,7 +16708,7 @@
                 <a16:creationId xmlns:a16="http://schemas.microsoft.com/office/drawing/2014/main" id="{68893E2F-227D-4472-B59F-3DEBF46C0EDC}"/>
               </a:ext>
               <a:ext uri="{C183D7F6-B498-43B3-948B-1728B52AA6E4}">
-                <adec:decorative xmlns="" xmlns:adec="http://schemas.microsoft.com/office/drawing/2017/decorative" val="1"/>
+                <adec:decorative xmlns:adec="http://schemas.microsoft.com/office/drawing/2017/decorative" xmlns="" val="1"/>
               </a:ext>
             </a:extLst>
           </p:cNvPr>
@@ -16878,26 +16878,7 @@
                   <a:lin ang="0" scaled="0"/>
                 </a:gradFill>
               </a:rPr>
-              <a:t>PROJECT 15: BKK </a:t>
-            </a:r>
-            <a:r>
-              <a:rPr lang="en-US" sz="6000" b="1" dirty="0" smtClean="0">
-                <a:gradFill>
-                  <a:gsLst>
-                    <a:gs pos="0">
-                      <a:schemeClr val="accent1"/>
-                    </a:gs>
-                    <a:gs pos="51300">
-                      <a:schemeClr val="accent2"/>
-                    </a:gs>
-                    <a:gs pos="100000">
-                      <a:schemeClr val="accent3"/>
-                    </a:gs>
-                  </a:gsLst>
-                  <a:lin ang="0" scaled="0"/>
-                </a:gradFill>
-              </a:rPr>
-              <a:t>– STATION VISITING</a:t>
+              <a:t>PROJECT 15: BKK – STATION VISITING</a:t>
             </a:r>
             <a:endParaRPr lang="en-US" sz="6000" b="1" dirty="0">
               <a:gradFill>
@@ -17854,7 +17835,7 @@
           <p:nvPr>
             <p:extLst>
               <p:ext uri="{D42A27DB-BD31-4B8C-83A1-F6EECF244321}">
-                <p14:modId xmlns:p14="http://schemas.microsoft.com/office/powerpoint/2010/main" val="3407925015"/>
+                <p14:modId xmlns:p14="http://schemas.microsoft.com/office/powerpoint/2010/main" val="454983326"/>
               </p:ext>
             </p:extLst>
           </p:nvPr>
@@ -17999,7 +17980,13 @@
                         <a:rPr lang="en-ZA" sz="1600" b="0" baseline="0" dirty="0" smtClean="0">
                           <a:latin typeface="+mn-lt"/>
                         </a:rPr>
-                        <a:t>New Nodes</a:t>
+                        <a:t>New </a:t>
+                      </a:r>
+                      <a:r>
+                        <a:rPr lang="en-ZA" sz="1600" b="0" baseline="0" dirty="0" smtClean="0">
+                          <a:latin typeface="+mn-lt"/>
+                        </a:rPr>
+                        <a:t>Nodes (Filter)</a:t>
                       </a:r>
                       <a:endParaRPr lang="en-ZA" sz="1600" b="0" dirty="0">
                         <a:latin typeface="+mn-lt"/>
@@ -18574,7 +18561,7 @@
                             </a:schemeClr>
                           </a:solidFill>
                         </a:rPr>
-                        <a:t>4041</a:t>
+                        <a:t>3917</a:t>
                       </a:r>
                       <a:endParaRPr lang="en-ZA" sz="1600" dirty="0">
                         <a:solidFill>
@@ -18661,7 +18648,7 @@
                             </a:schemeClr>
                           </a:solidFill>
                         </a:rPr>
-                        <a:t>2291</a:t>
+                        <a:t>2250</a:t>
                       </a:r>
                       <a:endParaRPr lang="en-ZA" sz="1600" dirty="0">
                         <a:solidFill>
@@ -18994,7 +18981,6 @@
               <a:rPr lang="en-US" dirty="0" smtClean="0"/>
               <a:t>fter applying two function results in decrease of nodes approximately 40%.</a:t>
             </a:r>
-            <a:endParaRPr lang="en-US" dirty="0" smtClean="0"/>
           </a:p>
         </p:txBody>
       </p:sp>
@@ -19084,7 +19070,7 @@
           <p:nvPr>
             <p:extLst>
               <p:ext uri="{D42A27DB-BD31-4B8C-83A1-F6EECF244321}">
-                <p14:modId xmlns:p14="http://schemas.microsoft.com/office/powerpoint/2010/main" val="986543672"/>
+                <p14:modId xmlns:p14="http://schemas.microsoft.com/office/powerpoint/2010/main" val="4171530574"/>
               </p:ext>
             </p:extLst>
           </p:nvPr>
@@ -19224,14 +19210,36 @@
                     <a:bodyPr/>
                     <a:lstStyle/>
                     <a:p>
-                      <a:pPr algn="ctr"/>
+                      <a:pPr marL="0" marR="0" lvl="0" indent="0" algn="ctr" defTabSz="914400" rtl="0" eaLnBrk="1" fontAlgn="auto" latinLnBrk="0" hangingPunct="1">
+                        <a:lnSpc>
+                          <a:spcPct val="100000"/>
+                        </a:lnSpc>
+                        <a:spcBef>
+                          <a:spcPts val="0"/>
+                        </a:spcBef>
+                        <a:spcAft>
+                          <a:spcPts val="0"/>
+                        </a:spcAft>
+                        <a:buClrTx/>
+                        <a:buSzTx/>
+                        <a:buFontTx/>
+                        <a:buNone/>
+                        <a:tabLst/>
+                        <a:defRPr/>
+                      </a:pPr>
                       <a:r>
                         <a:rPr lang="en-ZA" sz="1600" b="0" baseline="0" dirty="0" smtClean="0">
                           <a:latin typeface="+mn-lt"/>
                         </a:rPr>
-                        <a:t>New Edges</a:t>
+                        <a:t>New </a:t>
                       </a:r>
-                      <a:endParaRPr lang="en-ZA" sz="1600" b="0" dirty="0">
+                      <a:r>
+                        <a:rPr lang="en-ZA" sz="1600" b="0" baseline="0" dirty="0" smtClean="0">
+                          <a:latin typeface="+mn-lt"/>
+                        </a:rPr>
+                        <a:t>Edges (Filter)</a:t>
+                      </a:r>
+                      <a:endParaRPr lang="en-ZA" sz="1600" b="0" dirty="0" smtClean="0">
                         <a:latin typeface="+mn-lt"/>
                       </a:endParaRPr>
                     </a:p>
@@ -19804,7 +19812,7 @@
                             </a:schemeClr>
                           </a:solidFill>
                         </a:rPr>
-                        <a:t>4671</a:t>
+                        <a:t>4561</a:t>
                       </a:r>
                       <a:endParaRPr lang="en-ZA" sz="1600" dirty="0">
                         <a:solidFill>
@@ -19891,7 +19899,7 @@
                             </a:schemeClr>
                           </a:solidFill>
                         </a:rPr>
-                        <a:t>3292</a:t>
+                        <a:t>3254</a:t>
                       </a:r>
                       <a:endParaRPr lang="en-ZA" sz="1600" dirty="0">
                         <a:solidFill>
@@ -20220,7 +20228,6 @@
               <a:rPr lang="en-US" dirty="0" smtClean="0"/>
               <a:t>Similarly, The result obtained after applying functions, results in decrease of edges approximately 25 - 30%.</a:t>
             </a:r>
-            <a:endParaRPr lang="en-US" dirty="0" smtClean="0"/>
           </a:p>
         </p:txBody>
       </p:sp>
@@ -20314,8 +20321,8 @@
           </a:xfrm>
         </p:spPr>
       </p:pic>
-      <mc:AlternateContent xmlns:mc="http://schemas.openxmlformats.org/markup-compatibility/2006">
-        <mc:Choice xmlns:a14="http://schemas.microsoft.com/office/drawing/2010/main" Requires="a14">
+      <mc:AlternateContent xmlns:mc="http://schemas.openxmlformats.org/markup-compatibility/2006" xmlns:a14="http://schemas.microsoft.com/office/drawing/2010/main">
+        <mc:Choice Requires="a14">
           <p:sp>
             <p:nvSpPr>
               <p:cNvPr id="5" name="Text Placeholder 4">
@@ -20609,7 +20616,7 @@
             </p:txBody>
           </p:sp>
         </mc:Choice>
-        <mc:Fallback>
+        <mc:Fallback xmlns="">
           <p:sp>
             <p:nvSpPr>
               <p:cNvPr id="5" name="Text Placeholder 4">
@@ -20791,7 +20798,6 @@
               <a:rPr lang="en-US" dirty="0"/>
               <a:t> nodes.</a:t>
             </a:r>
-            <a:endParaRPr lang="en-US" dirty="0"/>
           </a:p>
         </p:txBody>
       </p:sp>
@@ -20937,7 +20943,7 @@
           <p:nvPr>
             <p:extLst>
               <p:ext uri="{D42A27DB-BD31-4B8C-83A1-F6EECF244321}">
-                <p14:modId xmlns:p14="http://schemas.microsoft.com/office/powerpoint/2010/main" val="1991665413"/>
+                <p14:modId xmlns:p14="http://schemas.microsoft.com/office/powerpoint/2010/main" val="1051807668"/>
               </p:ext>
             </p:extLst>
           </p:nvPr>
@@ -21077,14 +21083,42 @@
                     <a:bodyPr/>
                     <a:lstStyle/>
                     <a:p>
-                      <a:pPr algn="ctr"/>
+                      <a:pPr marL="0" marR="0" lvl="0" indent="0" algn="ctr" defTabSz="914400" rtl="0" eaLnBrk="1" fontAlgn="auto" latinLnBrk="0" hangingPunct="1">
+                        <a:lnSpc>
+                          <a:spcPct val="100000"/>
+                        </a:lnSpc>
+                        <a:spcBef>
+                          <a:spcPts val="0"/>
+                        </a:spcBef>
+                        <a:spcAft>
+                          <a:spcPts val="0"/>
+                        </a:spcAft>
+                        <a:buClrTx/>
+                        <a:buSzTx/>
+                        <a:buFontTx/>
+                        <a:buNone/>
+                        <a:tabLst/>
+                        <a:defRPr/>
+                      </a:pPr>
                       <a:r>
                         <a:rPr lang="en-ZA" sz="1600" b="0" dirty="0" smtClean="0">
                           <a:latin typeface="+mn-lt"/>
                         </a:rPr>
-                        <a:t>New Steps (Number of Stations)</a:t>
+                        <a:t>New Steps (Number of Stations</a:t>
                       </a:r>
-                      <a:endParaRPr lang="en-ZA" sz="1600" b="0" dirty="0">
+                      <a:r>
+                        <a:rPr lang="en-ZA" sz="1600" b="0" dirty="0" smtClean="0">
+                          <a:latin typeface="+mn-lt"/>
+                        </a:rPr>
+                        <a:t>) (</a:t>
+                      </a:r>
+                      <a:r>
+                        <a:rPr lang="en-ZA" sz="1600" b="0" baseline="0" dirty="0" smtClean="0">
+                          <a:latin typeface="+mn-lt"/>
+                        </a:rPr>
+                        <a:t>Filter)</a:t>
+                      </a:r>
+                      <a:endParaRPr lang="en-ZA" sz="1600" b="0" dirty="0" smtClean="0">
                         <a:latin typeface="+mn-lt"/>
                       </a:endParaRPr>
                     </a:p>
@@ -21657,7 +21691,7 @@
                             </a:schemeClr>
                           </a:solidFill>
                         </a:rPr>
-                        <a:t>3803</a:t>
+                        <a:t>3707</a:t>
                       </a:r>
                       <a:endParaRPr lang="en-ZA" sz="1600" dirty="0">
                         <a:solidFill>
@@ -21744,7 +21778,7 @@
                             </a:schemeClr>
                           </a:solidFill>
                         </a:rPr>
-                        <a:t>2273</a:t>
+                        <a:t>2232</a:t>
                       </a:r>
                       <a:endParaRPr lang="en-ZA" sz="1600" dirty="0">
                         <a:solidFill>
@@ -22504,7 +22538,7 @@
                 <a16:creationId xmlns:a16="http://schemas.microsoft.com/office/drawing/2014/main" id="{F3753AF9-461F-4049-BB9D-621E76A51470}"/>
               </a:ext>
               <a:ext uri="{C183D7F6-B498-43B3-948B-1728B52AA6E4}">
-                <adec:decorative xmlns="" xmlns:adec="http://schemas.microsoft.com/office/drawing/2017/decorative" val="1"/>
+                <adec:decorative xmlns:adec="http://schemas.microsoft.com/office/drawing/2017/decorative" xmlns="" val="1"/>
               </a:ext>
             </a:extLst>
           </p:cNvPr>
@@ -24200,27 +24234,14 @@
           <a:p>
             <a:r>
               <a:rPr lang="en-US" dirty="0" smtClean="0"/>
-              <a:t>The main </a:t>
-            </a:r>
+              <a:t>The main problem: lots of attributes containing null data.</a:t>
+            </a:r>
+          </a:p>
+          <a:p>
             <a:r>
               <a:rPr lang="en-US" dirty="0" smtClean="0"/>
-              <a:t>problem: </a:t>
-            </a:r>
-            <a:r>
-              <a:rPr lang="en-US" dirty="0" smtClean="0"/>
-              <a:t>lots of attributes containing null data.</a:t>
-            </a:r>
-          </a:p>
-          <a:p>
-            <a:r>
-              <a:rPr lang="en-US" dirty="0" smtClean="0"/>
-              <a:t>Removing the unnecessary columns</a:t>
-            </a:r>
-            <a:r>
-              <a:rPr lang="en-US" dirty="0" smtClean="0"/>
-              <a:t>.</a:t>
-            </a:r>
-            <a:endParaRPr lang="en-US" dirty="0" smtClean="0"/>
+              <a:t>Removing the unnecessary columns.</a:t>
+            </a:r>
           </a:p>
         </p:txBody>
       </p:sp>
@@ -24566,7 +24587,6 @@
               <a:rPr lang="en-US" dirty="0" smtClean="0"/>
               <a:t>.</a:t>
             </a:r>
-            <a:endParaRPr lang="en-US" dirty="0" smtClean="0"/>
           </a:p>
           <a:p>
             <a:r>
@@ -24615,7 +24635,6 @@
               <a:rPr lang="en-US" dirty="0" smtClean="0"/>
               <a:t>.</a:t>
             </a:r>
-            <a:endParaRPr lang="en-US" dirty="0" smtClean="0"/>
           </a:p>
         </p:txBody>
       </p:sp>
@@ -25104,15 +25123,7 @@
           <a:p>
             <a:r>
               <a:rPr lang="en-IN" dirty="0" smtClean="0"/>
-              <a:t>Visualizing the directional path for the </a:t>
-            </a:r>
-            <a:r>
-              <a:rPr lang="en-IN" dirty="0" smtClean="0"/>
-              <a:t>M4 Metro </a:t>
-            </a:r>
-            <a:r>
-              <a:rPr lang="en-IN" dirty="0" smtClean="0"/>
-              <a:t>line from </a:t>
+              <a:t>Visualizing the directional path for the M4 Metro line from </a:t>
             </a:r>
             <a:r>
               <a:rPr lang="en-IN" dirty="0" err="1"/>
@@ -25128,11 +25139,7 @@
             </a:r>
             <a:r>
               <a:rPr lang="en-IN" dirty="0" smtClean="0"/>
-              <a:t> </a:t>
-            </a:r>
-            <a:r>
-              <a:rPr lang="en-IN" dirty="0" smtClean="0"/>
-              <a:t>to </a:t>
+              <a:t> to </a:t>
             </a:r>
             <a:r>
               <a:rPr lang="en-IN" dirty="0" err="1"/>
@@ -25349,11 +25356,7 @@
           <a:p>
             <a:r>
               <a:rPr lang="en-US" dirty="0" smtClean="0"/>
-              <a:t>M4 </a:t>
-            </a:r>
-            <a:r>
-              <a:rPr lang="en-US" dirty="0" smtClean="0"/>
-              <a:t>Metro</a:t>
+              <a:t>M4 Metro</a:t>
             </a:r>
             <a:endParaRPr lang="en-US" dirty="0"/>
           </a:p>
@@ -25989,7 +25992,6 @@
               <a:rPr lang="en-US" dirty="0" smtClean="0"/>
               <a:t>Reshuffled Network – consists of Random data.</a:t>
             </a:r>
-            <a:endParaRPr lang="en-US" dirty="0" smtClean="0"/>
           </a:p>
         </p:txBody>
       </p:sp>
@@ -26408,7 +26410,6 @@
               <a:rPr lang="en-US" sz="2400" dirty="0"/>
               <a:t>.</a:t>
             </a:r>
-            <a:endParaRPr lang="en-US" sz="2400" dirty="0"/>
           </a:p>
         </p:txBody>
       </p:sp>
@@ -26699,7 +26700,6 @@
               <a:rPr lang="en-US" dirty="0" smtClean="0"/>
               <a:t>salesman.</a:t>
             </a:r>
-            <a:endParaRPr lang="en-US" dirty="0" smtClean="0"/>
           </a:p>
         </p:txBody>
       </p:sp>
@@ -27724,14 +27724,6 @@
 </file>
 
 <file path=customXml/item1.xml><?xml version="1.0" encoding="utf-8"?>
-<p:properties xmlns:p="http://schemas.microsoft.com/office/2006/metadata/properties" xmlns:xsi="http://www.w3.org/2001/XMLSchema-instance" xmlns:pc="http://schemas.microsoft.com/office/infopath/2007/PartnerControls">
-  <documentManagement>
-    <MediaServiceKeyPoints xmlns="71af3243-3dd4-4a8d-8c0d-dd76da1f02a5" xsi:nil="true"/>
-  </documentManagement>
-</p:properties>
-</file>
-
-<file path=customXml/item2.xml><?xml version="1.0" encoding="utf-8"?>
 <ct:contentTypeSchema xmlns:ct="http://schemas.microsoft.com/office/2006/metadata/contentType" xmlns:ma="http://schemas.microsoft.com/office/2006/metadata/properties/metaAttributes" ct:_="" ma:_="" ma:contentTypeName="Document" ma:contentTypeID="0x01010079F111ED35F8CC479449609E8A0923A6" ma:contentTypeVersion="11" ma:contentTypeDescription="Create a new document." ma:contentTypeScope="" ma:versionID="9677210f24a1be23c92c90fd886aa0aa">
   <xsd:schema xmlns:xsd="http://www.w3.org/2001/XMLSchema" xmlns:xs="http://www.w3.org/2001/XMLSchema" xmlns:p="http://schemas.microsoft.com/office/2006/metadata/properties" xmlns:ns2="71af3243-3dd4-4a8d-8c0d-dd76da1f02a5" xmlns:ns3="16c05727-aa75-4e4a-9b5f-8a80a1165891" targetNamespace="http://schemas.microsoft.com/office/2006/metadata/properties" ma:root="true" ma:fieldsID="60e05723c5c1908df1a1a4ebf11d344e" ns2:_="" ns3:_="">
     <xsd:import namespace="71af3243-3dd4-4a8d-8c0d-dd76da1f02a5"/>
@@ -27942,6 +27934,14 @@
 </ct:contentTypeSchema>
 </file>
 
+<file path=customXml/item2.xml><?xml version="1.0" encoding="utf-8"?>
+<p:properties xmlns:p="http://schemas.microsoft.com/office/2006/metadata/properties" xmlns:xsi="http://www.w3.org/2001/XMLSchema-instance" xmlns:pc="http://schemas.microsoft.com/office/infopath/2007/PartnerControls">
+  <documentManagement>
+    <MediaServiceKeyPoints xmlns="71af3243-3dd4-4a8d-8c0d-dd76da1f02a5" xsi:nil="true"/>
+  </documentManagement>
+</p:properties>
+</file>
+
 <file path=customXml/item3.xml><?xml version="1.0" encoding="utf-8"?>
 <?mso-contentType ?>
 <FormTemplates xmlns="http://schemas.microsoft.com/sharepoint/v3/contenttype/forms">
@@ -27952,23 +27952,6 @@
 </file>
 
 <file path=customXml/itemProps1.xml><?xml version="1.0" encoding="utf-8"?>
-<ds:datastoreItem xmlns:ds="http://schemas.openxmlformats.org/officeDocument/2006/customXml" ds:itemID="{C9C0BFDF-D948-4F4A-854E-477525F57792}">
-  <ds:schemaRefs>
-    <ds:schemaRef ds:uri="http://purl.org/dc/dcmitype/"/>
-    <ds:schemaRef ds:uri="http://schemas.microsoft.com/office/2006/documentManagement/types"/>
-    <ds:schemaRef ds:uri="http://www.w3.org/XML/1998/namespace"/>
-    <ds:schemaRef ds:uri="http://schemas.microsoft.com/office/infopath/2007/PartnerControls"/>
-    <ds:schemaRef ds:uri="http://purl.org/dc/terms/"/>
-    <ds:schemaRef ds:uri="http://purl.org/dc/elements/1.1/"/>
-    <ds:schemaRef ds:uri="71af3243-3dd4-4a8d-8c0d-dd76da1f02a5"/>
-    <ds:schemaRef ds:uri="http://schemas.openxmlformats.org/package/2006/metadata/core-properties"/>
-    <ds:schemaRef ds:uri="16c05727-aa75-4e4a-9b5f-8a80a1165891"/>
-    <ds:schemaRef ds:uri="http://schemas.microsoft.com/office/2006/metadata/properties"/>
-  </ds:schemaRefs>
-</ds:datastoreItem>
-</file>
-
-<file path=customXml/itemProps2.xml><?xml version="1.0" encoding="utf-8"?>
 <ds:datastoreItem xmlns:ds="http://schemas.openxmlformats.org/officeDocument/2006/customXml" ds:itemID="{513094F6-5ADD-4195-AF81-00AF033C96A1}">
   <ds:schemaRefs>
     <ds:schemaRef ds:uri="http://schemas.microsoft.com/office/2006/metadata/contentType"/>
@@ -27987,6 +27970,23 @@
 </ds:datastoreItem>
 </file>
 
+<file path=customXml/itemProps2.xml><?xml version="1.0" encoding="utf-8"?>
+<ds:datastoreItem xmlns:ds="http://schemas.openxmlformats.org/officeDocument/2006/customXml" ds:itemID="{C9C0BFDF-D948-4F4A-854E-477525F57792}">
+  <ds:schemaRefs>
+    <ds:schemaRef ds:uri="http://purl.org/dc/dcmitype/"/>
+    <ds:schemaRef ds:uri="http://schemas.microsoft.com/office/2006/documentManagement/types"/>
+    <ds:schemaRef ds:uri="http://www.w3.org/XML/1998/namespace"/>
+    <ds:schemaRef ds:uri="http://schemas.microsoft.com/office/infopath/2007/PartnerControls"/>
+    <ds:schemaRef ds:uri="http://purl.org/dc/terms/"/>
+    <ds:schemaRef ds:uri="http://purl.org/dc/elements/1.1/"/>
+    <ds:schemaRef ds:uri="71af3243-3dd4-4a8d-8c0d-dd76da1f02a5"/>
+    <ds:schemaRef ds:uri="http://schemas.openxmlformats.org/package/2006/metadata/core-properties"/>
+    <ds:schemaRef ds:uri="16c05727-aa75-4e4a-9b5f-8a80a1165891"/>
+    <ds:schemaRef ds:uri="http://schemas.microsoft.com/office/2006/metadata/properties"/>
+  </ds:schemaRefs>
+</ds:datastoreItem>
+</file>
+
 <file path=customXml/itemProps3.xml><?xml version="1.0" encoding="utf-8"?>
 <ds:datastoreItem xmlns:ds="http://schemas.openxmlformats.org/officeDocument/2006/customXml" ds:itemID="{56E3E58C-5E8A-4781-9921-C2B23BC09EB2}">
   <ds:schemaRefs>
